--- a/(43)Combination of dict with dict,set,tuple and list.pptx
+++ b/(43)Combination of dict with dict,set,tuple and list.pptx
@@ -28,6 +28,19 @@
     <p:sldId id="276" r:id="rId22"/>
     <p:sldId id="277" r:id="rId23"/>
     <p:sldId id="278" r:id="rId24"/>
+    <p:sldId id="279" r:id="rId25"/>
+    <p:sldId id="280" r:id="rId26"/>
+    <p:sldId id="281" r:id="rId27"/>
+    <p:sldId id="282" r:id="rId28"/>
+    <p:sldId id="283" r:id="rId29"/>
+    <p:sldId id="284" r:id="rId30"/>
+    <p:sldId id="285" r:id="rId31"/>
+    <p:sldId id="286" r:id="rId32"/>
+    <p:sldId id="288" r:id="rId33"/>
+    <p:sldId id="289" r:id="rId34"/>
+    <p:sldId id="291" r:id="rId35"/>
+    <p:sldId id="293" r:id="rId36"/>
+    <p:sldId id="294" r:id="rId37"/>
   </p:sldIdLst>
   <p:sldSz cx="9144000" cy="6858000" type="screen4x3"/>
   <p:notesSz cx="6858000" cy="9144000"/>
@@ -377,6 +390,7 @@
           <a:p>
             <a:fld id="{7D6410AB-7B66-4EED-A0EE-5310EB0B1082}" type="datetimeFigureOut">
               <a:rPr lang="en-US" smtClean="0"/>
+              <a:pPr/>
               <a:t>12/7/2024</a:t>
             </a:fld>
             <a:endParaRPr lang="en-US"/>
@@ -419,6 +433,7 @@
           <a:p>
             <a:fld id="{CA900970-4E30-4EEE-9B00-690A15393356}" type="slidenum">
               <a:rPr lang="en-US" smtClean="0"/>
+              <a:pPr/>
               <a:t>‹#›</a:t>
             </a:fld>
             <a:endParaRPr lang="en-US"/>
@@ -600,6 +615,7 @@
           <a:p>
             <a:fld id="{7D6410AB-7B66-4EED-A0EE-5310EB0B1082}" type="datetimeFigureOut">
               <a:rPr lang="en-US" smtClean="0"/>
+              <a:pPr/>
               <a:t>12/7/2024</a:t>
             </a:fld>
             <a:endParaRPr lang="en-US"/>
@@ -642,6 +658,7 @@
           <a:p>
             <a:fld id="{CA900970-4E30-4EEE-9B00-690A15393356}" type="slidenum">
               <a:rPr lang="en-US" smtClean="0"/>
+              <a:pPr/>
               <a:t>‹#›</a:t>
             </a:fld>
             <a:endParaRPr lang="en-US"/>
@@ -880,6 +897,7 @@
           <a:p>
             <a:fld id="{7D6410AB-7B66-4EED-A0EE-5310EB0B1082}" type="datetimeFigureOut">
               <a:rPr lang="en-US" smtClean="0"/>
+              <a:pPr/>
               <a:t>12/7/2024</a:t>
             </a:fld>
             <a:endParaRPr lang="en-US"/>
@@ -927,6 +945,7 @@
           <a:p>
             <a:fld id="{CA900970-4E30-4EEE-9B00-690A15393356}" type="slidenum">
               <a:rPr lang="en-US" smtClean="0"/>
+              <a:pPr/>
               <a:t>‹#›</a:t>
             </a:fld>
             <a:endParaRPr lang="en-US"/>
@@ -1059,6 +1078,7 @@
           <a:p>
             <a:fld id="{7D6410AB-7B66-4EED-A0EE-5310EB0B1082}" type="datetimeFigureOut">
               <a:rPr lang="en-US" smtClean="0"/>
+              <a:pPr/>
               <a:t>12/7/2024</a:t>
             </a:fld>
             <a:endParaRPr lang="en-US"/>
@@ -1101,6 +1121,7 @@
           <a:p>
             <a:fld id="{CA900970-4E30-4EEE-9B00-690A15393356}" type="slidenum">
               <a:rPr lang="en-US" smtClean="0"/>
+              <a:pPr/>
               <a:t>‹#›</a:t>
             </a:fld>
             <a:endParaRPr lang="en-US"/>
@@ -1417,6 +1438,7 @@
           <a:p>
             <a:fld id="{7D6410AB-7B66-4EED-A0EE-5310EB0B1082}" type="datetimeFigureOut">
               <a:rPr lang="en-US" smtClean="0"/>
+              <a:pPr/>
               <a:t>12/7/2024</a:t>
             </a:fld>
             <a:endParaRPr lang="en-US"/>
@@ -1459,6 +1481,7 @@
           <a:p>
             <a:fld id="{CA900970-4E30-4EEE-9B00-690A15393356}" type="slidenum">
               <a:rPr lang="en-US" smtClean="0"/>
+              <a:pPr/>
               <a:t>‹#›</a:t>
             </a:fld>
             <a:endParaRPr lang="en-US"/>
@@ -1704,6 +1727,7 @@
           <a:p>
             <a:fld id="{7D6410AB-7B66-4EED-A0EE-5310EB0B1082}" type="datetimeFigureOut">
               <a:rPr lang="en-US" smtClean="0"/>
+              <a:pPr/>
               <a:t>12/7/2024</a:t>
             </a:fld>
             <a:endParaRPr lang="en-US"/>
@@ -1746,6 +1770,7 @@
           <a:p>
             <a:fld id="{CA900970-4E30-4EEE-9B00-690A15393356}" type="slidenum">
               <a:rPr lang="en-US" smtClean="0"/>
+              <a:pPr/>
               <a:t>‹#›</a:t>
             </a:fld>
             <a:endParaRPr lang="en-US"/>
@@ -2126,6 +2151,7 @@
           <a:p>
             <a:fld id="{7D6410AB-7B66-4EED-A0EE-5310EB0B1082}" type="datetimeFigureOut">
               <a:rPr lang="en-US" smtClean="0"/>
+              <a:pPr/>
               <a:t>12/7/2024</a:t>
             </a:fld>
             <a:endParaRPr lang="en-US"/>
@@ -2168,6 +2194,7 @@
           <a:p>
             <a:fld id="{CA900970-4E30-4EEE-9B00-690A15393356}" type="slidenum">
               <a:rPr lang="en-US" smtClean="0"/>
+              <a:pPr/>
               <a:t>‹#›</a:t>
             </a:fld>
             <a:endParaRPr lang="en-US"/>
@@ -2241,6 +2268,7 @@
           <a:p>
             <a:fld id="{7D6410AB-7B66-4EED-A0EE-5310EB0B1082}" type="datetimeFigureOut">
               <a:rPr lang="en-US" smtClean="0"/>
+              <a:pPr/>
               <a:t>12/7/2024</a:t>
             </a:fld>
             <a:endParaRPr lang="en-US"/>
@@ -2283,6 +2311,7 @@
           <a:p>
             <a:fld id="{CA900970-4E30-4EEE-9B00-690A15393356}" type="slidenum">
               <a:rPr lang="en-US" smtClean="0"/>
+              <a:pPr/>
               <a:t>‹#›</a:t>
             </a:fld>
             <a:endParaRPr lang="en-US"/>
@@ -2331,6 +2360,7 @@
           <a:p>
             <a:fld id="{7D6410AB-7B66-4EED-A0EE-5310EB0B1082}" type="datetimeFigureOut">
               <a:rPr lang="en-US" smtClean="0"/>
+              <a:pPr/>
               <a:t>12/7/2024</a:t>
             </a:fld>
             <a:endParaRPr lang="en-US"/>
@@ -2373,6 +2403,7 @@
           <a:p>
             <a:fld id="{CA900970-4E30-4EEE-9B00-690A15393356}" type="slidenum">
               <a:rPr lang="en-US" smtClean="0"/>
+              <a:pPr/>
               <a:t>‹#›</a:t>
             </a:fld>
             <a:endParaRPr lang="en-US"/>
@@ -2609,6 +2640,7 @@
           <a:p>
             <a:fld id="{7D6410AB-7B66-4EED-A0EE-5310EB0B1082}" type="datetimeFigureOut">
               <a:rPr lang="en-US" smtClean="0"/>
+              <a:pPr/>
               <a:t>12/7/2024</a:t>
             </a:fld>
             <a:endParaRPr lang="en-US"/>
@@ -2651,6 +2683,7 @@
           <a:p>
             <a:fld id="{CA900970-4E30-4EEE-9B00-690A15393356}" type="slidenum">
               <a:rPr lang="en-US" smtClean="0"/>
+              <a:pPr/>
               <a:t>‹#›</a:t>
             </a:fld>
             <a:endParaRPr lang="en-US"/>
@@ -2975,6 +3008,7 @@
           <a:p>
             <a:fld id="{7D6410AB-7B66-4EED-A0EE-5310EB0B1082}" type="datetimeFigureOut">
               <a:rPr lang="en-US" smtClean="0"/>
+              <a:pPr/>
               <a:t>12/7/2024</a:t>
             </a:fld>
             <a:endParaRPr lang="en-US"/>
@@ -3131,6 +3165,7 @@
           <a:p>
             <a:fld id="{CA900970-4E30-4EEE-9B00-690A15393356}" type="slidenum">
               <a:rPr lang="en-US" smtClean="0"/>
+              <a:pPr/>
               <a:t>‹#›</a:t>
             </a:fld>
             <a:endParaRPr lang="en-US"/>
@@ -3412,6 +3447,7 @@
           <a:p>
             <a:fld id="{7D6410AB-7B66-4EED-A0EE-5310EB0B1082}" type="datetimeFigureOut">
               <a:rPr lang="en-US" smtClean="0"/>
+              <a:pPr/>
               <a:t>12/7/2024</a:t>
             </a:fld>
             <a:endParaRPr lang="en-US"/>
@@ -3492,6 +3528,7 @@
           <a:p>
             <a:fld id="{CA900970-4E30-4EEE-9B00-690A15393356}" type="slidenum">
               <a:rPr lang="en-US" smtClean="0"/>
+              <a:pPr/>
               <a:t>‹#›</a:t>
             </a:fld>
             <a:endParaRPr lang="en-US"/>
@@ -3937,84 +3974,53 @@
           <a:p>
             <a:r>
               <a:rPr lang="en-US" dirty="0" smtClean="0"/>
-              <a:t>&gt;&gt;&gt; for it in d1.items(): </a:t>
-            </a:r>
-            <a:r>
-              <a:rPr lang="en-US" dirty="0" smtClean="0"/>
-              <a:t>...</a:t>
-            </a:r>
-          </a:p>
-          <a:p>
-            <a:r>
-              <a:rPr lang="en-US" dirty="0" smtClean="0"/>
-              <a:t> </a:t>
-            </a:r>
-            <a:r>
-              <a:rPr lang="en-US" dirty="0" smtClean="0"/>
-              <a:t>print(it) </a:t>
-            </a:r>
-            <a:r>
-              <a:rPr lang="en-US" dirty="0" smtClean="0"/>
-              <a:t>...</a:t>
-            </a:r>
-          </a:p>
-          <a:p>
-            <a:r>
-              <a:rPr lang="en-US" dirty="0" smtClean="0"/>
-              <a:t> </a:t>
-            </a:r>
+              <a:t>&gt;&gt;&gt; for it in d1.items(): ...</a:t>
+            </a:r>
+          </a:p>
+          <a:p>
+            <a:r>
+              <a:rPr lang="en-US" dirty="0" smtClean="0"/>
+              <a:t> print(it) ...</a:t>
+            </a:r>
+          </a:p>
+          <a:p>
+            <a:r>
+              <a:rPr lang="en-US" dirty="0" smtClean="0"/>
+              <a:t> ('</a:t>
+            </a:r>
+            <a:r>
+              <a:rPr lang="en-US" dirty="0" err="1" smtClean="0"/>
+              <a:t>sno</a:t>
+            </a:r>
+            <a:r>
+              <a:rPr lang="en-US" dirty="0" smtClean="0"/>
+              <a:t>', 100) </a:t>
+            </a:r>
+          </a:p>
+          <a:p>
+            <a:r>
+              <a:rPr lang="en-US" dirty="0" smtClean="0"/>
+              <a:t>('name', 'RS') </a:t>
+            </a:r>
+          </a:p>
+          <a:p>
             <a:r>
               <a:rPr lang="en-US" dirty="0" smtClean="0"/>
               <a:t>('</a:t>
             </a:r>
             <a:r>
               <a:rPr lang="en-US" dirty="0" err="1" smtClean="0"/>
-              <a:t>sno</a:t>
-            </a:r>
-            <a:r>
-              <a:rPr lang="en-US" dirty="0" smtClean="0"/>
-              <a:t>', 100) </a:t>
-            </a:r>
-            <a:endParaRPr lang="en-US" dirty="0" smtClean="0"/>
-          </a:p>
-          <a:p>
-            <a:r>
-              <a:rPr lang="en-US" dirty="0" smtClean="0"/>
-              <a:t>(</a:t>
-            </a:r>
-            <a:r>
-              <a:rPr lang="en-US" dirty="0" smtClean="0"/>
-              <a:t>'name', 'RS') </a:t>
-            </a:r>
-            <a:endParaRPr lang="en-US" dirty="0" smtClean="0"/>
-          </a:p>
-          <a:p>
-            <a:r>
-              <a:rPr lang="en-US" dirty="0" smtClean="0"/>
-              <a:t>(</a:t>
-            </a:r>
-            <a:r>
-              <a:rPr lang="en-US" dirty="0" smtClean="0"/>
-              <a:t>'</a:t>
-            </a:r>
-            <a:r>
-              <a:rPr lang="en-US" dirty="0" err="1" smtClean="0"/>
               <a:t>IntMarks</a:t>
             </a:r>
             <a:r>
               <a:rPr lang="en-US" dirty="0" smtClean="0"/>
               <a:t>', {'cm': 17, 'c++': 16}) </a:t>
             </a:r>
-            <a:endParaRPr lang="en-US" dirty="0" smtClean="0"/>
-          </a:p>
-          <a:p>
-            <a:r>
-              <a:rPr lang="en-US" dirty="0" smtClean="0"/>
-              <a:t>(</a:t>
-            </a:r>
-            <a:r>
-              <a:rPr lang="en-US" dirty="0" smtClean="0"/>
-              <a:t>'</a:t>
+          </a:p>
+          <a:p>
+            <a:r>
+              <a:rPr lang="en-US" dirty="0" smtClean="0"/>
+              <a:t>('</a:t>
             </a:r>
             <a:r>
               <a:rPr lang="en-US" dirty="0" err="1" smtClean="0"/>
@@ -4024,16 +4030,11 @@
               <a:rPr lang="en-US" dirty="0" smtClean="0"/>
               <a:t>', {'cm': 70, 'c++': 67}) </a:t>
             </a:r>
-            <a:endParaRPr lang="en-US" dirty="0" smtClean="0"/>
-          </a:p>
-          <a:p>
-            <a:r>
-              <a:rPr lang="en-US" dirty="0" smtClean="0"/>
-              <a:t>(</a:t>
-            </a:r>
-            <a:r>
-              <a:rPr lang="en-US" dirty="0" smtClean="0"/>
-              <a:t>'</a:t>
+          </a:p>
+          <a:p>
+            <a:r>
+              <a:rPr lang="en-US" dirty="0" smtClean="0"/>
+              <a:t>('</a:t>
             </a:r>
             <a:r>
               <a:rPr lang="en-US" dirty="0" err="1" smtClean="0"/>
@@ -4116,11 +4117,29 @@
             </a:r>
             <a:r>
               <a:rPr lang="en-US" dirty="0" smtClean="0"/>
-              <a:t> in d1.items</a:t>
-            </a:r>
-            <a:r>
-              <a:rPr lang="en-US" dirty="0" smtClean="0"/>
-              <a:t>():</a:t>
+              <a:t> in d1.items():</a:t>
+            </a:r>
+          </a:p>
+          <a:p>
+            <a:r>
+              <a:rPr lang="en-US" dirty="0" smtClean="0"/>
+              <a:t> ... print(</a:t>
+            </a:r>
+            <a:r>
+              <a:rPr lang="en-US" dirty="0" err="1" smtClean="0"/>
+              <a:t>gudu</a:t>
+            </a:r>
+            <a:r>
+              <a:rPr lang="en-US" dirty="0" smtClean="0"/>
+              <a:t>,"---&gt;",</a:t>
+            </a:r>
+            <a:r>
+              <a:rPr lang="en-US" dirty="0" err="1" smtClean="0"/>
+              <a:t>sahu</a:t>
+            </a:r>
+            <a:r>
+              <a:rPr lang="en-US" dirty="0" smtClean="0"/>
+              <a:t>) ...</a:t>
             </a:r>
           </a:p>
           <a:p>
@@ -4129,36 +4148,6 @@
               <a:t> </a:t>
             </a:r>
             <a:r>
-              <a:rPr lang="en-US" dirty="0" smtClean="0"/>
-              <a:t>... print(</a:t>
-            </a:r>
-            <a:r>
-              <a:rPr lang="en-US" dirty="0" err="1" smtClean="0"/>
-              <a:t>gudu</a:t>
-            </a:r>
-            <a:r>
-              <a:rPr lang="en-US" dirty="0" smtClean="0"/>
-              <a:t>,"---&gt;",</a:t>
-            </a:r>
-            <a:r>
-              <a:rPr lang="en-US" dirty="0" err="1" smtClean="0"/>
-              <a:t>sahu</a:t>
-            </a:r>
-            <a:r>
-              <a:rPr lang="en-US" dirty="0" smtClean="0"/>
-              <a:t>) </a:t>
-            </a:r>
-            <a:r>
-              <a:rPr lang="en-US" dirty="0" smtClean="0"/>
-              <a:t>...</a:t>
-            </a:r>
-          </a:p>
-          <a:p>
-            <a:r>
-              <a:rPr lang="en-US" dirty="0" smtClean="0"/>
-              <a:t> </a:t>
-            </a:r>
-            <a:r>
               <a:rPr lang="en-US" dirty="0" err="1" smtClean="0"/>
               <a:t>sno</a:t>
             </a:r>
@@ -4166,18 +4155,12 @@
               <a:rPr lang="en-US" dirty="0" smtClean="0"/>
               <a:t> ---&gt; 100 </a:t>
             </a:r>
-            <a:endParaRPr lang="en-US" dirty="0" smtClean="0"/>
-          </a:p>
-          <a:p>
-            <a:r>
-              <a:rPr lang="en-US" dirty="0" smtClean="0"/>
-              <a:t>name </a:t>
-            </a:r>
-            <a:r>
-              <a:rPr lang="en-US" dirty="0" smtClean="0"/>
-              <a:t>---&gt; RS </a:t>
-            </a:r>
-            <a:endParaRPr lang="en-US" dirty="0" smtClean="0"/>
+          </a:p>
+          <a:p>
+            <a:r>
+              <a:rPr lang="en-US" dirty="0" smtClean="0"/>
+              <a:t>name ---&gt; RS </a:t>
+            </a:r>
           </a:p>
           <a:p>
             <a:r>
@@ -4186,13 +4169,8 @@
             </a:r>
             <a:r>
               <a:rPr lang="en-US" dirty="0" smtClean="0"/>
-              <a:t> </a:t>
-            </a:r>
-            <a:r>
-              <a:rPr lang="en-US" dirty="0" smtClean="0"/>
-              <a:t>---&gt; {'cm': 17, 'c++': 16} </a:t>
-            </a:r>
-            <a:endParaRPr lang="en-US" dirty="0" smtClean="0"/>
+              <a:t> ---&gt; {'cm': 17, 'c++': 16} </a:t>
+            </a:r>
           </a:p>
           <a:p>
             <a:r>
@@ -4201,13 +4179,8 @@
             </a:r>
             <a:r>
               <a:rPr lang="en-US" dirty="0" smtClean="0"/>
-              <a:t> </a:t>
-            </a:r>
-            <a:r>
-              <a:rPr lang="en-US" dirty="0" smtClean="0"/>
-              <a:t>---&gt; {'cm': 70, 'c++': 67} </a:t>
-            </a:r>
-            <a:endParaRPr lang="en-US" dirty="0" smtClean="0"/>
+              <a:t> ---&gt; {'cm': 70, 'c++': 67} </a:t>
+            </a:r>
           </a:p>
           <a:p>
             <a:r>
@@ -4216,11 +4189,7 @@
             </a:r>
             <a:r>
               <a:rPr lang="en-US" dirty="0" smtClean="0"/>
-              <a:t> </a:t>
-            </a:r>
-            <a:r>
-              <a:rPr lang="en-US" dirty="0" smtClean="0"/>
-              <a:t>---&gt; OU</a:t>
+              <a:t> ---&gt; OU</a:t>
             </a:r>
             <a:endParaRPr lang="en-US" dirty="0"/>
           </a:p>
@@ -4287,21 +4256,13 @@
           <a:p>
             <a:r>
               <a:rPr lang="en-US" dirty="0" smtClean="0"/>
-              <a:t>&gt;&gt;&gt; print(d1</a:t>
-            </a:r>
-            <a:r>
-              <a:rPr lang="en-US" dirty="0" smtClean="0"/>
-              <a:t>)</a:t>
-            </a:r>
-          </a:p>
-          <a:p>
-            <a:r>
-              <a:rPr lang="en-US" dirty="0" smtClean="0"/>
-              <a:t> </a:t>
-            </a:r>
-            <a:r>
-              <a:rPr lang="en-US" dirty="0" smtClean="0"/>
-              <a:t>{'</a:t>
+              <a:t>&gt;&gt;&gt; print(d1)</a:t>
+            </a:r>
+          </a:p>
+          <a:p>
+            <a:r>
+              <a:rPr lang="en-US" dirty="0" smtClean="0"/>
+              <a:t> {'</a:t>
             </a:r>
             <a:r>
               <a:rPr lang="en-US" dirty="0" err="1" smtClean="0"/>
@@ -4335,16 +4296,11 @@
               <a:rPr lang="en-US" dirty="0" smtClean="0"/>
               <a:t>': 'OU'} </a:t>
             </a:r>
-            <a:endParaRPr lang="en-US" dirty="0" smtClean="0"/>
-          </a:p>
-          <a:p>
-            <a:r>
-              <a:rPr lang="en-US" dirty="0" smtClean="0"/>
-              <a:t>&gt;&gt;&gt; </a:t>
-            </a:r>
-            <a:r>
-              <a:rPr lang="en-US" dirty="0" smtClean="0"/>
-              <a:t>d1.get("</a:t>
+          </a:p>
+          <a:p>
+            <a:r>
+              <a:rPr lang="en-US" dirty="0" smtClean="0"/>
+              <a:t>&gt;&gt;&gt; d1.get("</a:t>
             </a:r>
             <a:r>
               <a:rPr lang="en-US" dirty="0" err="1" smtClean="0"/>
@@ -4358,22 +4314,13 @@
           <a:p>
             <a:r>
               <a:rPr lang="en-US" dirty="0" smtClean="0"/>
-              <a:t> </a:t>
-            </a:r>
-            <a:r>
-              <a:rPr lang="en-US" dirty="0" smtClean="0"/>
-              <a:t>{'cm': 17, 'c++': 16} </a:t>
-            </a:r>
-            <a:endParaRPr lang="en-US" dirty="0" smtClean="0"/>
-          </a:p>
-          <a:p>
-            <a:r>
-              <a:rPr lang="en-US" dirty="0" smtClean="0"/>
-              <a:t>&gt;&gt;&gt; </a:t>
-            </a:r>
-            <a:r>
-              <a:rPr lang="en-US" dirty="0" smtClean="0"/>
-              <a:t>d1.get("</a:t>
+              <a:t> {'cm': 17, 'c++': 16} </a:t>
+            </a:r>
+          </a:p>
+          <a:p>
+            <a:r>
+              <a:rPr lang="en-US" dirty="0" smtClean="0"/>
+              <a:t>&gt;&gt;&gt; d1.get("</a:t>
             </a:r>
             <a:r>
               <a:rPr lang="en-US" dirty="0" err="1" smtClean="0"/>
@@ -4387,11 +4334,7 @@
           <a:p>
             <a:r>
               <a:rPr lang="en-US" dirty="0" smtClean="0"/>
-              <a:t> </a:t>
-            </a:r>
-            <a:r>
-              <a:rPr lang="en-US" dirty="0" smtClean="0"/>
-              <a:t>{'cm': 70, 'c++': 67}</a:t>
+              <a:t> {'cm': 70, 'c++': 67}</a:t>
             </a:r>
             <a:endParaRPr lang="en-US" dirty="0"/>
           </a:p>
@@ -4470,173 +4413,109 @@
               <a:rPr lang="en-US" dirty="0" smtClean="0"/>
               <a:t>").items(): </a:t>
             </a:r>
-            <a:endParaRPr lang="en-US" dirty="0" smtClean="0"/>
+          </a:p>
+          <a:p>
+            <a:r>
+              <a:rPr lang="en-US" dirty="0" smtClean="0"/>
+              <a:t>... print(it) </a:t>
+            </a:r>
+          </a:p>
+          <a:p>
+            <a:r>
+              <a:rPr lang="en-US" dirty="0" smtClean="0"/>
+              <a:t>... ('cm', 17) ('c++', 16) </a:t>
+            </a:r>
+          </a:p>
+          <a:p>
+            <a:r>
+              <a:rPr lang="en-US" dirty="0" smtClean="0"/>
+              <a:t>&gt;&gt;&gt; for </a:t>
+            </a:r>
+            <a:r>
+              <a:rPr lang="en-US" dirty="0" err="1" smtClean="0"/>
+              <a:t>k,v</a:t>
+            </a:r>
+            <a:r>
+              <a:rPr lang="en-US" dirty="0" smtClean="0"/>
+              <a:t> in d1.get("</a:t>
+            </a:r>
+            <a:r>
+              <a:rPr lang="en-US" dirty="0" err="1" smtClean="0"/>
+              <a:t>IntMarks</a:t>
+            </a:r>
+            <a:r>
+              <a:rPr lang="en-US" dirty="0" smtClean="0"/>
+              <a:t>").items(): </a:t>
+            </a:r>
+          </a:p>
+          <a:p>
+            <a:r>
+              <a:rPr lang="en-US" dirty="0" smtClean="0"/>
+              <a:t>... print(k,"---&gt;",v) </a:t>
+            </a:r>
+          </a:p>
+          <a:p>
+            <a:r>
+              <a:rPr lang="en-US" dirty="0" smtClean="0"/>
+              <a:t>... cm ---&gt; 17</a:t>
+            </a:r>
+          </a:p>
+          <a:p>
+            <a:r>
+              <a:rPr lang="en-US" dirty="0" smtClean="0"/>
+              <a:t> c++ ---&gt; 16 </a:t>
+            </a:r>
+          </a:p>
+          <a:p>
+            <a:r>
+              <a:rPr lang="en-US" dirty="0" smtClean="0"/>
+              <a:t>&gt;&gt;&gt; for </a:t>
+            </a:r>
+            <a:r>
+              <a:rPr lang="en-US" dirty="0" err="1" smtClean="0"/>
+              <a:t>k,v</a:t>
+            </a:r>
+            <a:r>
+              <a:rPr lang="en-US" dirty="0" smtClean="0"/>
+              <a:t> in d1.get("</a:t>
+            </a:r>
+            <a:r>
+              <a:rPr lang="en-US" dirty="0" err="1" smtClean="0"/>
+              <a:t>ExtMarks</a:t>
+            </a:r>
+            <a:r>
+              <a:rPr lang="en-US" dirty="0" smtClean="0"/>
+              <a:t>").items():</a:t>
+            </a:r>
+          </a:p>
+          <a:p>
+            <a:r>
+              <a:rPr lang="en-US" dirty="0" smtClean="0"/>
+              <a:t> ... </a:t>
+            </a:r>
+          </a:p>
+          <a:p>
+            <a:r>
+              <a:rPr lang="en-US" dirty="0" smtClean="0"/>
+              <a:t>print(k,"---&gt;",v) </a:t>
+            </a:r>
           </a:p>
           <a:p>
             <a:r>
               <a:rPr lang="en-US" dirty="0" smtClean="0"/>
               <a:t>... </a:t>
             </a:r>
-            <a:r>
-              <a:rPr lang="en-US" dirty="0" smtClean="0"/>
-              <a:t>print(it) </a:t>
-            </a:r>
-            <a:endParaRPr lang="en-US" dirty="0" smtClean="0"/>
-          </a:p>
-          <a:p>
-            <a:r>
-              <a:rPr lang="en-US" dirty="0" smtClean="0"/>
-              <a:t>... </a:t>
-            </a:r>
-            <a:r>
-              <a:rPr lang="en-US" dirty="0" smtClean="0"/>
-              <a:t>('cm', 17) ('c++', 16) </a:t>
-            </a:r>
-            <a:endParaRPr lang="en-US" dirty="0" smtClean="0"/>
-          </a:p>
-          <a:p>
-            <a:r>
-              <a:rPr lang="en-US" dirty="0" smtClean="0"/>
-              <a:t>&gt;&gt;&gt; </a:t>
-            </a:r>
-            <a:r>
-              <a:rPr lang="en-US" dirty="0" smtClean="0"/>
-              <a:t>for </a:t>
-            </a:r>
-            <a:r>
-              <a:rPr lang="en-US" dirty="0" err="1" smtClean="0"/>
-              <a:t>k,v</a:t>
-            </a:r>
-            <a:r>
-              <a:rPr lang="en-US" dirty="0" smtClean="0"/>
-              <a:t> in d1.get("</a:t>
-            </a:r>
-            <a:r>
-              <a:rPr lang="en-US" dirty="0" err="1" smtClean="0"/>
-              <a:t>IntMarks</a:t>
-            </a:r>
-            <a:r>
-              <a:rPr lang="en-US" dirty="0" smtClean="0"/>
-              <a:t>").items(): </a:t>
-            </a:r>
-            <a:endParaRPr lang="en-US" dirty="0" smtClean="0"/>
-          </a:p>
-          <a:p>
-            <a:r>
-              <a:rPr lang="en-US" dirty="0" smtClean="0"/>
-              <a:t>... </a:t>
-            </a:r>
-            <a:r>
-              <a:rPr lang="en-US" dirty="0" smtClean="0"/>
-              <a:t>print(k,"---&gt;",v) </a:t>
-            </a:r>
-            <a:endParaRPr lang="en-US" dirty="0" smtClean="0"/>
-          </a:p>
-          <a:p>
-            <a:r>
-              <a:rPr lang="en-US" dirty="0" smtClean="0"/>
-              <a:t>... </a:t>
-            </a:r>
-            <a:r>
-              <a:rPr lang="en-US" dirty="0" smtClean="0"/>
-              <a:t>cm ---&gt; </a:t>
-            </a:r>
-            <a:r>
-              <a:rPr lang="en-US" dirty="0" smtClean="0"/>
-              <a:t>17</a:t>
-            </a:r>
-          </a:p>
-          <a:p>
-            <a:r>
-              <a:rPr lang="en-US" dirty="0" smtClean="0"/>
-              <a:t> </a:t>
-            </a:r>
-            <a:r>
-              <a:rPr lang="en-US" dirty="0" smtClean="0"/>
-              <a:t>c++ ---&gt; 16 </a:t>
-            </a:r>
-            <a:endParaRPr lang="en-US" dirty="0" smtClean="0"/>
-          </a:p>
-          <a:p>
-            <a:r>
-              <a:rPr lang="en-US" dirty="0" smtClean="0"/>
-              <a:t>&gt;&gt;&gt; </a:t>
-            </a:r>
-            <a:r>
-              <a:rPr lang="en-US" dirty="0" smtClean="0"/>
-              <a:t>for </a:t>
-            </a:r>
-            <a:r>
-              <a:rPr lang="en-US" dirty="0" err="1" smtClean="0"/>
-              <a:t>k,v</a:t>
-            </a:r>
-            <a:r>
-              <a:rPr lang="en-US" dirty="0" smtClean="0"/>
-              <a:t> in d1.get("</a:t>
-            </a:r>
-            <a:r>
-              <a:rPr lang="en-US" dirty="0" err="1" smtClean="0"/>
-              <a:t>ExtMarks</a:t>
-            </a:r>
-            <a:r>
-              <a:rPr lang="en-US" dirty="0" smtClean="0"/>
-              <a:t>").items</a:t>
-            </a:r>
-            <a:r>
-              <a:rPr lang="en-US" dirty="0" smtClean="0"/>
-              <a:t>():</a:t>
-            </a:r>
-          </a:p>
-          <a:p>
-            <a:r>
-              <a:rPr lang="en-US" dirty="0" smtClean="0"/>
-              <a:t> </a:t>
-            </a:r>
-            <a:r>
-              <a:rPr lang="en-US" dirty="0" smtClean="0"/>
-              <a:t>... </a:t>
-            </a:r>
-            <a:endParaRPr lang="en-US" dirty="0" smtClean="0"/>
-          </a:p>
-          <a:p>
-            <a:r>
-              <a:rPr lang="en-US" dirty="0" smtClean="0"/>
-              <a:t>print(k</a:t>
-            </a:r>
-            <a:r>
-              <a:rPr lang="en-US" dirty="0" smtClean="0"/>
-              <a:t>,"---&gt;",v</a:t>
-            </a:r>
-            <a:r>
-              <a:rPr lang="en-US" dirty="0" smtClean="0"/>
-              <a:t>) </a:t>
-            </a:r>
-          </a:p>
-          <a:p>
-            <a:r>
-              <a:rPr lang="en-US" dirty="0" smtClean="0"/>
-              <a:t>... </a:t>
-            </a:r>
-          </a:p>
-          <a:p>
-            <a:r>
-              <a:rPr lang="en-US" dirty="0" smtClean="0"/>
-              <a:t>cm </a:t>
-            </a:r>
-            <a:r>
-              <a:rPr lang="en-US" dirty="0" smtClean="0"/>
-              <a:t>---&gt; 70 </a:t>
-            </a:r>
-            <a:endParaRPr lang="en-US" dirty="0" smtClean="0"/>
-          </a:p>
-          <a:p>
-            <a:r>
-              <a:rPr lang="en-US" dirty="0" smtClean="0"/>
-              <a:t>c</a:t>
-            </a:r>
-            <a:r>
-              <a:rPr lang="en-US" dirty="0" smtClean="0"/>
-              <a:t>++ ---&gt; 67</a:t>
+          </a:p>
+          <a:p>
+            <a:r>
+              <a:rPr lang="en-US" dirty="0" smtClean="0"/>
+              <a:t>cm ---&gt; 70 </a:t>
+            </a:r>
+          </a:p>
+          <a:p>
+            <a:r>
+              <a:rPr lang="en-US" dirty="0" smtClean="0"/>
+              <a:t>c++ ---&gt; 67</a:t>
             </a:r>
             <a:endParaRPr lang="en-US" dirty="0"/>
           </a:p>
@@ -4705,21 +4584,13 @@
           <a:p>
             <a:r>
               <a:rPr lang="en-US" dirty="0" smtClean="0"/>
-              <a:t>&gt;&gt;&gt; print(d1</a:t>
-            </a:r>
-            <a:r>
-              <a:rPr lang="en-US" dirty="0" smtClean="0"/>
-              <a:t>)</a:t>
-            </a:r>
-          </a:p>
-          <a:p>
-            <a:r>
-              <a:rPr lang="en-US" dirty="0" smtClean="0"/>
-              <a:t> </a:t>
-            </a:r>
-            <a:r>
-              <a:rPr lang="en-US" dirty="0" smtClean="0"/>
-              <a:t>{'</a:t>
+              <a:t>&gt;&gt;&gt; print(d1)</a:t>
+            </a:r>
+          </a:p>
+          <a:p>
+            <a:r>
+              <a:rPr lang="en-US" dirty="0" smtClean="0"/>
+              <a:t> {'</a:t>
             </a:r>
             <a:r>
               <a:rPr lang="en-US" dirty="0" err="1" smtClean="0"/>
@@ -4751,18 +4622,50 @@
             </a:r>
             <a:r>
               <a:rPr lang="en-US" dirty="0" smtClean="0"/>
-              <a:t>': 'OU</a:t>
-            </a:r>
-            <a:r>
-              <a:rPr lang="en-US" dirty="0" smtClean="0"/>
-              <a:t>'}</a:t>
-            </a:r>
-          </a:p>
-          <a:p>
-            <a:r>
-              <a:rPr lang="en-US" dirty="0" smtClean="0"/>
-              <a:t> </a:t>
-            </a:r>
+              <a:t>': 'OU'}</a:t>
+            </a:r>
+          </a:p>
+          <a:p>
+            <a:r>
+              <a:rPr lang="en-US" dirty="0" smtClean="0"/>
+              <a:t> &gt;&gt;&gt; for </a:t>
+            </a:r>
+            <a:r>
+              <a:rPr lang="en-US" dirty="0" err="1" smtClean="0"/>
+              <a:t>k,v</a:t>
+            </a:r>
+            <a:r>
+              <a:rPr lang="en-US" dirty="0" smtClean="0"/>
+              <a:t> in d1["</a:t>
+            </a:r>
+            <a:r>
+              <a:rPr lang="en-US" dirty="0" err="1" smtClean="0"/>
+              <a:t>IntMarks</a:t>
+            </a:r>
+            <a:r>
+              <a:rPr lang="en-US" dirty="0" smtClean="0"/>
+              <a:t>"].items():</a:t>
+            </a:r>
+          </a:p>
+          <a:p>
+            <a:r>
+              <a:rPr lang="en-US" dirty="0" smtClean="0"/>
+              <a:t> ... print(k,"---&gt;",v) ... </a:t>
+            </a:r>
+          </a:p>
+          <a:p>
+            <a:r>
+              <a:rPr lang="en-US" dirty="0" smtClean="0"/>
+              <a:t>cm ---&gt; 17</a:t>
+            </a:r>
+          </a:p>
+          <a:p>
+            <a:r>
+              <a:rPr lang="en-US" dirty="0" smtClean="0"/>
+              <a:t> c++ ---&gt; 16 </a:t>
+            </a:r>
+          </a:p>
+          <a:p>
             <a:r>
               <a:rPr lang="en-US" dirty="0" smtClean="0"/>
               <a:t>&gt;&gt;&gt; for </a:t>
@@ -4777,113 +4680,29 @@
             </a:r>
             <a:r>
               <a:rPr lang="en-US" dirty="0" err="1" smtClean="0"/>
-              <a:t>IntMarks</a:t>
-            </a:r>
-            <a:r>
-              <a:rPr lang="en-US" dirty="0" smtClean="0"/>
-              <a:t>"].items</a:t>
-            </a:r>
-            <a:r>
-              <a:rPr lang="en-US" dirty="0" smtClean="0"/>
-              <a:t>():</a:t>
-            </a:r>
-          </a:p>
-          <a:p>
-            <a:r>
-              <a:rPr lang="en-US" dirty="0" smtClean="0"/>
-              <a:t> </a:t>
-            </a:r>
-            <a:r>
-              <a:rPr lang="en-US" dirty="0" smtClean="0"/>
-              <a:t>... print(k,"---&gt;",v) ... </a:t>
-            </a:r>
-            <a:endParaRPr lang="en-US" dirty="0" smtClean="0"/>
-          </a:p>
-          <a:p>
-            <a:r>
-              <a:rPr lang="en-US" dirty="0" smtClean="0"/>
-              <a:t>cm </a:t>
-            </a:r>
-            <a:r>
-              <a:rPr lang="en-US" dirty="0" smtClean="0"/>
-              <a:t>---&gt; </a:t>
-            </a:r>
-            <a:r>
-              <a:rPr lang="en-US" dirty="0" smtClean="0"/>
-              <a:t>17</a:t>
-            </a:r>
-          </a:p>
-          <a:p>
-            <a:r>
-              <a:rPr lang="en-US" dirty="0" smtClean="0"/>
-              <a:t> </a:t>
-            </a:r>
-            <a:r>
-              <a:rPr lang="en-US" dirty="0" smtClean="0"/>
-              <a:t>c++ ---&gt; 16 </a:t>
-            </a:r>
-            <a:endParaRPr lang="en-US" dirty="0" smtClean="0"/>
-          </a:p>
-          <a:p>
-            <a:r>
-              <a:rPr lang="en-US" dirty="0" smtClean="0"/>
-              <a:t>&gt;&gt;&gt; </a:t>
-            </a:r>
-            <a:r>
-              <a:rPr lang="en-US" dirty="0" smtClean="0"/>
-              <a:t>for </a:t>
-            </a:r>
-            <a:r>
-              <a:rPr lang="en-US" dirty="0" err="1" smtClean="0"/>
-              <a:t>k,v</a:t>
-            </a:r>
-            <a:r>
-              <a:rPr lang="en-US" dirty="0" smtClean="0"/>
-              <a:t> in d1["</a:t>
-            </a:r>
-            <a:r>
-              <a:rPr lang="en-US" dirty="0" err="1" smtClean="0"/>
               <a:t>ExtMarks</a:t>
             </a:r>
             <a:r>
               <a:rPr lang="en-US" dirty="0" smtClean="0"/>
-              <a:t>"].items</a:t>
-            </a:r>
-            <a:r>
-              <a:rPr lang="en-US" dirty="0" smtClean="0"/>
-              <a:t>():</a:t>
-            </a:r>
-          </a:p>
-          <a:p>
-            <a:r>
-              <a:rPr lang="en-US" dirty="0" smtClean="0"/>
-              <a:t> </a:t>
-            </a:r>
-            <a:r>
-              <a:rPr lang="en-US" dirty="0" smtClean="0"/>
-              <a:t>... print(k,"---&gt;",v) ... </a:t>
-            </a:r>
-            <a:endParaRPr lang="en-US" dirty="0" smtClean="0"/>
-          </a:p>
-          <a:p>
-            <a:r>
-              <a:rPr lang="en-US" dirty="0" smtClean="0"/>
-              <a:t>cm </a:t>
-            </a:r>
-            <a:r>
-              <a:rPr lang="en-US" dirty="0" smtClean="0"/>
-              <a:t>---&gt; 70 </a:t>
-            </a:r>
-            <a:endParaRPr lang="en-US" dirty="0" smtClean="0"/>
-          </a:p>
-          <a:p>
-            <a:r>
-              <a:rPr lang="en-US" dirty="0" smtClean="0"/>
-              <a:t>c</a:t>
-            </a:r>
-            <a:r>
-              <a:rPr lang="en-US" dirty="0" smtClean="0"/>
-              <a:t>++ ---&gt; 67</a:t>
+              <a:t>"].items():</a:t>
+            </a:r>
+          </a:p>
+          <a:p>
+            <a:r>
+              <a:rPr lang="en-US" dirty="0" smtClean="0"/>
+              <a:t> ... print(k,"---&gt;",v) ... </a:t>
+            </a:r>
+          </a:p>
+          <a:p>
+            <a:r>
+              <a:rPr lang="en-US" dirty="0" smtClean="0"/>
+              <a:t>cm ---&gt; 70 </a:t>
+            </a:r>
+          </a:p>
+          <a:p>
+            <a:r>
+              <a:rPr lang="en-US" dirty="0" smtClean="0"/>
+              <a:t>c++ ---&gt; 67</a:t>
             </a:r>
             <a:endParaRPr lang="en-US" dirty="0"/>
           </a:p>
@@ -4952,21 +4771,13 @@
           <a:p>
             <a:r>
               <a:rPr lang="en-US" dirty="0" smtClean="0"/>
-              <a:t>&gt;&gt;&gt; print(d1</a:t>
-            </a:r>
-            <a:r>
-              <a:rPr lang="en-US" dirty="0" smtClean="0"/>
-              <a:t>)</a:t>
-            </a:r>
-          </a:p>
-          <a:p>
-            <a:r>
-              <a:rPr lang="en-US" dirty="0" smtClean="0"/>
-              <a:t> </a:t>
-            </a:r>
-            <a:r>
-              <a:rPr lang="en-US" dirty="0" smtClean="0"/>
-              <a:t>{'</a:t>
+              <a:t>&gt;&gt;&gt; print(d1)</a:t>
+            </a:r>
+          </a:p>
+          <a:p>
+            <a:r>
+              <a:rPr lang="en-US" dirty="0" smtClean="0"/>
+              <a:t> {'</a:t>
             </a:r>
             <a:r>
               <a:rPr lang="en-US" dirty="0" err="1" smtClean="0"/>
@@ -5000,16 +4811,11 @@
               <a:rPr lang="en-US" dirty="0" smtClean="0"/>
               <a:t>': 'OU'} </a:t>
             </a:r>
-            <a:endParaRPr lang="en-US" dirty="0" smtClean="0"/>
-          </a:p>
-          <a:p>
-            <a:r>
-              <a:rPr lang="en-US" dirty="0" smtClean="0"/>
-              <a:t>&gt;&gt;&gt; </a:t>
-            </a:r>
-            <a:r>
-              <a:rPr lang="en-US" dirty="0" smtClean="0"/>
-              <a:t>d1["</a:t>
+          </a:p>
+          <a:p>
+            <a:r>
+              <a:rPr lang="en-US" dirty="0" smtClean="0"/>
+              <a:t>&gt;&gt;&gt; d1["</a:t>
             </a:r>
             <a:r>
               <a:rPr lang="en-US" dirty="0" err="1" smtClean="0"/>
@@ -5017,86 +4823,65 @@
             </a:r>
             <a:r>
               <a:rPr lang="en-US" dirty="0" smtClean="0"/>
-              <a:t>"]["cm</a:t>
-            </a:r>
-            <a:r>
-              <a:rPr lang="en-US" dirty="0" smtClean="0"/>
-              <a:t>"]---------------- 17</a:t>
-            </a:r>
-          </a:p>
-          <a:p>
-            <a:r>
-              <a:rPr lang="en-US" dirty="0" smtClean="0"/>
-              <a:t> </a:t>
-            </a:r>
+              <a:t>"]["cm"]---------------- 17</a:t>
+            </a:r>
+          </a:p>
+          <a:p>
+            <a:r>
+              <a:rPr lang="en-US" dirty="0" smtClean="0"/>
+              <a:t> &gt;&gt;&gt; d1["</a:t>
+            </a:r>
+            <a:r>
+              <a:rPr lang="en-US" dirty="0" err="1" smtClean="0"/>
+              <a:t>IntMarks</a:t>
+            </a:r>
+            <a:r>
+              <a:rPr lang="en-US" dirty="0" smtClean="0"/>
+              <a:t>"]["cm"]=18</a:t>
+            </a:r>
+          </a:p>
+          <a:p>
+            <a:r>
+              <a:rPr lang="en-US" dirty="0" smtClean="0"/>
+              <a:t> &gt;&gt;&gt; print(d1) {'</a:t>
+            </a:r>
+            <a:r>
+              <a:rPr lang="en-US" dirty="0" err="1" smtClean="0"/>
+              <a:t>sno</a:t>
+            </a:r>
+            <a:r>
+              <a:rPr lang="en-US" dirty="0" smtClean="0"/>
+              <a:t>': 100, 'name': 'RS', '</a:t>
+            </a:r>
+            <a:r>
+              <a:rPr lang="en-US" dirty="0" err="1" smtClean="0"/>
+              <a:t>IntMarks</a:t>
+            </a:r>
+            <a:r>
+              <a:rPr lang="en-US" dirty="0" smtClean="0"/>
+              <a:t>': {'cm': 18, 'c++': 16}, '</a:t>
+            </a:r>
+            <a:r>
+              <a:rPr lang="en-US" dirty="0" err="1" smtClean="0"/>
+              <a:t>ExtMarks</a:t>
+            </a:r>
+            <a:r>
+              <a:rPr lang="en-US" dirty="0" smtClean="0"/>
+              <a:t>': {'cm': 70, 'c++': 67}, '</a:t>
+            </a:r>
+            <a:r>
+              <a:rPr lang="en-US" dirty="0" err="1" smtClean="0"/>
+              <a:t>cname</a:t>
+            </a:r>
+            <a:r>
+              <a:rPr lang="en-US" dirty="0" smtClean="0"/>
+              <a:t>': 'OU'} </a:t>
+            </a:r>
+          </a:p>
+          <a:p>
             <a:r>
               <a:rPr lang="en-US" dirty="0" smtClean="0"/>
               <a:t>&gt;&gt;&gt; d1["</a:t>
-            </a:r>
-            <a:r>
-              <a:rPr lang="en-US" dirty="0" err="1" smtClean="0"/>
-              <a:t>IntMarks</a:t>
-            </a:r>
-            <a:r>
-              <a:rPr lang="en-US" dirty="0" smtClean="0"/>
-              <a:t>"]["cm"]=</a:t>
-            </a:r>
-            <a:r>
-              <a:rPr lang="en-US" dirty="0" smtClean="0"/>
-              <a:t>18</a:t>
-            </a:r>
-          </a:p>
-          <a:p>
-            <a:r>
-              <a:rPr lang="en-US" dirty="0" smtClean="0"/>
-              <a:t> </a:t>
-            </a:r>
-            <a:r>
-              <a:rPr lang="en-US" dirty="0" smtClean="0"/>
-              <a:t>&gt;&gt;&gt; print(d1) {'</a:t>
-            </a:r>
-            <a:r>
-              <a:rPr lang="en-US" dirty="0" err="1" smtClean="0"/>
-              <a:t>sno</a:t>
-            </a:r>
-            <a:r>
-              <a:rPr lang="en-US" dirty="0" smtClean="0"/>
-              <a:t>': 100, 'name': 'RS', '</a:t>
-            </a:r>
-            <a:r>
-              <a:rPr lang="en-US" dirty="0" err="1" smtClean="0"/>
-              <a:t>IntMarks</a:t>
-            </a:r>
-            <a:r>
-              <a:rPr lang="en-US" dirty="0" smtClean="0"/>
-              <a:t>': {'cm': 18, 'c++': 16}, '</a:t>
-            </a:r>
-            <a:r>
-              <a:rPr lang="en-US" dirty="0" err="1" smtClean="0"/>
-              <a:t>ExtMarks</a:t>
-            </a:r>
-            <a:r>
-              <a:rPr lang="en-US" dirty="0" smtClean="0"/>
-              <a:t>': {'cm': 70, 'c++': 67}, '</a:t>
-            </a:r>
-            <a:r>
-              <a:rPr lang="en-US" dirty="0" err="1" smtClean="0"/>
-              <a:t>cname</a:t>
-            </a:r>
-            <a:r>
-              <a:rPr lang="en-US" dirty="0" smtClean="0"/>
-              <a:t>': 'OU'} </a:t>
-            </a:r>
-            <a:endParaRPr lang="en-US" dirty="0" smtClean="0"/>
-          </a:p>
-          <a:p>
-            <a:r>
-              <a:rPr lang="en-US" dirty="0" smtClean="0"/>
-              <a:t>&gt;&gt;&gt; </a:t>
-            </a:r>
-            <a:r>
-              <a:rPr lang="en-US" dirty="0" smtClean="0"/>
-              <a:t>d1["</a:t>
             </a:r>
             <a:r>
               <a:rPr lang="en-US" dirty="0" err="1" smtClean="0"/>
@@ -5207,16 +4992,11 @@
               <a:rPr lang="en-US" dirty="0" smtClean="0"/>
               <a:t>': 'OU'} </a:t>
             </a:r>
-            <a:endParaRPr lang="en-US" dirty="0" smtClean="0"/>
-          </a:p>
-          <a:p>
-            <a:r>
-              <a:rPr lang="en-US" dirty="0" smtClean="0"/>
-              <a:t>&gt;&gt;&gt;d1</a:t>
-            </a:r>
-            <a:r>
-              <a:rPr lang="en-US" dirty="0" smtClean="0"/>
-              <a:t>["</a:t>
+          </a:p>
+          <a:p>
+            <a:r>
+              <a:rPr lang="en-US" dirty="0" smtClean="0"/>
+              <a:t>&gt;&gt;&gt;d1["</a:t>
             </a:r>
             <a:r>
               <a:rPr lang="en-US" dirty="0" err="1" smtClean="0"/>
@@ -5234,16 +5014,11 @@
               <a:rPr lang="en-US" dirty="0" smtClean="0"/>
               <a:t>"].get("cm")+2 </a:t>
             </a:r>
-            <a:endParaRPr lang="en-US" dirty="0" smtClean="0"/>
-          </a:p>
-          <a:p>
-            <a:r>
-              <a:rPr lang="en-US" dirty="0" smtClean="0"/>
-              <a:t>&gt;&gt;&gt; </a:t>
-            </a:r>
-            <a:r>
-              <a:rPr lang="en-US" dirty="0" smtClean="0"/>
-              <a:t>print(d1) {'</a:t>
+          </a:p>
+          <a:p>
+            <a:r>
+              <a:rPr lang="en-US" dirty="0" smtClean="0"/>
+              <a:t>&gt;&gt;&gt; print(d1) {'</a:t>
             </a:r>
             <a:r>
               <a:rPr lang="en-US" dirty="0" err="1" smtClean="0"/>
@@ -5277,16 +5052,11 @@
               <a:rPr lang="en-US" dirty="0" smtClean="0"/>
               <a:t>': 'OU'} </a:t>
             </a:r>
-            <a:endParaRPr lang="en-US" dirty="0" smtClean="0"/>
-          </a:p>
-          <a:p>
-            <a:r>
-              <a:rPr lang="en-US" dirty="0" smtClean="0"/>
-              <a:t>&gt;&gt;&gt;d1</a:t>
-            </a:r>
-            <a:r>
-              <a:rPr lang="en-US" dirty="0" smtClean="0"/>
-              <a:t>["</a:t>
+          </a:p>
+          <a:p>
+            <a:r>
+              <a:rPr lang="en-US" dirty="0" smtClean="0"/>
+              <a:t>&gt;&gt;&gt;d1["</a:t>
             </a:r>
             <a:r>
               <a:rPr lang="en-US" dirty="0" err="1" smtClean="0"/>
@@ -5302,11 +5072,7 @@
             </a:r>
             <a:r>
               <a:rPr lang="en-US" dirty="0" smtClean="0"/>
-              <a:t>"]["c++"]+</a:t>
-            </a:r>
-            <a:r>
-              <a:rPr lang="en-US" dirty="0" smtClean="0"/>
-              <a:t>2</a:t>
+              <a:t>"]["c++"]+2</a:t>
             </a:r>
             <a:endParaRPr lang="en-US" dirty="0"/>
           </a:p>
@@ -5419,16 +5185,11 @@
               <a:rPr lang="en-US" dirty="0" smtClean="0"/>
               <a:t>': 'OU'} </a:t>
             </a:r>
-            <a:endParaRPr lang="en-US" dirty="0" smtClean="0"/>
-          </a:p>
-          <a:p>
-            <a:r>
-              <a:rPr lang="en-US" dirty="0" smtClean="0"/>
-              <a:t>&gt;&gt;&gt; </a:t>
-            </a:r>
-            <a:r>
-              <a:rPr lang="en-US" dirty="0" smtClean="0"/>
-              <a:t>d1["</a:t>
+          </a:p>
+          <a:p>
+            <a:r>
+              <a:rPr lang="en-US" dirty="0" smtClean="0"/>
+              <a:t>&gt;&gt;&gt; d1["</a:t>
             </a:r>
             <a:r>
               <a:rPr lang="en-US" dirty="0" err="1" smtClean="0"/>
@@ -5436,32 +5197,19 @@
             </a:r>
             <a:r>
               <a:rPr lang="en-US" dirty="0" smtClean="0"/>
-              <a:t>"].pop("c</a:t>
-            </a:r>
-            <a:r>
-              <a:rPr lang="en-US" dirty="0" smtClean="0"/>
-              <a:t>++")</a:t>
-            </a:r>
-          </a:p>
-          <a:p>
-            <a:r>
-              <a:rPr lang="en-US" dirty="0" smtClean="0"/>
-              <a:t> </a:t>
-            </a:r>
-            <a:r>
-              <a:rPr lang="en-US" dirty="0" smtClean="0"/>
-              <a:t>16 </a:t>
-            </a:r>
-            <a:endParaRPr lang="en-US" dirty="0" smtClean="0"/>
-          </a:p>
-          <a:p>
-            <a:r>
-              <a:rPr lang="en-US" dirty="0" smtClean="0"/>
-              <a:t>&gt;&gt;&gt; </a:t>
-            </a:r>
-            <a:r>
-              <a:rPr lang="en-US" dirty="0" smtClean="0"/>
-              <a:t>print(d1) {'</a:t>
+              <a:t>"].pop("c++")</a:t>
+            </a:r>
+          </a:p>
+          <a:p>
+            <a:r>
+              <a:rPr lang="en-US" dirty="0" smtClean="0"/>
+              <a:t> 16 </a:t>
+            </a:r>
+          </a:p>
+          <a:p>
+            <a:r>
+              <a:rPr lang="en-US" dirty="0" smtClean="0"/>
+              <a:t>&gt;&gt;&gt; print(d1) {'</a:t>
             </a:r>
             <a:r>
               <a:rPr lang="en-US" dirty="0" err="1" smtClean="0"/>
@@ -5495,16 +5243,11 @@
               <a:rPr lang="en-US" dirty="0" smtClean="0"/>
               <a:t>': 'OU'} </a:t>
             </a:r>
-            <a:endParaRPr lang="en-US" dirty="0" smtClean="0"/>
-          </a:p>
-          <a:p>
-            <a:r>
-              <a:rPr lang="en-US" dirty="0" smtClean="0"/>
-              <a:t>&gt;&gt;&gt; </a:t>
-            </a:r>
-            <a:r>
-              <a:rPr lang="en-US" dirty="0" smtClean="0"/>
-              <a:t>d1.pop("</a:t>
+          </a:p>
+          <a:p>
+            <a:r>
+              <a:rPr lang="en-US" dirty="0" smtClean="0"/>
+              <a:t>&gt;&gt;&gt; d1.pop("</a:t>
             </a:r>
             <a:r>
               <a:rPr lang="en-US" dirty="0" err="1" smtClean="0"/>
@@ -5518,22 +5261,13 @@
           <a:p>
             <a:r>
               <a:rPr lang="en-US" dirty="0" smtClean="0"/>
-              <a:t> </a:t>
-            </a:r>
-            <a:r>
-              <a:rPr lang="en-US" dirty="0" smtClean="0"/>
-              <a:t>{'cm': 18} </a:t>
-            </a:r>
-            <a:endParaRPr lang="en-US" dirty="0" smtClean="0"/>
-          </a:p>
-          <a:p>
-            <a:r>
-              <a:rPr lang="en-US" dirty="0" smtClean="0"/>
-              <a:t>&gt;&gt;&gt; </a:t>
-            </a:r>
-            <a:r>
-              <a:rPr lang="en-US" dirty="0" smtClean="0"/>
-              <a:t>print(d1) {'</a:t>
+              <a:t> {'cm': 18} </a:t>
+            </a:r>
+          </a:p>
+          <a:p>
+            <a:r>
+              <a:rPr lang="en-US" dirty="0" smtClean="0"/>
+              <a:t>&gt;&gt;&gt; print(d1) {'</a:t>
             </a:r>
             <a:r>
               <a:rPr lang="en-US" dirty="0" err="1" smtClean="0"/>
@@ -5636,16 +5370,11 @@
               <a:rPr lang="en-US" dirty="0" smtClean="0"/>
               <a:t>"]={"Java":15,"Python":16} </a:t>
             </a:r>
-            <a:endParaRPr lang="en-US" dirty="0" smtClean="0"/>
-          </a:p>
-          <a:p>
-            <a:r>
-              <a:rPr lang="en-US" dirty="0" smtClean="0"/>
-              <a:t>&gt;&gt;&gt; </a:t>
-            </a:r>
-            <a:r>
-              <a:rPr lang="en-US" dirty="0" smtClean="0"/>
-              <a:t>print(d1) {'</a:t>
+          </a:p>
+          <a:p>
+            <a:r>
+              <a:rPr lang="en-US" dirty="0" smtClean="0"/>
+              <a:t>&gt;&gt;&gt; print(d1) {'</a:t>
             </a:r>
             <a:r>
               <a:rPr lang="en-US" dirty="0" err="1" smtClean="0"/>
@@ -5695,16 +5424,11 @@
               <a:rPr lang="en-US" dirty="0" smtClean="0"/>
               <a:t>"]=80 </a:t>
             </a:r>
-            <a:endParaRPr lang="en-US" dirty="0" smtClean="0"/>
-          </a:p>
-          <a:p>
-            <a:r>
-              <a:rPr lang="en-US" dirty="0" smtClean="0"/>
-              <a:t>&gt;&gt;&gt; </a:t>
-            </a:r>
-            <a:r>
-              <a:rPr lang="en-US" dirty="0" smtClean="0"/>
-              <a:t>print(d1) {'</a:t>
+          </a:p>
+          <a:p>
+            <a:r>
+              <a:rPr lang="en-US" dirty="0" smtClean="0"/>
+              <a:t>&gt;&gt;&gt; print(d1) {'</a:t>
             </a:r>
             <a:r>
               <a:rPr lang="en-US" dirty="0" err="1" smtClean="0"/>
@@ -5746,16 +5470,11 @@
               <a:rPr lang="en-US" dirty="0" smtClean="0"/>
               <a:t>': {'Java': 15, 'Python': 16}} </a:t>
             </a:r>
-            <a:endParaRPr lang="en-US" dirty="0" smtClean="0"/>
-          </a:p>
-          <a:p>
-            <a:r>
-              <a:rPr lang="en-US" dirty="0" smtClean="0"/>
-              <a:t>&gt;&gt;&gt; </a:t>
-            </a:r>
-            <a:r>
-              <a:rPr lang="en-US" dirty="0" smtClean="0"/>
-              <a:t>d1["</a:t>
+          </a:p>
+          <a:p>
+            <a:r>
+              <a:rPr lang="en-US" dirty="0" smtClean="0"/>
+              <a:t>&gt;&gt;&gt; d1["</a:t>
             </a:r>
             <a:r>
               <a:rPr lang="en-US" dirty="0" err="1" smtClean="0"/>
@@ -5763,21 +5482,13 @@
             </a:r>
             <a:r>
               <a:rPr lang="en-US" dirty="0" smtClean="0"/>
-              <a:t>"]["Bonus"]={"CB":1,"CPPB":2</a:t>
-            </a:r>
-            <a:r>
-              <a:rPr lang="en-US" dirty="0" smtClean="0"/>
-              <a:t>}</a:t>
-            </a:r>
-          </a:p>
-          <a:p>
-            <a:r>
-              <a:rPr lang="en-US" dirty="0" smtClean="0"/>
-              <a:t> </a:t>
-            </a:r>
-            <a:r>
-              <a:rPr lang="en-US" dirty="0" smtClean="0"/>
-              <a:t>&gt;&gt;&gt; print(d1) {'</a:t>
+              <a:t>"]["Bonus"]={"CB":1,"CPPB":2}</a:t>
+            </a:r>
+          </a:p>
+          <a:p>
+            <a:r>
+              <a:rPr lang="en-US" dirty="0" smtClean="0"/>
+              <a:t> &gt;&gt;&gt; print(d1) {'</a:t>
             </a:r>
             <a:r>
               <a:rPr lang="en-US" dirty="0" err="1" smtClean="0"/>
@@ -5932,16 +5643,11 @@
               <a:rPr lang="en-US" dirty="0" smtClean="0"/>
               <a:t>': {'Java': 15, 'Python': 16}} </a:t>
             </a:r>
-            <a:endParaRPr lang="en-US" dirty="0" smtClean="0"/>
-          </a:p>
-          <a:p>
-            <a:r>
-              <a:rPr lang="en-US" dirty="0" smtClean="0"/>
-              <a:t>&gt;&gt;&gt; </a:t>
-            </a:r>
-            <a:r>
-              <a:rPr lang="en-US" dirty="0" smtClean="0"/>
-              <a:t>for </a:t>
+          </a:p>
+          <a:p>
+            <a:r>
+              <a:rPr lang="en-US" dirty="0" smtClean="0"/>
+              <a:t>&gt;&gt;&gt; for </a:t>
             </a:r>
             <a:r>
               <a:rPr lang="en-US" dirty="0" err="1" smtClean="0"/>
@@ -5959,49 +5665,29 @@
               <a:rPr lang="en-US" dirty="0" smtClean="0"/>
               <a:t>"]["Bonus"].items(): </a:t>
             </a:r>
-            <a:endParaRPr lang="en-US" dirty="0" smtClean="0"/>
-          </a:p>
-          <a:p>
-            <a:r>
-              <a:rPr lang="en-US" dirty="0" smtClean="0"/>
-              <a:t>... </a:t>
-            </a:r>
-            <a:r>
-              <a:rPr lang="en-US" dirty="0" smtClean="0"/>
-              <a:t>print(k,"---&gt;",v) ... </a:t>
-            </a:r>
-            <a:endParaRPr lang="en-US" dirty="0" smtClean="0"/>
-          </a:p>
-          <a:p>
-            <a:r>
-              <a:rPr lang="en-US" dirty="0" smtClean="0"/>
-              <a:t>CB </a:t>
-            </a:r>
-            <a:r>
-              <a:rPr lang="en-US" dirty="0" smtClean="0"/>
-              <a:t>---&gt; 1 </a:t>
-            </a:r>
-            <a:endParaRPr lang="en-US" dirty="0" smtClean="0"/>
-          </a:p>
-          <a:p>
-            <a:r>
-              <a:rPr lang="en-US" dirty="0" smtClean="0"/>
-              <a:t>CPPB </a:t>
-            </a:r>
-            <a:r>
-              <a:rPr lang="en-US" dirty="0" smtClean="0"/>
-              <a:t>---&gt; 2 </a:t>
-            </a:r>
-            <a:endParaRPr lang="en-US" dirty="0" smtClean="0"/>
-          </a:p>
-          <a:p>
-            <a:r>
-              <a:rPr lang="en-US" dirty="0" smtClean="0"/>
-              <a:t>&gt;&gt;&gt; </a:t>
-            </a:r>
-            <a:r>
-              <a:rPr lang="en-US" dirty="0" smtClean="0"/>
-              <a:t>d1.get("</a:t>
+          </a:p>
+          <a:p>
+            <a:r>
+              <a:rPr lang="en-US" dirty="0" smtClean="0"/>
+              <a:t>... print(k,"---&gt;",v) ... </a:t>
+            </a:r>
+          </a:p>
+          <a:p>
+            <a:r>
+              <a:rPr lang="en-US" dirty="0" smtClean="0"/>
+              <a:t>CB ---&gt; 1 </a:t>
+            </a:r>
+          </a:p>
+          <a:p>
+            <a:r>
+              <a:rPr lang="en-US" dirty="0" smtClean="0"/>
+              <a:t>CPPB ---&gt; 2 </a:t>
+            </a:r>
+          </a:p>
+          <a:p>
+            <a:r>
+              <a:rPr lang="en-US" dirty="0" smtClean="0"/>
+              <a:t>&gt;&gt;&gt; d1.get("</a:t>
             </a:r>
             <a:r>
               <a:rPr lang="en-US" dirty="0" err="1" smtClean="0"/>
@@ -6009,43 +5695,25 @@
             </a:r>
             <a:r>
               <a:rPr lang="en-US" dirty="0" smtClean="0"/>
-              <a:t>").pop("Bonus</a:t>
-            </a:r>
-            <a:r>
-              <a:rPr lang="en-US" dirty="0" smtClean="0"/>
-              <a:t>")</a:t>
-            </a:r>
-          </a:p>
-          <a:p>
-            <a:r>
-              <a:rPr lang="en-US" dirty="0" smtClean="0"/>
-              <a:t> </a:t>
-            </a:r>
-            <a:r>
-              <a:rPr lang="en-US" dirty="0" smtClean="0"/>
-              <a:t>{'CB': 1, 'CPPB': 2} </a:t>
-            </a:r>
-            <a:endParaRPr lang="en-US" dirty="0" smtClean="0"/>
-          </a:p>
-          <a:p>
-            <a:r>
-              <a:rPr lang="en-US" dirty="0" smtClean="0"/>
-              <a:t>&gt;&gt;&gt; </a:t>
-            </a:r>
-            <a:r>
-              <a:rPr lang="en-US" dirty="0" smtClean="0"/>
-              <a:t>print(d1) </a:t>
-            </a:r>
-            <a:endParaRPr lang="en-US" dirty="0" smtClean="0"/>
-          </a:p>
-          <a:p>
-            <a:r>
-              <a:rPr lang="en-US" dirty="0" smtClean="0"/>
-              <a:t>{</a:t>
-            </a:r>
-            <a:r>
-              <a:rPr lang="en-US" dirty="0" smtClean="0"/>
-              <a:t>'</a:t>
+              <a:t>").pop("Bonus")</a:t>
+            </a:r>
+          </a:p>
+          <a:p>
+            <a:r>
+              <a:rPr lang="en-US" dirty="0" smtClean="0"/>
+              <a:t> {'CB': 1, 'CPPB': 2} </a:t>
+            </a:r>
+          </a:p>
+          <a:p>
+            <a:r>
+              <a:rPr lang="en-US" dirty="0" smtClean="0"/>
+              <a:t>&gt;&gt;&gt; print(d1) </a:t>
+            </a:r>
+          </a:p>
+          <a:p>
+            <a:r>
+              <a:rPr lang="en-US" dirty="0" smtClean="0"/>
+              <a:t>{'</a:t>
             </a:r>
             <a:r>
               <a:rPr lang="en-US" dirty="0" err="1" smtClean="0"/>
@@ -6176,11 +5844,7 @@
             </a:r>
             <a:r>
               <a:rPr lang="en-US" dirty="0" smtClean="0"/>
-              <a:t> Possible to </a:t>
-            </a:r>
-            <a:r>
-              <a:rPr lang="en-US" dirty="0" smtClean="0"/>
-              <a:t>Define</a:t>
+              <a:t> Possible to Define</a:t>
             </a:r>
           </a:p>
           <a:p>
@@ -6268,11 +5932,7 @@
           <a:p>
             <a:r>
               <a:rPr lang="en-US" dirty="0" smtClean="0"/>
-              <a:t>&gt;&gt;&gt;d1</a:t>
-            </a:r>
-            <a:r>
-              <a:rPr lang="en-US" dirty="0" smtClean="0"/>
-              <a:t>={"</a:t>
+              <a:t>&gt;&gt;&gt;d1={"</a:t>
             </a:r>
             <a:r>
               <a:rPr lang="en-US" dirty="0" err="1" smtClean="0"/>
@@ -6306,16 +5966,11 @@
               <a:rPr lang="en-US" dirty="0" smtClean="0"/>
               <a:t>":"CUCET"} </a:t>
             </a:r>
-            <a:endParaRPr lang="en-US" dirty="0" smtClean="0"/>
-          </a:p>
-          <a:p>
-            <a:r>
-              <a:rPr lang="en-US" dirty="0" smtClean="0"/>
-              <a:t>&gt;&gt;&gt; </a:t>
-            </a:r>
-            <a:r>
-              <a:rPr lang="en-US" dirty="0" smtClean="0"/>
-              <a:t>print(d1,type(d1))---{'</a:t>
+          </a:p>
+          <a:p>
+            <a:r>
+              <a:rPr lang="en-US" dirty="0" smtClean="0"/>
+              <a:t>&gt;&gt;&gt; print(d1,type(d1))---{'</a:t>
             </a:r>
             <a:r>
               <a:rPr lang="en-US" dirty="0" err="1" smtClean="0"/>
@@ -6365,16 +6020,11 @@
               <a:rPr lang="en-US" dirty="0" smtClean="0"/>
               <a:t>'&gt; </a:t>
             </a:r>
-            <a:endParaRPr lang="en-US" dirty="0" smtClean="0"/>
-          </a:p>
-          <a:p>
-            <a:r>
-              <a:rPr lang="en-US" dirty="0" smtClean="0"/>
-              <a:t>&gt;&gt;&gt; </a:t>
-            </a:r>
-            <a:r>
-              <a:rPr lang="en-US" dirty="0" smtClean="0"/>
-              <a:t>for </a:t>
+          </a:p>
+          <a:p>
+            <a:r>
+              <a:rPr lang="en-US" dirty="0" smtClean="0"/>
+              <a:t>&gt;&gt;&gt; for </a:t>
             </a:r>
             <a:r>
               <a:rPr lang="en-US" dirty="0" err="1" smtClean="0"/>
@@ -6384,18 +6034,12 @@
               <a:rPr lang="en-US" dirty="0" smtClean="0"/>
               <a:t> in d1.items(): ... </a:t>
             </a:r>
-            <a:endParaRPr lang="en-US" dirty="0" smtClean="0"/>
-          </a:p>
-          <a:p>
-            <a:r>
-              <a:rPr lang="en-US" dirty="0" smtClean="0"/>
-              <a:t>print(k</a:t>
-            </a:r>
-            <a:r>
-              <a:rPr lang="en-US" dirty="0" smtClean="0"/>
-              <a:t>,"---&gt;",v,"---&gt;",type(v),type(d1)) ... </a:t>
-            </a:r>
-            <a:endParaRPr lang="en-US" dirty="0" smtClean="0"/>
+          </a:p>
+          <a:p>
+            <a:r>
+              <a:rPr lang="en-US" dirty="0" smtClean="0"/>
+              <a:t>print(k,"---&gt;",v,"---&gt;",type(v),type(d1)) ... </a:t>
+            </a:r>
           </a:p>
           <a:p>
             <a:r>
@@ -6404,15 +6048,41 @@
             </a:r>
             <a:r>
               <a:rPr lang="en-US" dirty="0" smtClean="0"/>
+              <a:t> ---&gt; 10 ---&gt; &lt;class '</a:t>
+            </a:r>
+            <a:r>
+              <a:rPr lang="en-US" dirty="0" err="1" smtClean="0"/>
+              <a:t>int</a:t>
+            </a:r>
+            <a:r>
+              <a:rPr lang="en-US" dirty="0" smtClean="0"/>
+              <a:t>'&gt; &lt;class '</a:t>
+            </a:r>
+            <a:r>
+              <a:rPr lang="en-US" dirty="0" err="1" smtClean="0"/>
+              <a:t>dict</a:t>
+            </a:r>
+            <a:r>
+              <a:rPr lang="en-US" dirty="0" smtClean="0"/>
+              <a:t>'&gt;</a:t>
+            </a:r>
+          </a:p>
+          <a:p>
+            <a:r>
+              <a:rPr lang="en-US" dirty="0" smtClean="0"/>
               <a:t> </a:t>
             </a:r>
             <a:r>
-              <a:rPr lang="en-US" dirty="0" smtClean="0"/>
-              <a:t>---&gt; 10 ---&gt; &lt;class '</a:t>
-            </a:r>
-            <a:r>
-              <a:rPr lang="en-US" dirty="0" err="1" smtClean="0"/>
-              <a:t>int</a:t>
+              <a:rPr lang="en-US" dirty="0" err="1" smtClean="0"/>
+              <a:t>sname</a:t>
+            </a:r>
+            <a:r>
+              <a:rPr lang="en-US" dirty="0" smtClean="0"/>
+              <a:t> ---&gt; RS ---&gt; &lt;class '</a:t>
+            </a:r>
+            <a:r>
+              <a:rPr lang="en-US" dirty="0" err="1" smtClean="0"/>
+              <a:t>str</a:t>
             </a:r>
             <a:r>
               <a:rPr lang="en-US" dirty="0" smtClean="0"/>
@@ -6424,13 +6094,253 @@
             </a:r>
             <a:r>
               <a:rPr lang="en-US" dirty="0" smtClean="0"/>
+              <a:t>'&gt; </a:t>
+            </a:r>
+          </a:p>
+          <a:p>
+            <a:r>
+              <a:rPr lang="en-US" dirty="0" err="1" smtClean="0"/>
+              <a:t>IntMarks</a:t>
+            </a:r>
+            <a:r>
+              <a:rPr lang="en-US" dirty="0" smtClean="0"/>
+              <a:t> ---&gt; {16, 17, 19} ---&gt; &lt;class 'set'&gt; &lt;class '</a:t>
+            </a:r>
+            <a:r>
+              <a:rPr lang="en-US" dirty="0" err="1" smtClean="0"/>
+              <a:t>dict</a:t>
+            </a:r>
+            <a:r>
+              <a:rPr lang="en-US" dirty="0" smtClean="0"/>
+              <a:t>'&gt; </a:t>
+            </a:r>
+          </a:p>
+          <a:p>
+            <a:r>
+              <a:rPr lang="en-US" dirty="0" err="1" smtClean="0"/>
+              <a:t>ExtMarks</a:t>
+            </a:r>
+            <a:r>
+              <a:rPr lang="en-US" dirty="0" smtClean="0"/>
+              <a:t> ---&gt; {67, 77, 78} ---&gt; &lt;class 'set'&gt; &lt;class '</a:t>
+            </a:r>
+            <a:r>
+              <a:rPr lang="en-US" dirty="0" err="1" smtClean="0"/>
+              <a:t>dict</a:t>
+            </a:r>
+            <a:r>
+              <a:rPr lang="en-US" dirty="0" smtClean="0"/>
+              <a:t>'&gt; </a:t>
+            </a:r>
+          </a:p>
+          <a:p>
+            <a:r>
+              <a:rPr lang="en-US" dirty="0" err="1" smtClean="0"/>
+              <a:t>cname</a:t>
+            </a:r>
+            <a:r>
+              <a:rPr lang="en-US" dirty="0" smtClean="0"/>
+              <a:t> ---&gt; CUCET ---&gt; &lt;class '</a:t>
+            </a:r>
+            <a:r>
+              <a:rPr lang="en-US" dirty="0" err="1" smtClean="0"/>
+              <a:t>str</a:t>
+            </a:r>
+            <a:r>
+              <a:rPr lang="en-US" dirty="0" smtClean="0"/>
+              <a:t>'&gt; &lt;class '</a:t>
+            </a:r>
+            <a:r>
+              <a:rPr lang="en-US" dirty="0" err="1" smtClean="0"/>
+              <a:t>dict</a:t>
+            </a:r>
+            <a:r>
+              <a:rPr lang="en-US" dirty="0" smtClean="0"/>
+              <a:t>'&gt; </a:t>
+            </a:r>
+          </a:p>
+          <a:p>
+            <a:r>
+              <a:rPr lang="en-US" dirty="0" smtClean="0"/>
+              <a:t>&gt;&gt;&gt; d1["</a:t>
+            </a:r>
+            <a:r>
+              <a:rPr lang="en-US" dirty="0" err="1" smtClean="0"/>
+              <a:t>IntMarks</a:t>
+            </a:r>
+            <a:r>
+              <a:rPr lang="en-US" dirty="0" smtClean="0"/>
+              <a:t>"]-------------{16, 17, 19} </a:t>
+            </a:r>
+          </a:p>
+          <a:p>
+            <a:r>
+              <a:rPr lang="en-US" dirty="0" smtClean="0"/>
+              <a:t>&gt;&gt;&gt; d1["</a:t>
+            </a:r>
+            <a:r>
+              <a:rPr lang="en-US" dirty="0" err="1" smtClean="0"/>
+              <a:t>IntMarks</a:t>
+            </a:r>
+            <a:r>
+              <a:rPr lang="en-US" dirty="0" smtClean="0"/>
+              <a:t>"].add(15) </a:t>
+            </a:r>
+          </a:p>
+          <a:p>
+            <a:r>
+              <a:rPr lang="en-US" dirty="0" smtClean="0"/>
+              <a:t>&gt;&gt;&gt; d1["</a:t>
+            </a:r>
+            <a:r>
+              <a:rPr lang="en-US" dirty="0" err="1" smtClean="0"/>
+              <a:t>ExtMarks</a:t>
+            </a:r>
+            <a:r>
+              <a:rPr lang="en-US" dirty="0" smtClean="0"/>
+              <a:t>"].add(64) </a:t>
+            </a:r>
+          </a:p>
+          <a:p>
+            <a:r>
+              <a:rPr lang="en-US" dirty="0" smtClean="0"/>
+              <a:t>&gt;&gt;&gt; print(d1,type(d1))----{'</a:t>
+            </a:r>
+            <a:r>
+              <a:rPr lang="en-US" dirty="0" err="1" smtClean="0"/>
+              <a:t>sno</a:t>
+            </a:r>
+            <a:r>
+              <a:rPr lang="en-US" dirty="0" smtClean="0"/>
+              <a:t>': 10, '</a:t>
+            </a:r>
+            <a:r>
+              <a:rPr lang="en-US" dirty="0" err="1" smtClean="0"/>
+              <a:t>sname</a:t>
+            </a:r>
+            <a:r>
+              <a:rPr lang="en-US" dirty="0" smtClean="0"/>
+              <a:t>': 'RS', '</a:t>
+            </a:r>
+            <a:r>
+              <a:rPr lang="en-US" dirty="0" err="1" smtClean="0"/>
+              <a:t>IntMarks</a:t>
+            </a:r>
+            <a:r>
+              <a:rPr lang="en-US" dirty="0" smtClean="0"/>
+              <a:t>': {16, 17, 19, 15}, '</a:t>
+            </a:r>
+            <a:r>
+              <a:rPr lang="en-US" dirty="0" err="1" smtClean="0"/>
+              <a:t>ExtMarks</a:t>
+            </a:r>
+            <a:r>
+              <a:rPr lang="en-US" dirty="0" smtClean="0"/>
+              <a:t>': {64, 67, 77, 78}, '</a:t>
+            </a:r>
+            <a:r>
+              <a:rPr lang="en-US" dirty="0" err="1" smtClean="0"/>
+              <a:t>cname</a:t>
+            </a:r>
+            <a:r>
+              <a:rPr lang="en-US" dirty="0" smtClean="0"/>
+              <a:t>': 'CUCET'} &lt;class '</a:t>
+            </a:r>
+            <a:r>
+              <a:rPr lang="en-US" dirty="0" err="1" smtClean="0"/>
+              <a:t>dict</a:t>
+            </a:r>
+            <a:r>
+              <a:rPr lang="en-US" dirty="0" smtClean="0"/>
+              <a:t>'&gt; </a:t>
+            </a:r>
+          </a:p>
+          <a:p>
+            <a:r>
+              <a:rPr lang="en-US" dirty="0" smtClean="0"/>
+              <a:t>&gt;&gt;&gt; d1.pop("</a:t>
+            </a:r>
+            <a:r>
+              <a:rPr lang="en-US" dirty="0" err="1" smtClean="0"/>
+              <a:t>IntMarks</a:t>
+            </a:r>
+            <a:r>
+              <a:rPr lang="en-US" dirty="0" smtClean="0"/>
+              <a:t>")-------{16, 17, 19, 15} </a:t>
+            </a:r>
+          </a:p>
+          <a:p>
+            <a:r>
+              <a:rPr lang="en-US" dirty="0" smtClean="0"/>
+              <a:t>&gt;&gt;&gt; print(d1,type(d1))--------{'</a:t>
+            </a:r>
+            <a:r>
+              <a:rPr lang="en-US" dirty="0" err="1" smtClean="0"/>
+              <a:t>sno</a:t>
+            </a:r>
+            <a:r>
+              <a:rPr lang="en-US" dirty="0" smtClean="0"/>
+              <a:t>': 10, '</a:t>
+            </a:r>
+            <a:r>
+              <a:rPr lang="en-US" dirty="0" err="1" smtClean="0"/>
+              <a:t>sname</a:t>
+            </a:r>
+            <a:r>
+              <a:rPr lang="en-US" dirty="0" smtClean="0"/>
+              <a:t>': 'RS', '</a:t>
+            </a:r>
+            <a:r>
+              <a:rPr lang="en-US" dirty="0" err="1" smtClean="0"/>
+              <a:t>ExtMarks</a:t>
+            </a:r>
+            <a:r>
+              <a:rPr lang="en-US" dirty="0" smtClean="0"/>
+              <a:t>': {64, 67, 77, 78}, '</a:t>
+            </a:r>
+            <a:r>
+              <a:rPr lang="en-US" dirty="0" err="1" smtClean="0"/>
+              <a:t>cname</a:t>
+            </a:r>
+            <a:r>
+              <a:rPr lang="en-US" dirty="0" smtClean="0"/>
+              <a:t>': 'CUCET'} &lt;class '</a:t>
+            </a:r>
+            <a:r>
+              <a:rPr lang="en-US" dirty="0" err="1" smtClean="0"/>
+              <a:t>dict</a:t>
+            </a:r>
+            <a:r>
+              <a:rPr lang="en-US" dirty="0" smtClean="0"/>
               <a:t>'&gt;</a:t>
             </a:r>
           </a:p>
           <a:p>
             <a:r>
               <a:rPr lang="en-US" dirty="0" smtClean="0"/>
-              <a:t> </a:t>
+              <a:t> &gt;&gt;&gt; d1["</a:t>
+            </a:r>
+            <a:r>
+              <a:rPr lang="en-US" dirty="0" err="1" smtClean="0"/>
+              <a:t>ExtMarks</a:t>
+            </a:r>
+            <a:r>
+              <a:rPr lang="en-US" dirty="0" smtClean="0"/>
+              <a:t>"].clear()-------&gt;&gt;&gt; print(d1,type(d1)) </a:t>
+            </a:r>
+          </a:p>
+          <a:p>
+            <a:r>
+              <a:rPr lang="en-US" dirty="0" smtClean="0"/>
+              <a:t>{'</a:t>
+            </a:r>
+            <a:r>
+              <a:rPr lang="en-US" dirty="0" err="1" smtClean="0"/>
+              <a:t>sno</a:t>
+            </a:r>
+            <a:r>
+              <a:rPr lang="en-US" dirty="0" smtClean="0"/>
+              <a:t>': 10, '</a:t>
             </a:r>
             <a:r>
               <a:rPr lang="en-US" dirty="0" err="1" smtClean="0"/>
@@ -6438,15 +6348,23 @@
             </a:r>
             <a:r>
               <a:rPr lang="en-US" dirty="0" smtClean="0"/>
-              <a:t> ---&gt; RS ---&gt; &lt;class '</a:t>
-            </a:r>
-            <a:r>
-              <a:rPr lang="en-US" dirty="0" err="1" smtClean="0"/>
-              <a:t>str</a:t>
-            </a:r>
-            <a:r>
-              <a:rPr lang="en-US" dirty="0" smtClean="0"/>
-              <a:t>'&gt; &lt;class '</a:t>
+              <a:t>': 'RS', '</a:t>
+            </a:r>
+            <a:r>
+              <a:rPr lang="en-US" dirty="0" err="1" smtClean="0"/>
+              <a:t>ExtMarks</a:t>
+            </a:r>
+            <a:r>
+              <a:rPr lang="en-US" dirty="0" smtClean="0"/>
+              <a:t>': set(), '</a:t>
+            </a:r>
+            <a:r>
+              <a:rPr lang="en-US" dirty="0" err="1" smtClean="0"/>
+              <a:t>cname</a:t>
+            </a:r>
+            <a:r>
+              <a:rPr lang="en-US" dirty="0" smtClean="0"/>
+              <a:t>': 'CUCET'} &lt;class '</a:t>
             </a:r>
             <a:r>
               <a:rPr lang="en-US" dirty="0" err="1" smtClean="0"/>
@@ -6456,437 +6374,77 @@
               <a:rPr lang="en-US" dirty="0" smtClean="0"/>
               <a:t>'&gt; </a:t>
             </a:r>
-            <a:endParaRPr lang="en-US" dirty="0" smtClean="0"/>
-          </a:p>
-          <a:p>
+          </a:p>
+          <a:p>
+            <a:r>
+              <a:rPr lang="en-US" dirty="0" smtClean="0"/>
+              <a:t>&gt;&gt;&gt; d1.pop("</a:t>
+            </a:r>
+            <a:r>
+              <a:rPr lang="en-US" dirty="0" err="1" smtClean="0"/>
+              <a:t>ExtMarks</a:t>
+            </a:r>
+            <a:r>
+              <a:rPr lang="en-US" dirty="0" smtClean="0"/>
+              <a:t>")---------set() </a:t>
+            </a:r>
+          </a:p>
+          <a:p>
+            <a:r>
+              <a:rPr lang="en-US" dirty="0" smtClean="0"/>
+              <a:t>&gt;&gt;&gt; print(d1,type(d1))---{'</a:t>
+            </a:r>
+            <a:r>
+              <a:rPr lang="en-US" dirty="0" err="1" smtClean="0"/>
+              <a:t>sno</a:t>
+            </a:r>
+            <a:r>
+              <a:rPr lang="en-US" dirty="0" smtClean="0"/>
+              <a:t>': 10, '</a:t>
+            </a:r>
+            <a:r>
+              <a:rPr lang="en-US" dirty="0" err="1" smtClean="0"/>
+              <a:t>sname</a:t>
+            </a:r>
+            <a:r>
+              <a:rPr lang="en-US" dirty="0" smtClean="0"/>
+              <a:t>': 'RS', '</a:t>
+            </a:r>
+            <a:r>
+              <a:rPr lang="en-US" dirty="0" err="1" smtClean="0"/>
+              <a:t>cname</a:t>
+            </a:r>
+            <a:r>
+              <a:rPr lang="en-US" dirty="0" smtClean="0"/>
+              <a:t>': 'CUCET'} &lt;class '</a:t>
+            </a:r>
+            <a:r>
+              <a:rPr lang="en-US" dirty="0" err="1" smtClean="0"/>
+              <a:t>dict</a:t>
+            </a:r>
+            <a:r>
+              <a:rPr lang="en-US" dirty="0" smtClean="0"/>
+              <a:t>'&gt; </a:t>
+            </a:r>
+          </a:p>
+          <a:p>
+            <a:r>
+              <a:rPr lang="en-US" dirty="0" smtClean="0"/>
+              <a:t>&gt;&gt;&gt; d1["</a:t>
+            </a:r>
             <a:r>
               <a:rPr lang="en-US" dirty="0" err="1" smtClean="0"/>
               <a:t>IntMarks</a:t>
             </a:r>
             <a:r>
               <a:rPr lang="en-US" dirty="0" smtClean="0"/>
-              <a:t> </a:t>
-            </a:r>
-            <a:r>
-              <a:rPr lang="en-US" dirty="0" smtClean="0"/>
-              <a:t>---&gt; {16, 17, 19} ---&gt; &lt;class 'set'&gt; &lt;class '</a:t>
-            </a:r>
-            <a:r>
-              <a:rPr lang="en-US" dirty="0" err="1" smtClean="0"/>
-              <a:t>dict</a:t>
-            </a:r>
-            <a:r>
-              <a:rPr lang="en-US" dirty="0" smtClean="0"/>
-              <a:t>'&gt; </a:t>
-            </a:r>
-            <a:endParaRPr lang="en-US" dirty="0" smtClean="0"/>
-          </a:p>
-          <a:p>
-            <a:r>
-              <a:rPr lang="en-US" dirty="0" err="1" smtClean="0"/>
-              <a:t>ExtMarks</a:t>
-            </a:r>
-            <a:r>
-              <a:rPr lang="en-US" dirty="0" smtClean="0"/>
-              <a:t> </a:t>
-            </a:r>
-            <a:r>
-              <a:rPr lang="en-US" dirty="0" smtClean="0"/>
-              <a:t>---&gt; {67, 77, 78} ---&gt; &lt;class 'set'&gt; &lt;class '</a:t>
-            </a:r>
-            <a:r>
-              <a:rPr lang="en-US" dirty="0" err="1" smtClean="0"/>
-              <a:t>dict</a:t>
-            </a:r>
-            <a:r>
-              <a:rPr lang="en-US" dirty="0" smtClean="0"/>
-              <a:t>'&gt; </a:t>
-            </a:r>
-            <a:endParaRPr lang="en-US" dirty="0" smtClean="0"/>
-          </a:p>
-          <a:p>
-            <a:r>
-              <a:rPr lang="en-US" dirty="0" err="1" smtClean="0"/>
-              <a:t>cname</a:t>
-            </a:r>
-            <a:r>
-              <a:rPr lang="en-US" dirty="0" smtClean="0"/>
-              <a:t> </a:t>
-            </a:r>
-            <a:r>
-              <a:rPr lang="en-US" dirty="0" smtClean="0"/>
-              <a:t>---&gt; CUCET ---&gt; &lt;class '</a:t>
-            </a:r>
-            <a:r>
-              <a:rPr lang="en-US" dirty="0" err="1" smtClean="0"/>
-              <a:t>str</a:t>
-            </a:r>
-            <a:r>
-              <a:rPr lang="en-US" dirty="0" smtClean="0"/>
-              <a:t>'&gt; &lt;class '</a:t>
-            </a:r>
-            <a:r>
-              <a:rPr lang="en-US" dirty="0" err="1" smtClean="0"/>
-              <a:t>dict</a:t>
-            </a:r>
-            <a:r>
-              <a:rPr lang="en-US" dirty="0" smtClean="0"/>
-              <a:t>'&gt; </a:t>
-            </a:r>
-            <a:endParaRPr lang="en-US" dirty="0" smtClean="0"/>
-          </a:p>
-          <a:p>
-            <a:r>
-              <a:rPr lang="en-US" dirty="0" smtClean="0"/>
-              <a:t>&gt;&gt;&gt; </a:t>
-            </a:r>
-            <a:r>
-              <a:rPr lang="en-US" dirty="0" smtClean="0"/>
-              <a:t>d1["</a:t>
-            </a:r>
-            <a:r>
-              <a:rPr lang="en-US" dirty="0" err="1" smtClean="0"/>
-              <a:t>IntMarks</a:t>
-            </a:r>
-            <a:r>
-              <a:rPr lang="en-US" dirty="0" smtClean="0"/>
-              <a:t>"]-------------{16, 17, 19} </a:t>
-            </a:r>
-            <a:endParaRPr lang="en-US" dirty="0" smtClean="0"/>
-          </a:p>
-          <a:p>
-            <a:r>
-              <a:rPr lang="en-US" dirty="0" smtClean="0"/>
-              <a:t>&gt;&gt;&gt; </a:t>
-            </a:r>
-            <a:r>
-              <a:rPr lang="en-US" dirty="0" smtClean="0"/>
-              <a:t>d1["</a:t>
-            </a:r>
-            <a:r>
-              <a:rPr lang="en-US" dirty="0" err="1" smtClean="0"/>
-              <a:t>IntMarks</a:t>
-            </a:r>
-            <a:r>
-              <a:rPr lang="en-US" dirty="0" smtClean="0"/>
-              <a:t>"].add(15) </a:t>
-            </a:r>
-            <a:endParaRPr lang="en-US" dirty="0" smtClean="0"/>
-          </a:p>
-          <a:p>
-            <a:r>
-              <a:rPr lang="en-US" dirty="0" smtClean="0"/>
-              <a:t>&gt;&gt;&gt; </a:t>
-            </a:r>
-            <a:r>
-              <a:rPr lang="en-US" dirty="0" smtClean="0"/>
-              <a:t>d1["</a:t>
-            </a:r>
-            <a:r>
-              <a:rPr lang="en-US" dirty="0" err="1" smtClean="0"/>
-              <a:t>ExtMarks</a:t>
-            </a:r>
-            <a:r>
-              <a:rPr lang="en-US" dirty="0" smtClean="0"/>
-              <a:t>"].add(64) </a:t>
-            </a:r>
-            <a:endParaRPr lang="en-US" dirty="0" smtClean="0"/>
-          </a:p>
-          <a:p>
-            <a:r>
-              <a:rPr lang="en-US" dirty="0" smtClean="0"/>
-              <a:t>&gt;&gt;&gt; </a:t>
-            </a:r>
-            <a:r>
-              <a:rPr lang="en-US" dirty="0" smtClean="0"/>
-              <a:t>print(d1,type(d1))----{'</a:t>
-            </a:r>
-            <a:r>
-              <a:rPr lang="en-US" dirty="0" err="1" smtClean="0"/>
-              <a:t>sno</a:t>
-            </a:r>
-            <a:r>
-              <a:rPr lang="en-US" dirty="0" smtClean="0"/>
-              <a:t>': 10, '</a:t>
-            </a:r>
-            <a:r>
-              <a:rPr lang="en-US" dirty="0" err="1" smtClean="0"/>
-              <a:t>sname</a:t>
-            </a:r>
-            <a:r>
-              <a:rPr lang="en-US" dirty="0" smtClean="0"/>
-              <a:t>': 'RS', '</a:t>
-            </a:r>
-            <a:r>
-              <a:rPr lang="en-US" dirty="0" err="1" smtClean="0"/>
-              <a:t>IntMarks</a:t>
-            </a:r>
-            <a:r>
-              <a:rPr lang="en-US" dirty="0" smtClean="0"/>
-              <a:t>': {16, 17, 19, 15}, '</a:t>
-            </a:r>
-            <a:r>
-              <a:rPr lang="en-US" dirty="0" err="1" smtClean="0"/>
-              <a:t>ExtMarks</a:t>
-            </a:r>
-            <a:r>
-              <a:rPr lang="en-US" dirty="0" smtClean="0"/>
-              <a:t>': {64, 67, 77, 78}, '</a:t>
-            </a:r>
-            <a:r>
-              <a:rPr lang="en-US" dirty="0" err="1" smtClean="0"/>
-              <a:t>cname</a:t>
-            </a:r>
-            <a:r>
-              <a:rPr lang="en-US" dirty="0" smtClean="0"/>
-              <a:t>': 'CUCET'} &lt;class '</a:t>
-            </a:r>
-            <a:r>
-              <a:rPr lang="en-US" dirty="0" err="1" smtClean="0"/>
-              <a:t>dict</a:t>
-            </a:r>
-            <a:r>
-              <a:rPr lang="en-US" dirty="0" smtClean="0"/>
-              <a:t>'&gt; </a:t>
-            </a:r>
-            <a:endParaRPr lang="en-US" dirty="0" smtClean="0"/>
-          </a:p>
-          <a:p>
-            <a:r>
-              <a:rPr lang="en-US" dirty="0" smtClean="0"/>
-              <a:t>&gt;&gt;&gt; </a:t>
-            </a:r>
-            <a:r>
-              <a:rPr lang="en-US" dirty="0" smtClean="0"/>
-              <a:t>d1.pop("</a:t>
-            </a:r>
-            <a:r>
-              <a:rPr lang="en-US" dirty="0" err="1" smtClean="0"/>
-              <a:t>IntMarks</a:t>
-            </a:r>
-            <a:r>
-              <a:rPr lang="en-US" dirty="0" smtClean="0"/>
-              <a:t>")-------{16, 17, 19, 15} </a:t>
-            </a:r>
-            <a:endParaRPr lang="en-US" dirty="0" smtClean="0"/>
-          </a:p>
-          <a:p>
-            <a:r>
-              <a:rPr lang="en-US" dirty="0" smtClean="0"/>
-              <a:t>&gt;&gt;&gt; </a:t>
-            </a:r>
-            <a:r>
-              <a:rPr lang="en-US" dirty="0" smtClean="0"/>
-              <a:t>print(d1,type(d1))--------{'</a:t>
-            </a:r>
-            <a:r>
-              <a:rPr lang="en-US" dirty="0" err="1" smtClean="0"/>
-              <a:t>sno</a:t>
-            </a:r>
-            <a:r>
-              <a:rPr lang="en-US" dirty="0" smtClean="0"/>
-              <a:t>': 10, '</a:t>
-            </a:r>
-            <a:r>
-              <a:rPr lang="en-US" dirty="0" err="1" smtClean="0"/>
-              <a:t>sname</a:t>
-            </a:r>
-            <a:r>
-              <a:rPr lang="en-US" dirty="0" smtClean="0"/>
-              <a:t>': 'RS', '</a:t>
-            </a:r>
-            <a:r>
-              <a:rPr lang="en-US" dirty="0" err="1" smtClean="0"/>
-              <a:t>ExtMarks</a:t>
-            </a:r>
-            <a:r>
-              <a:rPr lang="en-US" dirty="0" smtClean="0"/>
-              <a:t>': {64, 67, 77, 78}, '</a:t>
-            </a:r>
-            <a:r>
-              <a:rPr lang="en-US" dirty="0" err="1" smtClean="0"/>
-              <a:t>cname</a:t>
-            </a:r>
-            <a:r>
-              <a:rPr lang="en-US" dirty="0" smtClean="0"/>
-              <a:t>': 'CUCET'} &lt;class '</a:t>
-            </a:r>
-            <a:r>
-              <a:rPr lang="en-US" dirty="0" err="1" smtClean="0"/>
-              <a:t>dict</a:t>
-            </a:r>
-            <a:r>
-              <a:rPr lang="en-US" dirty="0" smtClean="0"/>
-              <a:t>'&gt;</a:t>
-            </a:r>
-          </a:p>
-          <a:p>
-            <a:r>
-              <a:rPr lang="en-US" dirty="0" smtClean="0"/>
-              <a:t> </a:t>
-            </a:r>
-            <a:r>
-              <a:rPr lang="en-US" dirty="0" smtClean="0"/>
-              <a:t>&gt;&gt;&gt; d1["</a:t>
-            </a:r>
-            <a:r>
-              <a:rPr lang="en-US" dirty="0" err="1" smtClean="0"/>
-              <a:t>ExtMarks</a:t>
-            </a:r>
-            <a:r>
-              <a:rPr lang="en-US" dirty="0" smtClean="0"/>
-              <a:t>"].clear</a:t>
-            </a:r>
-            <a:r>
-              <a:rPr lang="en-US" dirty="0" smtClean="0"/>
-              <a:t>()-------&gt;&gt;&gt; </a:t>
-            </a:r>
-            <a:r>
-              <a:rPr lang="en-US" dirty="0" smtClean="0"/>
-              <a:t>print(d1,type(d1)) </a:t>
-            </a:r>
-            <a:endParaRPr lang="en-US" dirty="0" smtClean="0"/>
-          </a:p>
-          <a:p>
-            <a:r>
-              <a:rPr lang="en-US" dirty="0" smtClean="0"/>
-              <a:t>{</a:t>
-            </a:r>
-            <a:r>
-              <a:rPr lang="en-US" dirty="0" smtClean="0"/>
-              <a:t>'</a:t>
-            </a:r>
-            <a:r>
-              <a:rPr lang="en-US" dirty="0" err="1" smtClean="0"/>
-              <a:t>sno</a:t>
-            </a:r>
-            <a:r>
-              <a:rPr lang="en-US" dirty="0" smtClean="0"/>
-              <a:t>': 10, '</a:t>
-            </a:r>
-            <a:r>
-              <a:rPr lang="en-US" dirty="0" err="1" smtClean="0"/>
-              <a:t>sname</a:t>
-            </a:r>
-            <a:r>
-              <a:rPr lang="en-US" dirty="0" smtClean="0"/>
-              <a:t>': 'RS', '</a:t>
-            </a:r>
-            <a:r>
-              <a:rPr lang="en-US" dirty="0" err="1" smtClean="0"/>
-              <a:t>ExtMarks</a:t>
-            </a:r>
-            <a:r>
-              <a:rPr lang="en-US" dirty="0" smtClean="0"/>
-              <a:t>': set(), '</a:t>
-            </a:r>
-            <a:r>
-              <a:rPr lang="en-US" dirty="0" err="1" smtClean="0"/>
-              <a:t>cname</a:t>
-            </a:r>
-            <a:r>
-              <a:rPr lang="en-US" dirty="0" smtClean="0"/>
-              <a:t>': 'CUCET'} &lt;class '</a:t>
-            </a:r>
-            <a:r>
-              <a:rPr lang="en-US" dirty="0" err="1" smtClean="0"/>
-              <a:t>dict</a:t>
-            </a:r>
-            <a:r>
-              <a:rPr lang="en-US" dirty="0" smtClean="0"/>
-              <a:t>'&gt; </a:t>
-            </a:r>
-            <a:endParaRPr lang="en-US" dirty="0" smtClean="0"/>
-          </a:p>
-          <a:p>
-            <a:r>
-              <a:rPr lang="en-US" dirty="0" smtClean="0"/>
-              <a:t>&gt;&gt;&gt; </a:t>
-            </a:r>
-            <a:r>
-              <a:rPr lang="en-US" dirty="0" smtClean="0"/>
-              <a:t>d1.pop("</a:t>
-            </a:r>
-            <a:r>
-              <a:rPr lang="en-US" dirty="0" err="1" smtClean="0"/>
-              <a:t>ExtMarks</a:t>
-            </a:r>
-            <a:r>
-              <a:rPr lang="en-US" dirty="0" smtClean="0"/>
-              <a:t>")---------set() </a:t>
-            </a:r>
-            <a:endParaRPr lang="en-US" dirty="0" smtClean="0"/>
-          </a:p>
-          <a:p>
-            <a:r>
-              <a:rPr lang="en-US" dirty="0" smtClean="0"/>
-              <a:t>&gt;&gt;&gt; </a:t>
-            </a:r>
-            <a:r>
-              <a:rPr lang="en-US" dirty="0" smtClean="0"/>
-              <a:t>print(d1,type(d1))---{'</a:t>
-            </a:r>
-            <a:r>
-              <a:rPr lang="en-US" dirty="0" err="1" smtClean="0"/>
-              <a:t>sno</a:t>
-            </a:r>
-            <a:r>
-              <a:rPr lang="en-US" dirty="0" smtClean="0"/>
-              <a:t>': 10, '</a:t>
-            </a:r>
-            <a:r>
-              <a:rPr lang="en-US" dirty="0" err="1" smtClean="0"/>
-              <a:t>sname</a:t>
-            </a:r>
-            <a:r>
-              <a:rPr lang="en-US" dirty="0" smtClean="0"/>
-              <a:t>': 'RS', '</a:t>
-            </a:r>
-            <a:r>
-              <a:rPr lang="en-US" dirty="0" err="1" smtClean="0"/>
-              <a:t>cname</a:t>
-            </a:r>
-            <a:r>
-              <a:rPr lang="en-US" dirty="0" smtClean="0"/>
-              <a:t>': 'CUCET'} &lt;class '</a:t>
-            </a:r>
-            <a:r>
-              <a:rPr lang="en-US" dirty="0" err="1" smtClean="0"/>
-              <a:t>dict</a:t>
-            </a:r>
-            <a:r>
-              <a:rPr lang="en-US" dirty="0" smtClean="0"/>
-              <a:t>'&gt; </a:t>
-            </a:r>
-            <a:endParaRPr lang="en-US" dirty="0" smtClean="0"/>
-          </a:p>
-          <a:p>
-            <a:r>
-              <a:rPr lang="en-US" dirty="0" smtClean="0"/>
-              <a:t>&gt;&gt;&gt; </a:t>
-            </a:r>
-            <a:r>
-              <a:rPr lang="en-US" dirty="0" smtClean="0"/>
-              <a:t>d1["</a:t>
-            </a:r>
-            <a:r>
-              <a:rPr lang="en-US" dirty="0" err="1" smtClean="0"/>
-              <a:t>IntMarks</a:t>
-            </a:r>
-            <a:r>
-              <a:rPr lang="en-US" dirty="0" smtClean="0"/>
               <a:t>"]={17,16,15} </a:t>
             </a:r>
-            <a:endParaRPr lang="en-US" dirty="0" smtClean="0"/>
-          </a:p>
-          <a:p>
-            <a:r>
-              <a:rPr lang="en-US" dirty="0" smtClean="0"/>
-              <a:t>&gt;&gt;&gt; </a:t>
-            </a:r>
-            <a:r>
-              <a:rPr lang="en-US" dirty="0" smtClean="0"/>
-              <a:t>print(d1,type(d1))-------{'</a:t>
+          </a:p>
+          <a:p>
+            <a:r>
+              <a:rPr lang="en-US" dirty="0" smtClean="0"/>
+              <a:t>&gt;&gt;&gt; print(d1,type(d1))-------{'</a:t>
             </a:r>
             <a:r>
               <a:rPr lang="en-US" dirty="0" err="1" smtClean="0"/>
@@ -7020,11 +6578,7 @@
           <a:p>
             <a:r>
               <a:rPr lang="en-US" dirty="0" smtClean="0"/>
-              <a:t>&gt;&gt;&gt;d1</a:t>
-            </a:r>
-            <a:r>
-              <a:rPr lang="en-US" dirty="0" smtClean="0"/>
-              <a:t>={"</a:t>
+              <a:t>&gt;&gt;&gt;d1={"</a:t>
             </a:r>
             <a:r>
               <a:rPr lang="en-US" dirty="0" err="1" smtClean="0"/>
@@ -7058,16 +6612,11 @@
               <a:rPr lang="en-US" dirty="0" smtClean="0"/>
               <a:t>":"CUCET"} </a:t>
             </a:r>
-            <a:endParaRPr lang="en-US" dirty="0" smtClean="0"/>
-          </a:p>
-          <a:p>
-            <a:r>
-              <a:rPr lang="en-US" dirty="0" smtClean="0"/>
-              <a:t>&gt;&gt;&gt; </a:t>
-            </a:r>
-            <a:r>
-              <a:rPr lang="en-US" dirty="0" smtClean="0"/>
-              <a:t>print(d1,type(d1))----{'</a:t>
+          </a:p>
+          <a:p>
+            <a:r>
+              <a:rPr lang="en-US" dirty="0" smtClean="0"/>
+              <a:t>&gt;&gt;&gt; print(d1,type(d1))----{'</a:t>
             </a:r>
             <a:r>
               <a:rPr lang="en-US" dirty="0" err="1" smtClean="0"/>
@@ -7117,16 +6666,11 @@
               <a:rPr lang="en-US" dirty="0" smtClean="0"/>
               <a:t>'&gt; </a:t>
             </a:r>
-            <a:endParaRPr lang="en-US" dirty="0" smtClean="0"/>
-          </a:p>
-          <a:p>
-            <a:r>
-              <a:rPr lang="en-US" dirty="0" smtClean="0"/>
-              <a:t>&gt;&gt;&gt; </a:t>
-            </a:r>
-            <a:r>
-              <a:rPr lang="en-US" dirty="0" smtClean="0"/>
-              <a:t>for </a:t>
+          </a:p>
+          <a:p>
+            <a:r>
+              <a:rPr lang="en-US" dirty="0" smtClean="0"/>
+              <a:t>&gt;&gt;&gt; for </a:t>
             </a:r>
             <a:r>
               <a:rPr lang="en-US" dirty="0" err="1" smtClean="0"/>
@@ -7136,19 +6680,13 @@
               <a:rPr lang="en-US" dirty="0" smtClean="0"/>
               <a:t> in d1.items(): ... </a:t>
             </a:r>
-            <a:endParaRPr lang="en-US" dirty="0" smtClean="0"/>
           </a:p>
           <a:p>
             <a:pPr lvl="1"/>
             <a:r>
               <a:rPr lang="en-US" dirty="0" smtClean="0"/>
-              <a:t>print(k</a:t>
-            </a:r>
-            <a:r>
-              <a:rPr lang="en-US" dirty="0" smtClean="0"/>
-              <a:t>,"---&gt;",v,"---&gt;",type(v),type(d1)) ... </a:t>
-            </a:r>
-            <a:endParaRPr lang="en-US" dirty="0" smtClean="0"/>
+              <a:t>print(k,"---&gt;",v,"---&gt;",type(v),type(d1)) ... </a:t>
+            </a:r>
           </a:p>
           <a:p>
             <a:pPr lvl="1"/>
@@ -7158,11 +6696,7 @@
             </a:r>
             <a:r>
               <a:rPr lang="en-US" dirty="0" smtClean="0"/>
-              <a:t> </a:t>
-            </a:r>
-            <a:r>
-              <a:rPr lang="en-US" dirty="0" smtClean="0"/>
-              <a:t>---&gt; 10 ---&gt; &lt;class '</a:t>
+              <a:t> ---&gt; 10 ---&gt; &lt;class '</a:t>
             </a:r>
             <a:r>
               <a:rPr lang="en-US" dirty="0" err="1" smtClean="0"/>
@@ -7180,7 +6714,6 @@
               <a:rPr lang="en-US" dirty="0" smtClean="0"/>
               <a:t>'&gt; </a:t>
             </a:r>
-            <a:endParaRPr lang="en-US" dirty="0" smtClean="0"/>
           </a:p>
           <a:p>
             <a:pPr lvl="1"/>
@@ -7190,11 +6723,7 @@
             </a:r>
             <a:r>
               <a:rPr lang="en-US" dirty="0" smtClean="0"/>
-              <a:t> </a:t>
-            </a:r>
-            <a:r>
-              <a:rPr lang="en-US" dirty="0" smtClean="0"/>
-              <a:t>---&gt; RS ---&gt; &lt;class '</a:t>
+              <a:t> ---&gt; RS ---&gt; &lt;class '</a:t>
             </a:r>
             <a:r>
               <a:rPr lang="en-US" dirty="0" err="1" smtClean="0"/>
@@ -7212,7 +6741,6 @@
               <a:rPr lang="en-US" dirty="0" smtClean="0"/>
               <a:t>'&gt; </a:t>
             </a:r>
-            <a:endParaRPr lang="en-US" dirty="0" smtClean="0"/>
           </a:p>
           <a:p>
             <a:pPr lvl="1"/>
@@ -7222,11 +6750,7 @@
             </a:r>
             <a:r>
               <a:rPr lang="en-US" dirty="0" smtClean="0"/>
-              <a:t> </a:t>
-            </a:r>
-            <a:r>
-              <a:rPr lang="en-US" dirty="0" smtClean="0"/>
-              <a:t>---&gt; (17, 19, 16) ---&gt; &lt;class '</a:t>
+              <a:t> ---&gt; (17, 19, 16) ---&gt; &lt;class '</a:t>
             </a:r>
             <a:r>
               <a:rPr lang="en-US" dirty="0" err="1" smtClean="0"/>
@@ -7244,7 +6768,6 @@
               <a:rPr lang="en-US" dirty="0" smtClean="0"/>
               <a:t>'&gt; </a:t>
             </a:r>
-            <a:endParaRPr lang="en-US" dirty="0" smtClean="0"/>
           </a:p>
           <a:p>
             <a:pPr lvl="1"/>
@@ -7254,11 +6777,7 @@
             </a:r>
             <a:r>
               <a:rPr lang="en-US" dirty="0" smtClean="0"/>
-              <a:t> </a:t>
-            </a:r>
-            <a:r>
-              <a:rPr lang="en-US" dirty="0" smtClean="0"/>
-              <a:t>---&gt; (67, 77, 78) ---&gt; &lt;class '</a:t>
+              <a:t> ---&gt; (67, 77, 78) ---&gt; &lt;class '</a:t>
             </a:r>
             <a:r>
               <a:rPr lang="en-US" dirty="0" err="1" smtClean="0"/>
@@ -7276,7 +6795,6 @@
               <a:rPr lang="en-US" dirty="0" smtClean="0"/>
               <a:t>'&gt; </a:t>
             </a:r>
-            <a:endParaRPr lang="en-US" dirty="0" smtClean="0"/>
           </a:p>
           <a:p>
             <a:pPr lvl="1"/>
@@ -7286,11 +6804,7 @@
             </a:r>
             <a:r>
               <a:rPr lang="en-US" dirty="0" smtClean="0"/>
-              <a:t> </a:t>
-            </a:r>
-            <a:r>
-              <a:rPr lang="en-US" dirty="0" smtClean="0"/>
-              <a:t>---&gt; CUCET ---&gt; &lt;class '</a:t>
+              <a:t> ---&gt; CUCET ---&gt; &lt;class '</a:t>
             </a:r>
             <a:r>
               <a:rPr lang="en-US" dirty="0" err="1" smtClean="0"/>
@@ -7308,16 +6822,11 @@
               <a:rPr lang="en-US" dirty="0" smtClean="0"/>
               <a:t>'&gt; </a:t>
             </a:r>
-            <a:endParaRPr lang="en-US" dirty="0" smtClean="0"/>
-          </a:p>
-          <a:p>
-            <a:r>
-              <a:rPr lang="en-US" dirty="0" smtClean="0"/>
-              <a:t>&gt;&gt;&gt; </a:t>
-            </a:r>
-            <a:r>
-              <a:rPr lang="en-US" dirty="0" smtClean="0"/>
-              <a:t>d1["</a:t>
+          </a:p>
+          <a:p>
+            <a:r>
+              <a:rPr lang="en-US" dirty="0" smtClean="0"/>
+              <a:t>&gt;&gt;&gt; d1["</a:t>
             </a:r>
             <a:r>
               <a:rPr lang="en-US" dirty="0" err="1" smtClean="0"/>
@@ -7325,59 +6834,41 @@
             </a:r>
             <a:r>
               <a:rPr lang="en-US" dirty="0" smtClean="0"/>
-              <a:t>"]-----------(17, 19, 16</a:t>
-            </a:r>
-            <a:r>
-              <a:rPr lang="en-US" dirty="0" smtClean="0"/>
-              <a:t>)</a:t>
-            </a:r>
-          </a:p>
-          <a:p>
-            <a:r>
-              <a:rPr lang="en-US" dirty="0" smtClean="0"/>
-              <a:t> </a:t>
-            </a:r>
+              <a:t>"]-----------(17, 19, 16)</a:t>
+            </a:r>
+          </a:p>
+          <a:p>
+            <a:r>
+              <a:rPr lang="en-US" dirty="0" smtClean="0"/>
+              <a:t> &gt;&gt;&gt; d1["</a:t>
+            </a:r>
+            <a:r>
+              <a:rPr lang="en-US" dirty="0" err="1" smtClean="0"/>
+              <a:t>IntMarks</a:t>
+            </a:r>
+            <a:r>
+              <a:rPr lang="en-US" dirty="0" smtClean="0"/>
+              <a:t>"][::2]------(17, 16) </a:t>
+            </a:r>
+          </a:p>
+          <a:p>
             <a:r>
               <a:rPr lang="en-US" dirty="0" smtClean="0"/>
               <a:t>&gt;&gt;&gt; d1["</a:t>
             </a:r>
             <a:r>
               <a:rPr lang="en-US" dirty="0" err="1" smtClean="0"/>
-              <a:t>IntMarks</a:t>
-            </a:r>
-            <a:r>
-              <a:rPr lang="en-US" dirty="0" smtClean="0"/>
-              <a:t>"][::2]------(17, 16) </a:t>
-            </a:r>
-            <a:endParaRPr lang="en-US" dirty="0" smtClean="0"/>
-          </a:p>
-          <a:p>
-            <a:r>
-              <a:rPr lang="en-US" dirty="0" smtClean="0"/>
-              <a:t>&gt;&gt;&gt; </a:t>
-            </a:r>
-            <a:r>
-              <a:rPr lang="en-US" dirty="0" smtClean="0"/>
-              <a:t>d1["</a:t>
-            </a:r>
-            <a:r>
-              <a:rPr lang="en-US" dirty="0" err="1" smtClean="0"/>
               <a:t>ExtMarks</a:t>
             </a:r>
             <a:r>
               <a:rPr lang="en-US" dirty="0" smtClean="0"/>
               <a:t>"]----------(67, 77, 78) </a:t>
             </a:r>
-            <a:endParaRPr lang="en-US" dirty="0" smtClean="0"/>
-          </a:p>
-          <a:p>
-            <a:r>
-              <a:rPr lang="en-US" dirty="0" smtClean="0"/>
-              <a:t>&gt;&gt;&gt; </a:t>
-            </a:r>
-            <a:r>
-              <a:rPr lang="en-US" dirty="0" smtClean="0"/>
-              <a:t>d1["</a:t>
+          </a:p>
+          <a:p>
+            <a:r>
+              <a:rPr lang="en-US" dirty="0" smtClean="0"/>
+              <a:t>&gt;&gt;&gt; d1["</a:t>
             </a:r>
             <a:r>
               <a:rPr lang="en-US" dirty="0" err="1" smtClean="0"/>
@@ -7403,24 +6894,11 @@
               <a:rPr lang="en-US" dirty="0" smtClean="0"/>
               <a:t>"])[::-1]) </a:t>
             </a:r>
-            <a:endParaRPr lang="en-US" dirty="0" smtClean="0"/>
-          </a:p>
-          <a:p>
-            <a:r>
-              <a:rPr lang="en-US" dirty="0" smtClean="0"/>
-              <a:t>&gt;&gt;&gt; </a:t>
-            </a:r>
-            <a:r>
-              <a:rPr lang="en-US" dirty="0" smtClean="0"/>
-              <a:t>print(d1,type(d1</a:t>
-            </a:r>
-            <a:r>
-              <a:rPr lang="en-US" dirty="0" smtClean="0"/>
-              <a:t>))-------------{</a:t>
-            </a:r>
-            <a:r>
-              <a:rPr lang="en-US" dirty="0" smtClean="0"/>
-              <a:t>'</a:t>
+          </a:p>
+          <a:p>
+            <a:r>
+              <a:rPr lang="en-US" dirty="0" smtClean="0"/>
+              <a:t>&gt;&gt;&gt; print(d1,type(d1))-------------{'</a:t>
             </a:r>
             <a:r>
               <a:rPr lang="en-US" dirty="0" err="1" smtClean="0"/>
@@ -7549,11 +7027,7 @@
           <a:p>
             <a:r>
               <a:rPr lang="en-US" dirty="0" smtClean="0"/>
-              <a:t>&gt;&gt;&gt;d1</a:t>
-            </a:r>
-            <a:r>
-              <a:rPr lang="en-US" dirty="0" smtClean="0"/>
-              <a:t>={"</a:t>
+              <a:t>&gt;&gt;&gt;d1={"</a:t>
             </a:r>
             <a:r>
               <a:rPr lang="en-US" dirty="0" err="1" smtClean="0"/>
@@ -7587,16 +7061,11 @@
               <a:rPr lang="en-US" dirty="0" smtClean="0"/>
               <a:t>":"CUCET"} </a:t>
             </a:r>
-            <a:endParaRPr lang="en-US" dirty="0" smtClean="0"/>
-          </a:p>
-          <a:p>
-            <a:r>
-              <a:rPr lang="en-US" dirty="0" smtClean="0"/>
-              <a:t>&gt;&gt;&gt; </a:t>
-            </a:r>
-            <a:r>
-              <a:rPr lang="en-US" dirty="0" smtClean="0"/>
-              <a:t>print(d1,type(d1))---{'</a:t>
+          </a:p>
+          <a:p>
+            <a:r>
+              <a:rPr lang="en-US" dirty="0" smtClean="0"/>
+              <a:t>&gt;&gt;&gt; print(d1,type(d1))---{'</a:t>
             </a:r>
             <a:r>
               <a:rPr lang="en-US" dirty="0" err="1" smtClean="0"/>
@@ -7650,11 +7119,7 @@
           <a:p>
             <a:r>
               <a:rPr lang="en-US" dirty="0" smtClean="0"/>
-              <a:t> </a:t>
-            </a:r>
-            <a:r>
-              <a:rPr lang="en-US" dirty="0" smtClean="0"/>
-              <a:t>&gt;&gt;&gt; for </a:t>
+              <a:t> &gt;&gt;&gt; for </a:t>
             </a:r>
             <a:r>
               <a:rPr lang="en-US" dirty="0" err="1" smtClean="0"/>
@@ -7662,11 +7127,7 @@
             </a:r>
             <a:r>
               <a:rPr lang="en-US" dirty="0" smtClean="0"/>
-              <a:t> in d1.items(): </a:t>
-            </a:r>
-            <a:r>
-              <a:rPr lang="en-US" dirty="0" smtClean="0"/>
-              <a:t>...</a:t>
+              <a:t> in d1.items(): ...</a:t>
             </a:r>
           </a:p>
           <a:p>
@@ -7679,7 +7140,6 @@
               <a:rPr lang="en-US" b="1" dirty="0" smtClean="0"/>
               <a:t>print(k,"---&gt;",v,"---&gt;",type(v),type(d1)) ... </a:t>
             </a:r>
-            <a:endParaRPr lang="en-US" b="1" dirty="0" smtClean="0"/>
           </a:p>
           <a:p>
             <a:pPr lvl="2"/>
@@ -7689,11 +7149,7 @@
             </a:r>
             <a:r>
               <a:rPr lang="en-US" b="1" dirty="0" smtClean="0"/>
-              <a:t> </a:t>
-            </a:r>
-            <a:r>
-              <a:rPr lang="en-US" b="1" dirty="0" smtClean="0"/>
-              <a:t>---&gt; 10 ---&gt; &lt;class '</a:t>
+              <a:t> ---&gt; 10 ---&gt; &lt;class '</a:t>
             </a:r>
             <a:r>
               <a:rPr lang="en-US" b="1" dirty="0" err="1" smtClean="0"/>
@@ -7711,7 +7167,6 @@
               <a:rPr lang="en-US" b="1" dirty="0" smtClean="0"/>
               <a:t>'&gt; </a:t>
             </a:r>
-            <a:endParaRPr lang="en-US" b="1" dirty="0" smtClean="0"/>
           </a:p>
           <a:p>
             <a:pPr lvl="2"/>
@@ -7721,11 +7176,7 @@
             </a:r>
             <a:r>
               <a:rPr lang="en-US" b="1" dirty="0" smtClean="0"/>
-              <a:t> </a:t>
-            </a:r>
-            <a:r>
-              <a:rPr lang="en-US" b="1" dirty="0" smtClean="0"/>
-              <a:t>---&gt; RS ---&gt; &lt;class '</a:t>
+              <a:t> ---&gt; RS ---&gt; &lt;class '</a:t>
             </a:r>
             <a:r>
               <a:rPr lang="en-US" b="1" dirty="0" err="1" smtClean="0"/>
@@ -7743,7 +7194,6 @@
               <a:rPr lang="en-US" b="1" dirty="0" smtClean="0"/>
               <a:t>'&gt; </a:t>
             </a:r>
-            <a:endParaRPr lang="en-US" b="1" dirty="0" smtClean="0"/>
           </a:p>
           <a:p>
             <a:pPr lvl="2"/>
@@ -7753,11 +7203,7 @@
             </a:r>
             <a:r>
               <a:rPr lang="en-US" b="1" dirty="0" smtClean="0"/>
-              <a:t> </a:t>
-            </a:r>
-            <a:r>
-              <a:rPr lang="en-US" b="1" dirty="0" smtClean="0"/>
-              <a:t>---&gt; [17, 19, 16] ---&gt; &lt;class 'list'&gt; &lt;class '</a:t>
+              <a:t> ---&gt; [17, 19, 16] ---&gt; &lt;class 'list'&gt; &lt;class '</a:t>
             </a:r>
             <a:r>
               <a:rPr lang="en-US" b="1" dirty="0" err="1" smtClean="0"/>
@@ -7767,7 +7213,6 @@
               <a:rPr lang="en-US" b="1" dirty="0" smtClean="0"/>
               <a:t>'&gt; </a:t>
             </a:r>
-            <a:endParaRPr lang="en-US" b="1" dirty="0" smtClean="0"/>
           </a:p>
           <a:p>
             <a:pPr lvl="2"/>
@@ -7777,11 +7222,7 @@
             </a:r>
             <a:r>
               <a:rPr lang="en-US" b="1" dirty="0" smtClean="0"/>
-              <a:t> </a:t>
-            </a:r>
-            <a:r>
-              <a:rPr lang="en-US" b="1" dirty="0" smtClean="0"/>
-              <a:t>---&gt; [67, 77, 78] ---&gt; &lt;class 'list'&gt; &lt;class '</a:t>
+              <a:t> ---&gt; [67, 77, 78] ---&gt; &lt;class 'list'&gt; &lt;class '</a:t>
             </a:r>
             <a:r>
               <a:rPr lang="en-US" b="1" dirty="0" err="1" smtClean="0"/>
@@ -7791,7 +7232,6 @@
               <a:rPr lang="en-US" b="1" dirty="0" smtClean="0"/>
               <a:t>'&gt; </a:t>
             </a:r>
-            <a:endParaRPr lang="en-US" b="1" dirty="0" smtClean="0"/>
           </a:p>
           <a:p>
             <a:pPr lvl="2"/>
@@ -7801,11 +7241,7 @@
             </a:r>
             <a:r>
               <a:rPr lang="en-US" b="1" dirty="0" smtClean="0"/>
-              <a:t> </a:t>
-            </a:r>
-            <a:r>
-              <a:rPr lang="en-US" b="1" dirty="0" smtClean="0"/>
-              <a:t>---&gt; CUCET ---&gt; &lt;class '</a:t>
+              <a:t> ---&gt; CUCET ---&gt; &lt;class '</a:t>
             </a:r>
             <a:r>
               <a:rPr lang="en-US" b="1" dirty="0" err="1" smtClean="0"/>
@@ -7823,16 +7259,11 @@
               <a:rPr lang="en-US" b="1" dirty="0" smtClean="0"/>
               <a:t>'&gt; </a:t>
             </a:r>
-            <a:endParaRPr lang="en-US" b="1" dirty="0" smtClean="0"/>
-          </a:p>
-          <a:p>
-            <a:r>
-              <a:rPr lang="en-US" dirty="0" smtClean="0"/>
-              <a:t>&gt;&gt;&gt; </a:t>
-            </a:r>
-            <a:r>
-              <a:rPr lang="en-US" dirty="0" smtClean="0"/>
-              <a:t>d1["</a:t>
+          </a:p>
+          <a:p>
+            <a:r>
+              <a:rPr lang="en-US" dirty="0" smtClean="0"/>
+              <a:t>&gt;&gt;&gt; d1["</a:t>
             </a:r>
             <a:r>
               <a:rPr lang="en-US" dirty="0" err="1" smtClean="0"/>
@@ -7842,16 +7273,11 @@
               <a:rPr lang="en-US" dirty="0" smtClean="0"/>
               <a:t>"].insert(1,15) </a:t>
             </a:r>
-            <a:endParaRPr lang="en-US" dirty="0" smtClean="0"/>
-          </a:p>
-          <a:p>
-            <a:r>
-              <a:rPr lang="en-US" dirty="0" smtClean="0"/>
-              <a:t>&gt;&gt;&gt; </a:t>
-            </a:r>
-            <a:r>
-              <a:rPr lang="en-US" dirty="0" smtClean="0"/>
-              <a:t>d1["</a:t>
+          </a:p>
+          <a:p>
+            <a:r>
+              <a:rPr lang="en-US" dirty="0" smtClean="0"/>
+              <a:t>&gt;&gt;&gt; d1["</a:t>
             </a:r>
             <a:r>
               <a:rPr lang="en-US" dirty="0" err="1" smtClean="0"/>
@@ -7861,16 +7287,11 @@
               <a:rPr lang="en-US" dirty="0" smtClean="0"/>
               <a:t>"].insert(-1,55) </a:t>
             </a:r>
-            <a:endParaRPr lang="en-US" dirty="0" smtClean="0"/>
-          </a:p>
-          <a:p>
-            <a:r>
-              <a:rPr lang="en-US" dirty="0" smtClean="0"/>
-              <a:t>&gt;&gt;&gt; </a:t>
-            </a:r>
-            <a:r>
-              <a:rPr lang="en-US" dirty="0" smtClean="0"/>
-              <a:t>print(d1,type(d1))---{'</a:t>
+          </a:p>
+          <a:p>
+            <a:r>
+              <a:rPr lang="en-US" dirty="0" smtClean="0"/>
+              <a:t>&gt;&gt;&gt; print(d1,type(d1))---{'</a:t>
             </a:r>
             <a:r>
               <a:rPr lang="en-US" dirty="0" err="1" smtClean="0"/>
@@ -7920,16 +7341,11 @@
               <a:rPr lang="en-US" dirty="0" smtClean="0"/>
               <a:t>'&gt; </a:t>
             </a:r>
-            <a:endParaRPr lang="en-US" dirty="0" smtClean="0"/>
-          </a:p>
-          <a:p>
-            <a:r>
-              <a:rPr lang="en-US" dirty="0" smtClean="0"/>
-              <a:t>&gt;&gt;&gt; </a:t>
-            </a:r>
-            <a:r>
-              <a:rPr lang="en-US" dirty="0" smtClean="0"/>
-              <a:t>d1["</a:t>
+          </a:p>
+          <a:p>
+            <a:r>
+              <a:rPr lang="en-US" dirty="0" smtClean="0"/>
+              <a:t>&gt;&gt;&gt; d1["</a:t>
             </a:r>
             <a:r>
               <a:rPr lang="en-US" dirty="0" err="1" smtClean="0"/>
@@ -7939,16 +7355,11 @@
               <a:rPr lang="en-US" dirty="0" smtClean="0"/>
               <a:t>"].sort() </a:t>
             </a:r>
-            <a:endParaRPr lang="en-US" dirty="0" smtClean="0"/>
-          </a:p>
-          <a:p>
-            <a:r>
-              <a:rPr lang="en-US" dirty="0" smtClean="0"/>
-              <a:t>&gt;&gt;&gt; </a:t>
-            </a:r>
-            <a:r>
-              <a:rPr lang="en-US" dirty="0" smtClean="0"/>
-              <a:t>d1["</a:t>
+          </a:p>
+          <a:p>
+            <a:r>
+              <a:rPr lang="en-US" dirty="0" smtClean="0"/>
+              <a:t>&gt;&gt;&gt; d1["</a:t>
             </a:r>
             <a:r>
               <a:rPr lang="en-US" dirty="0" err="1" smtClean="0"/>
@@ -7958,16 +7369,11 @@
               <a:rPr lang="en-US" dirty="0" smtClean="0"/>
               <a:t>"].sort(reverse=True) </a:t>
             </a:r>
-            <a:endParaRPr lang="en-US" dirty="0" smtClean="0"/>
-          </a:p>
-          <a:p>
-            <a:r>
-              <a:rPr lang="en-US" dirty="0" smtClean="0"/>
-              <a:t>&gt;&gt;&gt; </a:t>
-            </a:r>
-            <a:r>
-              <a:rPr lang="en-US" dirty="0" smtClean="0"/>
-              <a:t>print(d1,type(d1))----{'</a:t>
+          </a:p>
+          <a:p>
+            <a:r>
+              <a:rPr lang="en-US" dirty="0" smtClean="0"/>
+              <a:t>&gt;&gt;&gt; print(d1,type(d1))----{'</a:t>
             </a:r>
             <a:r>
               <a:rPr lang="en-US" dirty="0" err="1" smtClean="0"/>
@@ -8017,16 +7423,11 @@
               <a:rPr lang="en-US" dirty="0" smtClean="0"/>
               <a:t>'&gt; </a:t>
             </a:r>
-            <a:endParaRPr lang="en-US" dirty="0" smtClean="0"/>
-          </a:p>
-          <a:p>
-            <a:r>
-              <a:rPr lang="en-US" dirty="0" smtClean="0"/>
-              <a:t>&gt;&gt;&gt; </a:t>
-            </a:r>
-            <a:r>
-              <a:rPr lang="en-US" dirty="0" smtClean="0"/>
-              <a:t>d1["</a:t>
+          </a:p>
+          <a:p>
+            <a:r>
+              <a:rPr lang="en-US" dirty="0" smtClean="0"/>
+              <a:t>&gt;&gt;&gt; d1["</a:t>
             </a:r>
             <a:r>
               <a:rPr lang="en-US" dirty="0" err="1" smtClean="0"/>
@@ -8036,16 +7437,11 @@
               <a:rPr lang="en-US" dirty="0" smtClean="0"/>
               <a:t>"].insert(-1,[1.2,2.3]) </a:t>
             </a:r>
-            <a:endParaRPr lang="en-US" dirty="0" smtClean="0"/>
-          </a:p>
-          <a:p>
-            <a:r>
-              <a:rPr lang="en-US" dirty="0" smtClean="0"/>
-              <a:t>&gt;&gt;&gt; </a:t>
-            </a:r>
-            <a:r>
-              <a:rPr lang="en-US" dirty="0" smtClean="0"/>
-              <a:t>print(d1,type(d1))--{'</a:t>
+          </a:p>
+          <a:p>
+            <a:r>
+              <a:rPr lang="en-US" dirty="0" smtClean="0"/>
+              <a:t>&gt;&gt;&gt; print(d1,type(d1))--{'</a:t>
             </a:r>
             <a:r>
               <a:rPr lang="en-US" dirty="0" err="1" smtClean="0"/>
@@ -8095,16 +7491,11 @@
               <a:rPr lang="en-US" dirty="0" smtClean="0"/>
               <a:t>'&gt; </a:t>
             </a:r>
-            <a:endParaRPr lang="en-US" dirty="0" smtClean="0"/>
-          </a:p>
-          <a:p>
-            <a:r>
-              <a:rPr lang="en-US" dirty="0" smtClean="0"/>
-              <a:t>&gt;&gt;&gt; </a:t>
-            </a:r>
-            <a:r>
-              <a:rPr lang="en-US" dirty="0" smtClean="0"/>
-              <a:t>d1["</a:t>
+          </a:p>
+          <a:p>
+            <a:r>
+              <a:rPr lang="en-US" dirty="0" smtClean="0"/>
+              <a:t>&gt;&gt;&gt; d1["</a:t>
             </a:r>
             <a:r>
               <a:rPr lang="en-US" dirty="0" err="1" smtClean="0"/>
@@ -8114,16 +7505,11 @@
               <a:rPr lang="en-US" dirty="0" smtClean="0"/>
               <a:t>"].insert(2,(1.2,2.3)) </a:t>
             </a:r>
-            <a:endParaRPr lang="en-US" dirty="0" smtClean="0"/>
-          </a:p>
-          <a:p>
-            <a:r>
-              <a:rPr lang="en-US" dirty="0" smtClean="0"/>
-              <a:t>&gt;&gt;&gt; </a:t>
-            </a:r>
-            <a:r>
-              <a:rPr lang="en-US" dirty="0" smtClean="0"/>
-              <a:t>print(d1,type(d1))---{'</a:t>
+          </a:p>
+          <a:p>
+            <a:r>
+              <a:rPr lang="en-US" dirty="0" smtClean="0"/>
+              <a:t>&gt;&gt;&gt; print(d1,type(d1))---{'</a:t>
             </a:r>
             <a:r>
               <a:rPr lang="en-US" dirty="0" err="1" smtClean="0"/>
@@ -8214,21 +7600,111 @@
         </p:nvSpPr>
         <p:spPr/>
         <p:txBody>
+          <a:bodyPr>
+            <a:normAutofit fontScale="90000"/>
+          </a:bodyPr>
+          <a:lstStyle/>
+          <a:p>
+            <a:r>
+              <a:rPr lang="en-US" dirty="0" smtClean="0"/>
+              <a:t>Case5: </a:t>
+            </a:r>
+            <a:r>
+              <a:rPr lang="en-US" dirty="0" err="1" smtClean="0"/>
+              <a:t>dict</a:t>
+            </a:r>
+            <a:r>
+              <a:rPr lang="en-US" dirty="0" smtClean="0"/>
+              <a:t> in set--------Not Possible</a:t>
+            </a:r>
+            <a:endParaRPr lang="en-US" dirty="0"/>
+          </a:p>
+        </p:txBody>
+      </p:sp>
+      <p:sp>
+        <p:nvSpPr>
+          <p:cNvPr id="3" name="Content Placeholder 2"/>
+          <p:cNvSpPr>
+            <a:spLocks noGrp="1"/>
+          </p:cNvSpPr>
+          <p:nvPr>
+            <p:ph idx="1"/>
+          </p:nvPr>
+        </p:nvSpPr>
+        <p:spPr/>
+        <p:txBody>
           <a:bodyPr/>
           <a:lstStyle/>
           <a:p>
-            <a:endParaRPr lang="en-US"/>
-          </a:p>
-        </p:txBody>
-      </p:sp>
-      <p:sp>
-        <p:nvSpPr>
-          <p:cNvPr id="3" name="Content Placeholder 2"/>
-          <p:cNvSpPr>
-            <a:spLocks noGrp="1"/>
-          </p:cNvSpPr>
-          <p:nvPr>
-            <p:ph idx="1"/>
+            <a:r>
+              <a:rPr lang="en-US" dirty="0" smtClean="0"/>
+              <a:t>&gt;&gt;&gt;s1</a:t>
+            </a:r>
+            <a:r>
+              <a:rPr lang="en-US" dirty="0" smtClean="0"/>
+              <a:t>={10,"RS",{"C":15,"CPP":14,"OS":17},"OUCET"}----------</a:t>
+            </a:r>
+            <a:r>
+              <a:rPr lang="en-US" dirty="0" err="1" smtClean="0"/>
+              <a:t>TypeError</a:t>
+            </a:r>
+            <a:r>
+              <a:rPr lang="en-US" dirty="0" smtClean="0"/>
+              <a:t>: </a:t>
+            </a:r>
+            <a:r>
+              <a:rPr lang="en-US" dirty="0" err="1" smtClean="0"/>
+              <a:t>unhashable</a:t>
+            </a:r>
+            <a:r>
+              <a:rPr lang="en-US" dirty="0" smtClean="0"/>
+              <a:t> type: '</a:t>
+            </a:r>
+            <a:r>
+              <a:rPr lang="en-US" dirty="0" err="1" smtClean="0"/>
+              <a:t>dict</a:t>
+            </a:r>
+            <a:r>
+              <a:rPr lang="en-US" dirty="0" smtClean="0"/>
+              <a:t>'</a:t>
+            </a:r>
+            <a:endParaRPr lang="en-US" dirty="0"/>
+          </a:p>
+        </p:txBody>
+      </p:sp>
+    </p:spTree>
+  </p:cSld>
+  <p:clrMapOvr>
+    <a:masterClrMapping/>
+  </p:clrMapOvr>
+</p:sld>
+</file>
+
+<file path=ppt/slides/slide24.xml><?xml version="1.0" encoding="utf-8"?>
+<p:sld xmlns:a="http://schemas.openxmlformats.org/drawingml/2006/main" xmlns:r="http://schemas.openxmlformats.org/officeDocument/2006/relationships" xmlns:p="http://schemas.openxmlformats.org/presentationml/2006/main">
+  <p:cSld>
+    <p:spTree>
+      <p:nvGrpSpPr>
+        <p:cNvPr id="1" name=""/>
+        <p:cNvGrpSpPr/>
+        <p:nvPr/>
+      </p:nvGrpSpPr>
+      <p:grpSpPr>
+        <a:xfrm>
+          <a:off x="0" y="0"/>
+          <a:ext cx="0" cy="0"/>
+          <a:chOff x="0" y="0"/>
+          <a:chExt cx="0" cy="0"/>
+        </a:xfrm>
+      </p:grpSpPr>
+      <p:sp>
+        <p:nvSpPr>
+          <p:cNvPr id="2" name="Title 1"/>
+          <p:cNvSpPr>
+            <a:spLocks noGrp="1"/>
+          </p:cNvSpPr>
+          <p:nvPr>
+            <p:ph type="title"/>
           </p:nvPr>
         </p:nvSpPr>
         <p:spPr/>
@@ -8236,7 +7712,1382 @@
           <a:bodyPr/>
           <a:lstStyle/>
           <a:p>
-            <a:endParaRPr lang="en-US"/>
+            <a:r>
+              <a:rPr lang="en-US" dirty="0" smtClean="0"/>
+              <a:t>Case6: </a:t>
+            </a:r>
+            <a:r>
+              <a:rPr lang="en-US" dirty="0" err="1" smtClean="0"/>
+              <a:t>dict</a:t>
+            </a:r>
+            <a:r>
+              <a:rPr lang="en-US" dirty="0" smtClean="0"/>
+              <a:t> in </a:t>
+            </a:r>
+            <a:r>
+              <a:rPr lang="en-US" dirty="0" err="1" smtClean="0"/>
+              <a:t>tuple</a:t>
+            </a:r>
+            <a:r>
+              <a:rPr lang="en-US" dirty="0" smtClean="0"/>
+              <a:t>--Possible</a:t>
+            </a:r>
+            <a:endParaRPr lang="en-US" dirty="0"/>
+          </a:p>
+        </p:txBody>
+      </p:sp>
+      <p:sp>
+        <p:nvSpPr>
+          <p:cNvPr id="3" name="Content Placeholder 2"/>
+          <p:cNvSpPr>
+            <a:spLocks noGrp="1"/>
+          </p:cNvSpPr>
+          <p:nvPr>
+            <p:ph idx="1"/>
+          </p:nvPr>
+        </p:nvSpPr>
+        <p:spPr>
+          <a:xfrm>
+            <a:off x="0" y="1775191"/>
+            <a:ext cx="9144000" cy="4625609"/>
+          </a:xfrm>
+        </p:spPr>
+        <p:txBody>
+          <a:bodyPr>
+            <a:normAutofit fontScale="92500"/>
+          </a:bodyPr>
+          <a:lstStyle/>
+          <a:p>
+            <a:r>
+              <a:rPr lang="en-US" dirty="0" smtClean="0"/>
+              <a:t>&gt;&gt;&gt;</a:t>
+            </a:r>
+            <a:r>
+              <a:rPr lang="en-US" dirty="0" err="1" smtClean="0"/>
+              <a:t>tpl</a:t>
+            </a:r>
+            <a:r>
+              <a:rPr lang="en-US" dirty="0" smtClean="0"/>
+              <a:t>=(10,"RS",{"C":15,"CPP":14,"OS":17},"OUCET") </a:t>
+            </a:r>
+            <a:endParaRPr lang="en-US" dirty="0" smtClean="0"/>
+          </a:p>
+          <a:p>
+            <a:r>
+              <a:rPr lang="en-US" dirty="0" smtClean="0"/>
+              <a:t>&gt;&gt;&gt; </a:t>
+            </a:r>
+            <a:r>
+              <a:rPr lang="en-US" dirty="0" smtClean="0"/>
+              <a:t>print(</a:t>
+            </a:r>
+            <a:r>
+              <a:rPr lang="en-US" dirty="0" err="1" smtClean="0"/>
+              <a:t>tpl,type</a:t>
+            </a:r>
+            <a:r>
+              <a:rPr lang="en-US" dirty="0" smtClean="0"/>
+              <a:t>(</a:t>
+            </a:r>
+            <a:r>
+              <a:rPr lang="en-US" dirty="0" err="1" smtClean="0"/>
+              <a:t>tpl</a:t>
+            </a:r>
+            <a:r>
+              <a:rPr lang="en-US" dirty="0" smtClean="0"/>
+              <a:t>))-----(10, 'RS', {'C': 15, 'CPP': 14, 'OS': 17}, 'OUCET') &lt;class '</a:t>
+            </a:r>
+            <a:r>
+              <a:rPr lang="en-US" dirty="0" err="1" smtClean="0"/>
+              <a:t>tuple</a:t>
+            </a:r>
+            <a:r>
+              <a:rPr lang="en-US" dirty="0" smtClean="0"/>
+              <a:t>'&gt; </a:t>
+            </a:r>
+            <a:endParaRPr lang="en-US" dirty="0" smtClean="0"/>
+          </a:p>
+          <a:p>
+            <a:r>
+              <a:rPr lang="en-US" dirty="0" smtClean="0"/>
+              <a:t>&gt;&gt;&gt; </a:t>
+            </a:r>
+            <a:r>
+              <a:rPr lang="en-US" dirty="0" smtClean="0"/>
+              <a:t>for </a:t>
+            </a:r>
+            <a:r>
+              <a:rPr lang="en-US" dirty="0" err="1" smtClean="0"/>
+              <a:t>val</a:t>
+            </a:r>
+            <a:r>
+              <a:rPr lang="en-US" dirty="0" smtClean="0"/>
+              <a:t> in </a:t>
+            </a:r>
+            <a:r>
+              <a:rPr lang="en-US" dirty="0" err="1" smtClean="0"/>
+              <a:t>tpl</a:t>
+            </a:r>
+            <a:r>
+              <a:rPr lang="en-US" dirty="0" smtClean="0"/>
+              <a:t>: </a:t>
+            </a:r>
+            <a:r>
+              <a:rPr lang="en-US" dirty="0" smtClean="0"/>
+              <a:t>...</a:t>
+            </a:r>
+          </a:p>
+          <a:p>
+            <a:r>
+              <a:rPr lang="en-US" dirty="0" smtClean="0"/>
+              <a:t> </a:t>
+            </a:r>
+            <a:r>
+              <a:rPr lang="en-US" dirty="0" smtClean="0"/>
+              <a:t>print(</a:t>
+            </a:r>
+            <a:r>
+              <a:rPr lang="en-US" dirty="0" err="1" smtClean="0"/>
+              <a:t>val</a:t>
+            </a:r>
+            <a:r>
+              <a:rPr lang="en-US" dirty="0" smtClean="0"/>
+              <a:t>,"---&gt;",type(</a:t>
+            </a:r>
+            <a:r>
+              <a:rPr lang="en-US" dirty="0" err="1" smtClean="0"/>
+              <a:t>val</a:t>
+            </a:r>
+            <a:r>
+              <a:rPr lang="en-US" dirty="0" smtClean="0"/>
+              <a:t>),type(</a:t>
+            </a:r>
+            <a:r>
+              <a:rPr lang="en-US" dirty="0" err="1" smtClean="0"/>
+              <a:t>tpl</a:t>
+            </a:r>
+            <a:r>
+              <a:rPr lang="en-US" dirty="0" smtClean="0"/>
+              <a:t>)) ... </a:t>
+            </a:r>
+            <a:endParaRPr lang="en-US" dirty="0" smtClean="0"/>
+          </a:p>
+          <a:p>
+            <a:pPr lvl="1"/>
+            <a:r>
+              <a:rPr lang="en-US" dirty="0" smtClean="0"/>
+              <a:t>10 </a:t>
+            </a:r>
+            <a:r>
+              <a:rPr lang="en-US" dirty="0" smtClean="0"/>
+              <a:t>---&gt; &lt;class '</a:t>
+            </a:r>
+            <a:r>
+              <a:rPr lang="en-US" dirty="0" err="1" smtClean="0"/>
+              <a:t>int</a:t>
+            </a:r>
+            <a:r>
+              <a:rPr lang="en-US" dirty="0" smtClean="0"/>
+              <a:t>'&gt; &lt;class '</a:t>
+            </a:r>
+            <a:r>
+              <a:rPr lang="en-US" dirty="0" err="1" smtClean="0"/>
+              <a:t>tuple</a:t>
+            </a:r>
+            <a:r>
+              <a:rPr lang="en-US" dirty="0" smtClean="0"/>
+              <a:t>'&gt; </a:t>
+            </a:r>
+            <a:endParaRPr lang="en-US" dirty="0" smtClean="0"/>
+          </a:p>
+          <a:p>
+            <a:pPr lvl="1"/>
+            <a:r>
+              <a:rPr lang="en-US" dirty="0" smtClean="0"/>
+              <a:t>RS </a:t>
+            </a:r>
+            <a:r>
+              <a:rPr lang="en-US" dirty="0" smtClean="0"/>
+              <a:t>---&gt; &lt;class '</a:t>
+            </a:r>
+            <a:r>
+              <a:rPr lang="en-US" dirty="0" err="1" smtClean="0"/>
+              <a:t>str</a:t>
+            </a:r>
+            <a:r>
+              <a:rPr lang="en-US" dirty="0" smtClean="0"/>
+              <a:t>'&gt; &lt;class '</a:t>
+            </a:r>
+            <a:r>
+              <a:rPr lang="en-US" dirty="0" err="1" smtClean="0"/>
+              <a:t>tuple</a:t>
+            </a:r>
+            <a:r>
+              <a:rPr lang="en-US" dirty="0" smtClean="0"/>
+              <a:t>'&gt; </a:t>
+            </a:r>
+            <a:endParaRPr lang="en-US" dirty="0" smtClean="0"/>
+          </a:p>
+          <a:p>
+            <a:pPr lvl="1"/>
+            <a:r>
+              <a:rPr lang="en-US" dirty="0" smtClean="0"/>
+              <a:t>{</a:t>
+            </a:r>
+            <a:r>
+              <a:rPr lang="en-US" dirty="0" smtClean="0"/>
+              <a:t>'C': 15, 'CPP': 14, 'OS': 17} ---&gt; &lt;class '</a:t>
+            </a:r>
+            <a:r>
+              <a:rPr lang="en-US" dirty="0" err="1" smtClean="0"/>
+              <a:t>dict</a:t>
+            </a:r>
+            <a:r>
+              <a:rPr lang="en-US" dirty="0" smtClean="0"/>
+              <a:t>'&gt; &lt;class '</a:t>
+            </a:r>
+            <a:r>
+              <a:rPr lang="en-US" dirty="0" err="1" smtClean="0"/>
+              <a:t>tuple</a:t>
+            </a:r>
+            <a:r>
+              <a:rPr lang="en-US" dirty="0" smtClean="0"/>
+              <a:t>'&gt;</a:t>
+            </a:r>
+          </a:p>
+          <a:p>
+            <a:pPr lvl="1"/>
+            <a:r>
+              <a:rPr lang="en-US" dirty="0" smtClean="0"/>
+              <a:t> </a:t>
+            </a:r>
+            <a:r>
+              <a:rPr lang="en-US" dirty="0" smtClean="0"/>
+              <a:t>OUCET ---&gt; &lt;class '</a:t>
+            </a:r>
+            <a:r>
+              <a:rPr lang="en-US" dirty="0" err="1" smtClean="0"/>
+              <a:t>str</a:t>
+            </a:r>
+            <a:r>
+              <a:rPr lang="en-US" dirty="0" smtClean="0"/>
+              <a:t>'&gt; &lt;class '</a:t>
+            </a:r>
+            <a:r>
+              <a:rPr lang="en-US" dirty="0" err="1" smtClean="0"/>
+              <a:t>tuple</a:t>
+            </a:r>
+            <a:r>
+              <a:rPr lang="en-US" dirty="0" smtClean="0"/>
+              <a:t>'&gt;</a:t>
+            </a:r>
+            <a:endParaRPr lang="en-US" dirty="0"/>
+          </a:p>
+        </p:txBody>
+      </p:sp>
+    </p:spTree>
+  </p:cSld>
+  <p:clrMapOvr>
+    <a:masterClrMapping/>
+  </p:clrMapOvr>
+</p:sld>
+</file>
+
+<file path=ppt/slides/slide25.xml><?xml version="1.0" encoding="utf-8"?>
+<p:sld xmlns:a="http://schemas.openxmlformats.org/drawingml/2006/main" xmlns:r="http://schemas.openxmlformats.org/officeDocument/2006/relationships" xmlns:p="http://schemas.openxmlformats.org/presentationml/2006/main">
+  <p:cSld>
+    <p:spTree>
+      <p:nvGrpSpPr>
+        <p:cNvPr id="1" name=""/>
+        <p:cNvGrpSpPr/>
+        <p:nvPr/>
+      </p:nvGrpSpPr>
+      <p:grpSpPr>
+        <a:xfrm>
+          <a:off x="0" y="0"/>
+          <a:ext cx="0" cy="0"/>
+          <a:chOff x="0" y="0"/>
+          <a:chExt cx="0" cy="0"/>
+        </a:xfrm>
+      </p:grpSpPr>
+      <p:sp>
+        <p:nvSpPr>
+          <p:cNvPr id="2" name="Title 1"/>
+          <p:cNvSpPr>
+            <a:spLocks noGrp="1"/>
+          </p:cNvSpPr>
+          <p:nvPr>
+            <p:ph type="title"/>
+          </p:nvPr>
+        </p:nvSpPr>
+        <p:spPr/>
+        <p:txBody>
+          <a:bodyPr/>
+          <a:lstStyle/>
+          <a:p>
+            <a:r>
+              <a:rPr lang="en-US" dirty="0" smtClean="0"/>
+              <a:t>Example </a:t>
+            </a:r>
+            <a:endParaRPr lang="en-US" dirty="0"/>
+          </a:p>
+        </p:txBody>
+      </p:sp>
+      <p:sp>
+        <p:nvSpPr>
+          <p:cNvPr id="3" name="Content Placeholder 2"/>
+          <p:cNvSpPr>
+            <a:spLocks noGrp="1"/>
+          </p:cNvSpPr>
+          <p:nvPr>
+            <p:ph idx="1"/>
+          </p:nvPr>
+        </p:nvSpPr>
+        <p:spPr>
+          <a:xfrm>
+            <a:off x="457200" y="1775191"/>
+            <a:ext cx="8229600" cy="5082809"/>
+          </a:xfrm>
+        </p:spPr>
+        <p:txBody>
+          <a:bodyPr>
+            <a:normAutofit lnSpcReduction="10000"/>
+          </a:bodyPr>
+          <a:lstStyle/>
+          <a:p>
+            <a:r>
+              <a:rPr lang="en-US" dirty="0" smtClean="0"/>
+              <a:t>&gt;&gt;&gt; </a:t>
+            </a:r>
+            <a:r>
+              <a:rPr lang="en-US" dirty="0" err="1" smtClean="0"/>
+              <a:t>tpl</a:t>
+            </a:r>
+            <a:r>
+              <a:rPr lang="en-US" dirty="0" smtClean="0"/>
+              <a:t>[2]["DBMS"]=16 </a:t>
+            </a:r>
+            <a:endParaRPr lang="en-US" dirty="0" smtClean="0"/>
+          </a:p>
+          <a:p>
+            <a:r>
+              <a:rPr lang="en-US" dirty="0" smtClean="0"/>
+              <a:t>&gt;&gt;&gt; </a:t>
+            </a:r>
+            <a:r>
+              <a:rPr lang="en-US" dirty="0" smtClean="0"/>
+              <a:t>print(</a:t>
+            </a:r>
+            <a:r>
+              <a:rPr lang="en-US" dirty="0" err="1" smtClean="0"/>
+              <a:t>tpl,type</a:t>
+            </a:r>
+            <a:r>
+              <a:rPr lang="en-US" dirty="0" smtClean="0"/>
+              <a:t>(</a:t>
+            </a:r>
+            <a:r>
+              <a:rPr lang="en-US" dirty="0" err="1" smtClean="0"/>
+              <a:t>tpl</a:t>
+            </a:r>
+            <a:r>
+              <a:rPr lang="en-US" dirty="0" smtClean="0"/>
+              <a:t>))-----(10, 'RS', {'C': 15, 'CPP': 14, 'OS': 17, 'DBMS': 16}, 'OUCET') &lt;class '</a:t>
+            </a:r>
+            <a:r>
+              <a:rPr lang="en-US" dirty="0" err="1" smtClean="0"/>
+              <a:t>tuple</a:t>
+            </a:r>
+            <a:r>
+              <a:rPr lang="en-US" dirty="0" smtClean="0"/>
+              <a:t>'&gt; </a:t>
+            </a:r>
+            <a:endParaRPr lang="en-US" dirty="0" smtClean="0"/>
+          </a:p>
+          <a:p>
+            <a:r>
+              <a:rPr lang="en-US" dirty="0" smtClean="0"/>
+              <a:t>&gt;&gt;&gt; </a:t>
+            </a:r>
+            <a:r>
+              <a:rPr lang="en-US" dirty="0" smtClean="0"/>
+              <a:t>for </a:t>
+            </a:r>
+            <a:r>
+              <a:rPr lang="en-US" dirty="0" err="1" smtClean="0"/>
+              <a:t>k,v</a:t>
+            </a:r>
+            <a:r>
+              <a:rPr lang="en-US" dirty="0" smtClean="0"/>
+              <a:t> in </a:t>
+            </a:r>
+            <a:r>
+              <a:rPr lang="en-US" dirty="0" err="1" smtClean="0"/>
+              <a:t>tpl</a:t>
+            </a:r>
+            <a:r>
+              <a:rPr lang="en-US" dirty="0" smtClean="0"/>
+              <a:t>[2].items(): </a:t>
+            </a:r>
+            <a:r>
+              <a:rPr lang="en-US" dirty="0" smtClean="0"/>
+              <a:t>...</a:t>
+            </a:r>
+          </a:p>
+          <a:p>
+            <a:r>
+              <a:rPr lang="en-US" dirty="0" smtClean="0"/>
+              <a:t> </a:t>
+            </a:r>
+            <a:r>
+              <a:rPr lang="en-US" dirty="0" smtClean="0"/>
+              <a:t>print(k,"--&gt;",v) ... </a:t>
+            </a:r>
+            <a:endParaRPr lang="en-US" dirty="0" smtClean="0"/>
+          </a:p>
+          <a:p>
+            <a:pPr lvl="1"/>
+            <a:r>
+              <a:rPr lang="en-US" dirty="0" smtClean="0"/>
+              <a:t>C </a:t>
+            </a:r>
+            <a:r>
+              <a:rPr lang="en-US" dirty="0" smtClean="0"/>
+              <a:t>--&gt; 15 </a:t>
+            </a:r>
+            <a:endParaRPr lang="en-US" dirty="0" smtClean="0"/>
+          </a:p>
+          <a:p>
+            <a:pPr lvl="1"/>
+            <a:r>
+              <a:rPr lang="en-US" dirty="0" smtClean="0"/>
+              <a:t>CPP </a:t>
+            </a:r>
+            <a:r>
+              <a:rPr lang="en-US" dirty="0" smtClean="0"/>
+              <a:t>--&gt; </a:t>
+            </a:r>
+            <a:r>
+              <a:rPr lang="en-US" dirty="0" smtClean="0"/>
+              <a:t>14</a:t>
+            </a:r>
+          </a:p>
+          <a:p>
+            <a:pPr lvl="1"/>
+            <a:r>
+              <a:rPr lang="en-US" dirty="0" smtClean="0"/>
+              <a:t> </a:t>
+            </a:r>
+            <a:r>
+              <a:rPr lang="en-US" dirty="0" smtClean="0"/>
+              <a:t>OS --&gt; </a:t>
+            </a:r>
+            <a:r>
+              <a:rPr lang="en-US" dirty="0" smtClean="0"/>
+              <a:t>17</a:t>
+            </a:r>
+          </a:p>
+          <a:p>
+            <a:pPr lvl="1"/>
+            <a:r>
+              <a:rPr lang="en-US" dirty="0" smtClean="0"/>
+              <a:t> </a:t>
+            </a:r>
+            <a:r>
+              <a:rPr lang="en-US" dirty="0" smtClean="0"/>
+              <a:t>DBMS --&gt; 16</a:t>
+            </a:r>
+            <a:endParaRPr lang="en-US" dirty="0"/>
+          </a:p>
+        </p:txBody>
+      </p:sp>
+    </p:spTree>
+  </p:cSld>
+  <p:clrMapOvr>
+    <a:masterClrMapping/>
+  </p:clrMapOvr>
+</p:sld>
+</file>
+
+<file path=ppt/slides/slide26.xml><?xml version="1.0" encoding="utf-8"?>
+<p:sld xmlns:a="http://schemas.openxmlformats.org/drawingml/2006/main" xmlns:r="http://schemas.openxmlformats.org/officeDocument/2006/relationships" xmlns:p="http://schemas.openxmlformats.org/presentationml/2006/main">
+  <p:cSld>
+    <p:spTree>
+      <p:nvGrpSpPr>
+        <p:cNvPr id="1" name=""/>
+        <p:cNvGrpSpPr/>
+        <p:nvPr/>
+      </p:nvGrpSpPr>
+      <p:grpSpPr>
+        <a:xfrm>
+          <a:off x="0" y="0"/>
+          <a:ext cx="0" cy="0"/>
+          <a:chOff x="0" y="0"/>
+          <a:chExt cx="0" cy="0"/>
+        </a:xfrm>
+      </p:grpSpPr>
+      <p:sp>
+        <p:nvSpPr>
+          <p:cNvPr id="2" name="Title 1"/>
+          <p:cNvSpPr>
+            <a:spLocks noGrp="1"/>
+          </p:cNvSpPr>
+          <p:nvPr>
+            <p:ph type="title"/>
+          </p:nvPr>
+        </p:nvSpPr>
+        <p:spPr/>
+        <p:txBody>
+          <a:bodyPr/>
+          <a:lstStyle/>
+          <a:p>
+            <a:r>
+              <a:rPr lang="en-US" dirty="0" smtClean="0"/>
+              <a:t>Example </a:t>
+            </a:r>
+            <a:endParaRPr lang="en-US" dirty="0"/>
+          </a:p>
+        </p:txBody>
+      </p:sp>
+      <p:sp>
+        <p:nvSpPr>
+          <p:cNvPr id="3" name="Content Placeholder 2"/>
+          <p:cNvSpPr>
+            <a:spLocks noGrp="1"/>
+          </p:cNvSpPr>
+          <p:nvPr>
+            <p:ph idx="1"/>
+          </p:nvPr>
+        </p:nvSpPr>
+        <p:spPr/>
+        <p:txBody>
+          <a:bodyPr/>
+          <a:lstStyle/>
+          <a:p>
+            <a:r>
+              <a:rPr lang="en-US" dirty="0" smtClean="0"/>
+              <a:t>&gt;&gt;&gt; del </a:t>
+            </a:r>
+            <a:r>
+              <a:rPr lang="en-US" dirty="0" err="1" smtClean="0"/>
+              <a:t>tpl</a:t>
+            </a:r>
+            <a:r>
+              <a:rPr lang="en-US" dirty="0" smtClean="0"/>
+              <a:t>[2]-----------</a:t>
+            </a:r>
+            <a:r>
+              <a:rPr lang="en-US" dirty="0" err="1" smtClean="0"/>
+              <a:t>TypeError</a:t>
+            </a:r>
+            <a:r>
+              <a:rPr lang="en-US" dirty="0" smtClean="0"/>
+              <a:t>: '</a:t>
+            </a:r>
+            <a:r>
+              <a:rPr lang="en-US" dirty="0" err="1" smtClean="0"/>
+              <a:t>tuple</a:t>
+            </a:r>
+            <a:r>
+              <a:rPr lang="en-US" dirty="0" smtClean="0"/>
+              <a:t>' object doesn't support item deletion </a:t>
+            </a:r>
+            <a:endParaRPr lang="en-US" dirty="0" smtClean="0"/>
+          </a:p>
+          <a:p>
+            <a:r>
+              <a:rPr lang="en-US" dirty="0" smtClean="0"/>
+              <a:t>&gt;&gt;&gt; </a:t>
+            </a:r>
+            <a:r>
+              <a:rPr lang="en-US" dirty="0" err="1" smtClean="0"/>
+              <a:t>tpl</a:t>
+            </a:r>
+            <a:r>
+              <a:rPr lang="en-US" dirty="0" smtClean="0"/>
+              <a:t>[2].pop("OS")------17 </a:t>
+            </a:r>
+            <a:endParaRPr lang="en-US" dirty="0" smtClean="0"/>
+          </a:p>
+          <a:p>
+            <a:r>
+              <a:rPr lang="en-US" dirty="0" smtClean="0"/>
+              <a:t>&gt;&gt;&gt; </a:t>
+            </a:r>
+            <a:r>
+              <a:rPr lang="en-US" dirty="0" smtClean="0"/>
+              <a:t>print(</a:t>
+            </a:r>
+            <a:r>
+              <a:rPr lang="en-US" dirty="0" err="1" smtClean="0"/>
+              <a:t>tpl,type</a:t>
+            </a:r>
+            <a:r>
+              <a:rPr lang="en-US" dirty="0" smtClean="0"/>
+              <a:t>(</a:t>
+            </a:r>
+            <a:r>
+              <a:rPr lang="en-US" dirty="0" err="1" smtClean="0"/>
+              <a:t>tpl</a:t>
+            </a:r>
+            <a:r>
+              <a:rPr lang="en-US" dirty="0" smtClean="0"/>
+              <a:t>))----(10, 'RS', {'C': 15, 'CPP': 14, 'DBMS': 16}, 'OUCET') &lt;class '</a:t>
+            </a:r>
+            <a:r>
+              <a:rPr lang="en-US" dirty="0" err="1" smtClean="0"/>
+              <a:t>tuple</a:t>
+            </a:r>
+            <a:r>
+              <a:rPr lang="en-US" dirty="0" smtClean="0"/>
+              <a:t>'&gt;</a:t>
+            </a:r>
+            <a:endParaRPr lang="en-US" dirty="0"/>
+          </a:p>
+        </p:txBody>
+      </p:sp>
+    </p:spTree>
+  </p:cSld>
+  <p:clrMapOvr>
+    <a:masterClrMapping/>
+  </p:clrMapOvr>
+</p:sld>
+</file>
+
+<file path=ppt/slides/slide27.xml><?xml version="1.0" encoding="utf-8"?>
+<p:sld xmlns:a="http://schemas.openxmlformats.org/drawingml/2006/main" xmlns:r="http://schemas.openxmlformats.org/officeDocument/2006/relationships" xmlns:p="http://schemas.openxmlformats.org/presentationml/2006/main">
+  <p:cSld>
+    <p:spTree>
+      <p:nvGrpSpPr>
+        <p:cNvPr id="1" name=""/>
+        <p:cNvGrpSpPr/>
+        <p:nvPr/>
+      </p:nvGrpSpPr>
+      <p:grpSpPr>
+        <a:xfrm>
+          <a:off x="0" y="0"/>
+          <a:ext cx="0" cy="0"/>
+          <a:chOff x="0" y="0"/>
+          <a:chExt cx="0" cy="0"/>
+        </a:xfrm>
+      </p:grpSpPr>
+      <p:sp>
+        <p:nvSpPr>
+          <p:cNvPr id="2" name="Title 1"/>
+          <p:cNvSpPr>
+            <a:spLocks noGrp="1"/>
+          </p:cNvSpPr>
+          <p:nvPr>
+            <p:ph type="title"/>
+          </p:nvPr>
+        </p:nvSpPr>
+        <p:spPr/>
+        <p:txBody>
+          <a:bodyPr/>
+          <a:lstStyle/>
+          <a:p>
+            <a:r>
+              <a:rPr lang="en-US" dirty="0" smtClean="0"/>
+              <a:t>Case7: </a:t>
+            </a:r>
+            <a:r>
+              <a:rPr lang="en-US" dirty="0" err="1" smtClean="0"/>
+              <a:t>dict</a:t>
+            </a:r>
+            <a:r>
+              <a:rPr lang="en-US" dirty="0" smtClean="0"/>
+              <a:t> in list----Possible</a:t>
+            </a:r>
+            <a:endParaRPr lang="en-US" dirty="0"/>
+          </a:p>
+        </p:txBody>
+      </p:sp>
+      <p:sp>
+        <p:nvSpPr>
+          <p:cNvPr id="3" name="Content Placeholder 2"/>
+          <p:cNvSpPr>
+            <a:spLocks noGrp="1"/>
+          </p:cNvSpPr>
+          <p:nvPr>
+            <p:ph idx="1"/>
+          </p:nvPr>
+        </p:nvSpPr>
+        <p:spPr>
+          <a:xfrm>
+            <a:off x="0" y="1524000"/>
+            <a:ext cx="9144000" cy="5334000"/>
+          </a:xfrm>
+        </p:spPr>
+        <p:txBody>
+          <a:bodyPr>
+            <a:normAutofit fontScale="70000" lnSpcReduction="20000"/>
+          </a:bodyPr>
+          <a:lstStyle/>
+          <a:p>
+            <a:r>
+              <a:rPr lang="en-US" dirty="0" smtClean="0"/>
+              <a:t>&gt;&gt;&gt; </a:t>
+            </a:r>
+            <a:r>
+              <a:rPr lang="en-US" dirty="0" err="1" smtClean="0"/>
+              <a:t>lst</a:t>
+            </a:r>
+            <a:r>
+              <a:rPr lang="en-US" dirty="0" smtClean="0"/>
+              <a:t>=[10,"RS",{"C":15,"CPP":14,"OS":17},"OUCET"] </a:t>
+            </a:r>
+            <a:endParaRPr lang="en-US" dirty="0" smtClean="0"/>
+          </a:p>
+          <a:p>
+            <a:r>
+              <a:rPr lang="en-US" dirty="0" smtClean="0"/>
+              <a:t>&gt;&gt;&gt; </a:t>
+            </a:r>
+            <a:r>
+              <a:rPr lang="en-US" dirty="0" smtClean="0"/>
+              <a:t>print(</a:t>
+            </a:r>
+            <a:r>
+              <a:rPr lang="en-US" dirty="0" err="1" smtClean="0"/>
+              <a:t>lst,type</a:t>
+            </a:r>
+            <a:r>
+              <a:rPr lang="en-US" dirty="0" smtClean="0"/>
+              <a:t>(</a:t>
+            </a:r>
+            <a:r>
+              <a:rPr lang="en-US" dirty="0" err="1" smtClean="0"/>
+              <a:t>lst</a:t>
+            </a:r>
+            <a:r>
+              <a:rPr lang="en-US" dirty="0" smtClean="0"/>
+              <a:t>))-------------[10, 'RS', {'C': 15, 'CPP': 14, 'OS': 17}, 'OUCET'] &lt;class 'list'&gt; </a:t>
+            </a:r>
+            <a:endParaRPr lang="en-US" dirty="0" smtClean="0"/>
+          </a:p>
+          <a:p>
+            <a:r>
+              <a:rPr lang="en-US" dirty="0" smtClean="0"/>
+              <a:t>&gt;&gt;&gt; </a:t>
+            </a:r>
+            <a:r>
+              <a:rPr lang="en-US" dirty="0" smtClean="0"/>
+              <a:t>for </a:t>
+            </a:r>
+            <a:r>
+              <a:rPr lang="en-US" dirty="0" err="1" smtClean="0"/>
+              <a:t>val</a:t>
+            </a:r>
+            <a:r>
+              <a:rPr lang="en-US" dirty="0" smtClean="0"/>
+              <a:t> in </a:t>
+            </a:r>
+            <a:r>
+              <a:rPr lang="en-US" dirty="0" err="1" smtClean="0"/>
+              <a:t>lst</a:t>
+            </a:r>
+            <a:r>
+              <a:rPr lang="en-US" dirty="0" smtClean="0"/>
+              <a:t>: ... </a:t>
+            </a:r>
+            <a:endParaRPr lang="en-US" dirty="0" smtClean="0"/>
+          </a:p>
+          <a:p>
+            <a:r>
+              <a:rPr lang="en-US" dirty="0" smtClean="0"/>
+              <a:t>print(</a:t>
+            </a:r>
+            <a:r>
+              <a:rPr lang="en-US" dirty="0" err="1" smtClean="0"/>
+              <a:t>val</a:t>
+            </a:r>
+            <a:r>
+              <a:rPr lang="en-US" dirty="0" smtClean="0"/>
+              <a:t>,"---&gt;",type(</a:t>
+            </a:r>
+            <a:r>
+              <a:rPr lang="en-US" dirty="0" err="1" smtClean="0"/>
+              <a:t>val</a:t>
+            </a:r>
+            <a:r>
+              <a:rPr lang="en-US" dirty="0" smtClean="0"/>
+              <a:t>),type(</a:t>
+            </a:r>
+            <a:r>
+              <a:rPr lang="en-US" dirty="0" err="1" smtClean="0"/>
+              <a:t>lst</a:t>
+            </a:r>
+            <a:r>
+              <a:rPr lang="en-US" dirty="0" smtClean="0"/>
+              <a:t>)) ... </a:t>
+            </a:r>
+            <a:endParaRPr lang="en-US" dirty="0" smtClean="0"/>
+          </a:p>
+          <a:p>
+            <a:pPr lvl="1"/>
+            <a:r>
+              <a:rPr lang="en-US" dirty="0" smtClean="0"/>
+              <a:t>10 </a:t>
+            </a:r>
+            <a:r>
+              <a:rPr lang="en-US" dirty="0" smtClean="0"/>
+              <a:t>---&gt; &lt;class '</a:t>
+            </a:r>
+            <a:r>
+              <a:rPr lang="en-US" dirty="0" err="1" smtClean="0"/>
+              <a:t>int</a:t>
+            </a:r>
+            <a:r>
+              <a:rPr lang="en-US" dirty="0" smtClean="0"/>
+              <a:t>'&gt; &lt;class 'list'&gt; </a:t>
+            </a:r>
+            <a:endParaRPr lang="en-US" dirty="0" smtClean="0"/>
+          </a:p>
+          <a:p>
+            <a:pPr lvl="1"/>
+            <a:r>
+              <a:rPr lang="en-US" dirty="0" smtClean="0"/>
+              <a:t>RS </a:t>
+            </a:r>
+            <a:r>
+              <a:rPr lang="en-US" dirty="0" smtClean="0"/>
+              <a:t>---&gt; &lt;class '</a:t>
+            </a:r>
+            <a:r>
+              <a:rPr lang="en-US" dirty="0" err="1" smtClean="0"/>
+              <a:t>str</a:t>
+            </a:r>
+            <a:r>
+              <a:rPr lang="en-US" dirty="0" smtClean="0"/>
+              <a:t>'&gt; &lt;class 'list'&gt; </a:t>
+            </a:r>
+            <a:endParaRPr lang="en-US" dirty="0" smtClean="0"/>
+          </a:p>
+          <a:p>
+            <a:pPr lvl="1"/>
+            <a:r>
+              <a:rPr lang="en-US" dirty="0" smtClean="0"/>
+              <a:t>{</a:t>
+            </a:r>
+            <a:r>
+              <a:rPr lang="en-US" dirty="0" smtClean="0"/>
+              <a:t>'C': 15, 'CPP': 14, 'OS': 17} ---&gt; &lt;class '</a:t>
+            </a:r>
+            <a:r>
+              <a:rPr lang="en-US" dirty="0" err="1" smtClean="0"/>
+              <a:t>dict</a:t>
+            </a:r>
+            <a:r>
+              <a:rPr lang="en-US" dirty="0" smtClean="0"/>
+              <a:t>'&gt; &lt;class 'list'&gt; </a:t>
+            </a:r>
+            <a:endParaRPr lang="en-US" dirty="0" smtClean="0"/>
+          </a:p>
+          <a:p>
+            <a:pPr lvl="1"/>
+            <a:r>
+              <a:rPr lang="en-US" dirty="0" smtClean="0"/>
+              <a:t>OUCET </a:t>
+            </a:r>
+            <a:r>
+              <a:rPr lang="en-US" dirty="0" smtClean="0"/>
+              <a:t>---&gt; &lt;class '</a:t>
+            </a:r>
+            <a:r>
+              <a:rPr lang="en-US" dirty="0" err="1" smtClean="0"/>
+              <a:t>str</a:t>
+            </a:r>
+            <a:r>
+              <a:rPr lang="en-US" dirty="0" smtClean="0"/>
+              <a:t>'&gt; &lt;class 'list</a:t>
+            </a:r>
+            <a:r>
+              <a:rPr lang="en-US" dirty="0" smtClean="0"/>
+              <a:t>'&gt;</a:t>
+            </a:r>
+          </a:p>
+          <a:p>
+            <a:r>
+              <a:rPr lang="en-US" dirty="0" smtClean="0"/>
+              <a:t> </a:t>
+            </a:r>
+            <a:r>
+              <a:rPr lang="en-US" dirty="0" smtClean="0"/>
+              <a:t>&gt;&gt;&gt; lst.pop(2)---------{'C': 15, 'CPP': 14, 'OS': 17} </a:t>
+            </a:r>
+            <a:endParaRPr lang="en-US" dirty="0" smtClean="0"/>
+          </a:p>
+          <a:p>
+            <a:r>
+              <a:rPr lang="en-US" dirty="0" smtClean="0"/>
+              <a:t>&gt;&gt;&gt; </a:t>
+            </a:r>
+            <a:r>
+              <a:rPr lang="en-US" dirty="0" smtClean="0"/>
+              <a:t>print(</a:t>
+            </a:r>
+            <a:r>
+              <a:rPr lang="en-US" dirty="0" err="1" smtClean="0"/>
+              <a:t>lst,type</a:t>
+            </a:r>
+            <a:r>
+              <a:rPr lang="en-US" dirty="0" smtClean="0"/>
+              <a:t>(</a:t>
+            </a:r>
+            <a:r>
+              <a:rPr lang="en-US" dirty="0" err="1" smtClean="0"/>
+              <a:t>lst</a:t>
+            </a:r>
+            <a:r>
+              <a:rPr lang="en-US" dirty="0" smtClean="0"/>
+              <a:t>))------[10, 'RS', 'OUCET'] &lt;class 'list</a:t>
+            </a:r>
+            <a:r>
+              <a:rPr lang="en-US" dirty="0" smtClean="0"/>
+              <a:t>'&gt;</a:t>
+            </a:r>
+          </a:p>
+          <a:p>
+            <a:r>
+              <a:rPr lang="en-US" dirty="0" smtClean="0"/>
+              <a:t> </a:t>
+            </a:r>
+            <a:r>
+              <a:rPr lang="en-US" dirty="0" smtClean="0"/>
+              <a:t>&gt;&gt;&gt; </a:t>
+            </a:r>
+            <a:r>
+              <a:rPr lang="en-US" dirty="0" err="1" smtClean="0"/>
+              <a:t>lst.insert</a:t>
+            </a:r>
+            <a:r>
+              <a:rPr lang="en-US" dirty="0" smtClean="0"/>
+              <a:t>(-1,{"C":15,"CPP":14}) </a:t>
+            </a:r>
+            <a:endParaRPr lang="en-US" dirty="0" smtClean="0"/>
+          </a:p>
+          <a:p>
+            <a:r>
+              <a:rPr lang="en-US" dirty="0" smtClean="0"/>
+              <a:t>&gt;&gt;&gt; </a:t>
+            </a:r>
+            <a:r>
+              <a:rPr lang="en-US" dirty="0" smtClean="0"/>
+              <a:t>print(</a:t>
+            </a:r>
+            <a:r>
+              <a:rPr lang="en-US" dirty="0" err="1" smtClean="0"/>
+              <a:t>lst,type</a:t>
+            </a:r>
+            <a:r>
+              <a:rPr lang="en-US" dirty="0" smtClean="0"/>
+              <a:t>(</a:t>
+            </a:r>
+            <a:r>
+              <a:rPr lang="en-US" dirty="0" err="1" smtClean="0"/>
+              <a:t>lst</a:t>
+            </a:r>
+            <a:r>
+              <a:rPr lang="en-US" dirty="0" smtClean="0"/>
+              <a:t>))----[10, 'RS', {'C': 15, 'CPP': 14}, 'OUCET'] &lt;class 'list'&gt; </a:t>
+            </a:r>
+            <a:endParaRPr lang="en-US" dirty="0" smtClean="0"/>
+          </a:p>
+          <a:p>
+            <a:r>
+              <a:rPr lang="en-US" dirty="0" smtClean="0"/>
+              <a:t>&gt;&gt;&gt; </a:t>
+            </a:r>
+            <a:r>
+              <a:rPr lang="en-US" dirty="0" err="1" smtClean="0"/>
+              <a:t>lst</a:t>
+            </a:r>
+            <a:r>
+              <a:rPr lang="en-US" dirty="0" smtClean="0"/>
+              <a:t>[2]["OS"]=15 </a:t>
+            </a:r>
+            <a:endParaRPr lang="en-US" dirty="0" smtClean="0"/>
+          </a:p>
+          <a:p>
+            <a:r>
+              <a:rPr lang="en-US" dirty="0" smtClean="0"/>
+              <a:t>&gt;&gt;&gt; </a:t>
+            </a:r>
+            <a:r>
+              <a:rPr lang="en-US" dirty="0" smtClean="0"/>
+              <a:t>print(</a:t>
+            </a:r>
+            <a:r>
+              <a:rPr lang="en-US" dirty="0" err="1" smtClean="0"/>
+              <a:t>lst,type</a:t>
+            </a:r>
+            <a:r>
+              <a:rPr lang="en-US" dirty="0" smtClean="0"/>
+              <a:t>(</a:t>
+            </a:r>
+            <a:r>
+              <a:rPr lang="en-US" dirty="0" err="1" smtClean="0"/>
+              <a:t>lst</a:t>
+            </a:r>
+            <a:r>
+              <a:rPr lang="en-US" dirty="0" smtClean="0"/>
+              <a:t>))-----[10, 'RS', {'C': 15, 'CPP': 14, 'OS': 15}, 'OUCET'] &lt;class 'list'&gt;</a:t>
+            </a:r>
+            <a:endParaRPr lang="en-US" dirty="0"/>
+          </a:p>
+        </p:txBody>
+      </p:sp>
+    </p:spTree>
+  </p:cSld>
+  <p:clrMapOvr>
+    <a:masterClrMapping/>
+  </p:clrMapOvr>
+</p:sld>
+</file>
+
+<file path=ppt/slides/slide28.xml><?xml version="1.0" encoding="utf-8"?>
+<p:sld xmlns:a="http://schemas.openxmlformats.org/drawingml/2006/main" xmlns:r="http://schemas.openxmlformats.org/officeDocument/2006/relationships" xmlns:p="http://schemas.openxmlformats.org/presentationml/2006/main">
+  <p:cSld>
+    <p:spTree>
+      <p:nvGrpSpPr>
+        <p:cNvPr id="1" name=""/>
+        <p:cNvGrpSpPr/>
+        <p:nvPr/>
+      </p:nvGrpSpPr>
+      <p:grpSpPr>
+        <a:xfrm>
+          <a:off x="0" y="0"/>
+          <a:ext cx="0" cy="0"/>
+          <a:chOff x="0" y="0"/>
+          <a:chExt cx="0" cy="0"/>
+        </a:xfrm>
+      </p:grpSpPr>
+      <p:sp>
+        <p:nvSpPr>
+          <p:cNvPr id="2" name="Title 1"/>
+          <p:cNvSpPr>
+            <a:spLocks noGrp="1"/>
+          </p:cNvSpPr>
+          <p:nvPr>
+            <p:ph type="title"/>
+          </p:nvPr>
+        </p:nvSpPr>
+        <p:spPr/>
+        <p:txBody>
+          <a:bodyPr/>
+          <a:lstStyle/>
+          <a:p>
+            <a:r>
+              <a:rPr lang="en-US" dirty="0" err="1" smtClean="0"/>
+              <a:t>Dict</a:t>
+            </a:r>
+            <a:r>
+              <a:rPr lang="en-US" dirty="0" smtClean="0"/>
+              <a:t> </a:t>
+            </a:r>
+            <a:endParaRPr lang="en-US" dirty="0"/>
+          </a:p>
+        </p:txBody>
+      </p:sp>
+      <p:sp>
+        <p:nvSpPr>
+          <p:cNvPr id="3" name="Content Placeholder 2"/>
+          <p:cNvSpPr>
+            <a:spLocks noGrp="1"/>
+          </p:cNvSpPr>
+          <p:nvPr>
+            <p:ph idx="1"/>
+          </p:nvPr>
+        </p:nvSpPr>
+        <p:spPr/>
+        <p:txBody>
+          <a:bodyPr/>
+          <a:lstStyle/>
+          <a:p>
+            <a:r>
+              <a:rPr lang="en-US" dirty="0" smtClean="0"/>
+              <a:t>------------- </a:t>
+            </a:r>
+            <a:endParaRPr lang="en-US" dirty="0" smtClean="0"/>
+          </a:p>
+          <a:p>
+            <a:r>
+              <a:rPr lang="en-US" dirty="0" err="1" smtClean="0"/>
+              <a:t>dict</a:t>
+            </a:r>
+            <a:r>
+              <a:rPr lang="en-US" dirty="0" smtClean="0"/>
+              <a:t> </a:t>
+            </a:r>
+          </a:p>
+          <a:p>
+            <a:r>
+              <a:rPr lang="en-US" dirty="0" smtClean="0"/>
+              <a:t>------------ </a:t>
+            </a:r>
+          </a:p>
+          <a:p>
+            <a:r>
+              <a:rPr lang="en-US" dirty="0" err="1" smtClean="0"/>
+              <a:t>dict</a:t>
+            </a:r>
+            <a:r>
+              <a:rPr lang="en-US" dirty="0" smtClean="0"/>
+              <a:t> </a:t>
+            </a:r>
+            <a:r>
+              <a:rPr lang="en-US" dirty="0" smtClean="0"/>
+              <a:t>in </a:t>
+            </a:r>
+            <a:r>
+              <a:rPr lang="en-US" dirty="0" err="1" smtClean="0"/>
+              <a:t>dict</a:t>
+            </a:r>
+            <a:r>
+              <a:rPr lang="en-US" dirty="0" smtClean="0"/>
+              <a:t>---Possible </a:t>
+            </a:r>
+            <a:endParaRPr lang="en-US" dirty="0" smtClean="0"/>
+          </a:p>
+          <a:p>
+            <a:r>
+              <a:rPr lang="en-US" dirty="0" smtClean="0"/>
+              <a:t>list </a:t>
+            </a:r>
+            <a:r>
+              <a:rPr lang="en-US" dirty="0" smtClean="0"/>
+              <a:t>in </a:t>
+            </a:r>
+            <a:r>
+              <a:rPr lang="en-US" dirty="0" err="1" smtClean="0"/>
+              <a:t>dict</a:t>
+            </a:r>
+            <a:r>
+              <a:rPr lang="en-US" dirty="0" smtClean="0"/>
+              <a:t>---Possible </a:t>
+            </a:r>
+            <a:endParaRPr lang="en-US" dirty="0" smtClean="0"/>
+          </a:p>
+          <a:p>
+            <a:r>
+              <a:rPr lang="en-US" dirty="0" err="1" smtClean="0"/>
+              <a:t>tuple</a:t>
+            </a:r>
+            <a:r>
+              <a:rPr lang="en-US" dirty="0" smtClean="0"/>
+              <a:t> </a:t>
+            </a:r>
+            <a:r>
+              <a:rPr lang="en-US" dirty="0" smtClean="0"/>
+              <a:t>in </a:t>
+            </a:r>
+            <a:r>
+              <a:rPr lang="en-US" dirty="0" err="1" smtClean="0"/>
+              <a:t>dict</a:t>
+            </a:r>
+            <a:r>
+              <a:rPr lang="en-US" dirty="0" smtClean="0"/>
+              <a:t>--Possible </a:t>
+            </a:r>
+            <a:endParaRPr lang="en-US" dirty="0" smtClean="0"/>
+          </a:p>
+          <a:p>
+            <a:r>
+              <a:rPr lang="en-US" dirty="0" smtClean="0"/>
+              <a:t>set </a:t>
+            </a:r>
+            <a:r>
+              <a:rPr lang="en-US" dirty="0" smtClean="0"/>
+              <a:t>in </a:t>
+            </a:r>
+            <a:r>
+              <a:rPr lang="en-US" dirty="0" err="1" smtClean="0"/>
+              <a:t>dict</a:t>
+            </a:r>
+            <a:r>
+              <a:rPr lang="en-US" dirty="0" smtClean="0"/>
+              <a:t>---</a:t>
+            </a:r>
+            <a:r>
+              <a:rPr lang="en-US" dirty="0" smtClean="0"/>
+              <a:t>possible</a:t>
+            </a:r>
+          </a:p>
+          <a:p>
+            <a:r>
+              <a:rPr lang="en-US" dirty="0" smtClean="0"/>
+              <a:t> </a:t>
+            </a:r>
+            <a:r>
+              <a:rPr lang="en-US" dirty="0" smtClean="0"/>
+              <a:t>---------------------</a:t>
+            </a:r>
+            <a:endParaRPr lang="en-US" dirty="0"/>
+          </a:p>
+        </p:txBody>
+      </p:sp>
+    </p:spTree>
+  </p:cSld>
+  <p:clrMapOvr>
+    <a:masterClrMapping/>
+  </p:clrMapOvr>
+</p:sld>
+</file>
+
+<file path=ppt/slides/slide29.xml><?xml version="1.0" encoding="utf-8"?>
+<p:sld xmlns:a="http://schemas.openxmlformats.org/drawingml/2006/main" xmlns:r="http://schemas.openxmlformats.org/officeDocument/2006/relationships" xmlns:p="http://schemas.openxmlformats.org/presentationml/2006/main">
+  <p:cSld>
+    <p:spTree>
+      <p:nvGrpSpPr>
+        <p:cNvPr id="1" name=""/>
+        <p:cNvGrpSpPr/>
+        <p:nvPr/>
+      </p:nvGrpSpPr>
+      <p:grpSpPr>
+        <a:xfrm>
+          <a:off x="0" y="0"/>
+          <a:ext cx="0" cy="0"/>
+          <a:chOff x="0" y="0"/>
+          <a:chExt cx="0" cy="0"/>
+        </a:xfrm>
+      </p:grpSpPr>
+      <p:sp>
+        <p:nvSpPr>
+          <p:cNvPr id="2" name="Title 1"/>
+          <p:cNvSpPr>
+            <a:spLocks noGrp="1"/>
+          </p:cNvSpPr>
+          <p:nvPr>
+            <p:ph type="title"/>
+          </p:nvPr>
+        </p:nvSpPr>
+        <p:spPr/>
+        <p:txBody>
+          <a:bodyPr/>
+          <a:lstStyle/>
+          <a:p>
+            <a:r>
+              <a:rPr lang="en-US" dirty="0" smtClean="0"/>
+              <a:t>List </a:t>
+            </a:r>
+            <a:endParaRPr lang="en-US" dirty="0"/>
+          </a:p>
+        </p:txBody>
+      </p:sp>
+      <p:sp>
+        <p:nvSpPr>
+          <p:cNvPr id="3" name="Content Placeholder 2"/>
+          <p:cNvSpPr>
+            <a:spLocks noGrp="1"/>
+          </p:cNvSpPr>
+          <p:nvPr>
+            <p:ph idx="1"/>
+          </p:nvPr>
+        </p:nvSpPr>
+        <p:spPr/>
+        <p:txBody>
+          <a:bodyPr/>
+          <a:lstStyle/>
+          <a:p>
+            <a:r>
+              <a:rPr lang="en-US" dirty="0" smtClean="0"/>
+              <a:t>--------------------- </a:t>
+            </a:r>
+            <a:endParaRPr lang="en-US" dirty="0" smtClean="0"/>
+          </a:p>
+          <a:p>
+            <a:r>
+              <a:rPr lang="en-US" dirty="0" smtClean="0"/>
+              <a:t>List</a:t>
+            </a:r>
+          </a:p>
+          <a:p>
+            <a:r>
+              <a:rPr lang="en-US" dirty="0" smtClean="0"/>
+              <a:t> </a:t>
+            </a:r>
+            <a:r>
+              <a:rPr lang="en-US" dirty="0" smtClean="0"/>
+              <a:t>--------------------- </a:t>
+            </a:r>
+            <a:endParaRPr lang="en-US" dirty="0" smtClean="0"/>
+          </a:p>
+          <a:p>
+            <a:pPr algn="ctr"/>
+            <a:r>
+              <a:rPr lang="en-US" dirty="0" smtClean="0"/>
+              <a:t>list </a:t>
+            </a:r>
+            <a:r>
+              <a:rPr lang="en-US" dirty="0" smtClean="0"/>
+              <a:t>in list---</a:t>
+            </a:r>
+            <a:r>
+              <a:rPr lang="en-US" dirty="0" smtClean="0"/>
+              <a:t>Possible</a:t>
+            </a:r>
+          </a:p>
+          <a:p>
+            <a:pPr algn="ctr"/>
+            <a:r>
+              <a:rPr lang="en-US" dirty="0" smtClean="0"/>
+              <a:t> </a:t>
+            </a:r>
+            <a:r>
+              <a:rPr lang="en-US" dirty="0" err="1" smtClean="0"/>
+              <a:t>tuple</a:t>
+            </a:r>
+            <a:r>
+              <a:rPr lang="en-US" dirty="0" smtClean="0"/>
+              <a:t> in list---Possible </a:t>
+            </a:r>
+            <a:endParaRPr lang="en-US" dirty="0" smtClean="0"/>
+          </a:p>
+          <a:p>
+            <a:pPr algn="ctr"/>
+            <a:r>
+              <a:rPr lang="en-US" dirty="0" smtClean="0"/>
+              <a:t>set </a:t>
+            </a:r>
+            <a:r>
+              <a:rPr lang="en-US" dirty="0" smtClean="0"/>
+              <a:t>in list-----</a:t>
+            </a:r>
+            <a:r>
+              <a:rPr lang="en-US" dirty="0" smtClean="0"/>
+              <a:t>Possible</a:t>
+            </a:r>
+          </a:p>
+          <a:p>
+            <a:pPr algn="ctr"/>
+            <a:r>
+              <a:rPr lang="en-US" dirty="0" smtClean="0"/>
+              <a:t> </a:t>
+            </a:r>
+            <a:r>
+              <a:rPr lang="en-US" dirty="0" err="1" smtClean="0"/>
+              <a:t>dict</a:t>
+            </a:r>
+            <a:r>
+              <a:rPr lang="en-US" dirty="0" smtClean="0"/>
+              <a:t> in list-----</a:t>
+            </a:r>
+            <a:r>
+              <a:rPr lang="en-US" dirty="0" smtClean="0"/>
+              <a:t>Possible</a:t>
+            </a:r>
+          </a:p>
+          <a:p>
+            <a:pPr algn="ctr"/>
+            <a:r>
+              <a:rPr lang="en-US" dirty="0" smtClean="0"/>
+              <a:t> </a:t>
+            </a:r>
+            <a:r>
+              <a:rPr lang="en-US" dirty="0" smtClean="0"/>
+              <a:t>--------------------------------------</a:t>
+            </a:r>
+            <a:endParaRPr lang="en-US" dirty="0"/>
           </a:p>
         </p:txBody>
       </p:sp>
@@ -8303,11 +9154,7 @@
           <a:p>
             <a:r>
               <a:rPr lang="en-US" dirty="0" smtClean="0"/>
-              <a:t>&gt;&gt;&gt;d1</a:t>
-            </a:r>
-            <a:r>
-              <a:rPr lang="en-US" dirty="0" smtClean="0"/>
-              <a:t>={"</a:t>
+              <a:t>&gt;&gt;&gt;d1={"</a:t>
             </a:r>
             <a:r>
               <a:rPr lang="en-US" dirty="0" err="1" smtClean="0"/>
@@ -8341,88 +9188,699 @@
               <a:rPr lang="en-US" dirty="0" smtClean="0"/>
               <a:t>":"CUCET"} </a:t>
             </a:r>
+          </a:p>
+          <a:p>
+            <a:r>
+              <a:rPr lang="en-US" dirty="0" smtClean="0"/>
+              <a:t>&gt;&gt;&gt; print(d1,type(d1)) {'</a:t>
+            </a:r>
+            <a:r>
+              <a:rPr lang="en-US" dirty="0" err="1" smtClean="0"/>
+              <a:t>sno</a:t>
+            </a:r>
+            <a:r>
+              <a:rPr lang="en-US" dirty="0" smtClean="0"/>
+              <a:t>': 10, '</a:t>
+            </a:r>
+            <a:r>
+              <a:rPr lang="en-US" dirty="0" err="1" smtClean="0"/>
+              <a:t>sname</a:t>
+            </a:r>
+            <a:r>
+              <a:rPr lang="en-US" dirty="0" smtClean="0"/>
+              <a:t>': 'RS', '</a:t>
+            </a:r>
+            <a:r>
+              <a:rPr lang="en-US" dirty="0" err="1" smtClean="0"/>
+              <a:t>IntMarks</a:t>
+            </a:r>
+            <a:r>
+              <a:rPr lang="en-US" dirty="0" smtClean="0"/>
+              <a:t>': {'cm': 17, '</a:t>
+            </a:r>
+            <a:r>
+              <a:rPr lang="en-US" dirty="0" err="1" smtClean="0"/>
+              <a:t>cpp</a:t>
+            </a:r>
+            <a:r>
+              <a:rPr lang="en-US" dirty="0" smtClean="0"/>
+              <a:t>': 16, '</a:t>
+            </a:r>
+            <a:r>
+              <a:rPr lang="en-US" dirty="0" err="1" smtClean="0"/>
+              <a:t>os'</a:t>
+            </a:r>
+            <a:r>
+              <a:rPr lang="en-US" dirty="0" smtClean="0"/>
+              <a:t>: 19}, '</a:t>
+            </a:r>
+            <a:r>
+              <a:rPr lang="en-US" dirty="0" err="1" smtClean="0"/>
+              <a:t>ExtMarks</a:t>
+            </a:r>
+            <a:r>
+              <a:rPr lang="en-US" dirty="0" smtClean="0"/>
+              <a:t>': {'cm': 78, '</a:t>
+            </a:r>
+            <a:r>
+              <a:rPr lang="en-US" dirty="0" err="1" smtClean="0"/>
+              <a:t>cpp</a:t>
+            </a:r>
+            <a:r>
+              <a:rPr lang="en-US" dirty="0" smtClean="0"/>
+              <a:t>': 77, '</a:t>
+            </a:r>
+            <a:r>
+              <a:rPr lang="en-US" dirty="0" err="1" smtClean="0"/>
+              <a:t>os'</a:t>
+            </a:r>
+            <a:r>
+              <a:rPr lang="en-US" dirty="0" smtClean="0"/>
+              <a:t>: 79}, '</a:t>
+            </a:r>
+            <a:r>
+              <a:rPr lang="en-US" dirty="0" err="1" smtClean="0"/>
+              <a:t>cname</a:t>
+            </a:r>
+            <a:r>
+              <a:rPr lang="en-US" dirty="0" smtClean="0"/>
+              <a:t>': 'CUCET'} &lt;class '</a:t>
+            </a:r>
+            <a:r>
+              <a:rPr lang="en-US" dirty="0" err="1" smtClean="0"/>
+              <a:t>dict</a:t>
+            </a:r>
+            <a:r>
+              <a:rPr lang="en-US" dirty="0" smtClean="0"/>
+              <a:t>'&gt;</a:t>
+            </a:r>
+          </a:p>
+          <a:p>
+            <a:r>
+              <a:rPr lang="en-US" dirty="0" smtClean="0"/>
+              <a:t> &gt;&gt;&gt; for its in d1.items(): ...</a:t>
+            </a:r>
+          </a:p>
+          <a:p>
+            <a:r>
+              <a:rPr lang="en-US" dirty="0" smtClean="0"/>
+              <a:t> print(its) ... </a:t>
+            </a:r>
+          </a:p>
+          <a:p>
+            <a:r>
+              <a:rPr lang="en-US" dirty="0" smtClean="0"/>
+              <a:t>('</a:t>
+            </a:r>
+            <a:r>
+              <a:rPr lang="en-US" dirty="0" err="1" smtClean="0"/>
+              <a:t>sno</a:t>
+            </a:r>
+            <a:r>
+              <a:rPr lang="en-US" dirty="0" smtClean="0"/>
+              <a:t>', 10) </a:t>
+            </a:r>
+          </a:p>
+          <a:p>
+            <a:r>
+              <a:rPr lang="en-US" dirty="0" smtClean="0"/>
+              <a:t>('</a:t>
+            </a:r>
+            <a:r>
+              <a:rPr lang="en-US" dirty="0" err="1" smtClean="0"/>
+              <a:t>sname</a:t>
+            </a:r>
+            <a:r>
+              <a:rPr lang="en-US" dirty="0" smtClean="0"/>
+              <a:t>', 'RS') </a:t>
+            </a:r>
+          </a:p>
+          <a:p>
+            <a:r>
+              <a:rPr lang="en-US" dirty="0" smtClean="0"/>
+              <a:t>('</a:t>
+            </a:r>
+            <a:r>
+              <a:rPr lang="en-US" dirty="0" err="1" smtClean="0"/>
+              <a:t>IntMarks</a:t>
+            </a:r>
+            <a:r>
+              <a:rPr lang="en-US" dirty="0" smtClean="0"/>
+              <a:t>', {'cm': 17, '</a:t>
+            </a:r>
+            <a:r>
+              <a:rPr lang="en-US" dirty="0" err="1" smtClean="0"/>
+              <a:t>cpp</a:t>
+            </a:r>
+            <a:r>
+              <a:rPr lang="en-US" dirty="0" smtClean="0"/>
+              <a:t>': 16, '</a:t>
+            </a:r>
+            <a:r>
+              <a:rPr lang="en-US" dirty="0" err="1" smtClean="0"/>
+              <a:t>os'</a:t>
+            </a:r>
+            <a:r>
+              <a:rPr lang="en-US" dirty="0" smtClean="0"/>
+              <a:t>: 19}) </a:t>
+            </a:r>
+          </a:p>
+          <a:p>
+            <a:r>
+              <a:rPr lang="en-US" dirty="0" smtClean="0"/>
+              <a:t>('</a:t>
+            </a:r>
+            <a:r>
+              <a:rPr lang="en-US" dirty="0" err="1" smtClean="0"/>
+              <a:t>ExtMarks</a:t>
+            </a:r>
+            <a:r>
+              <a:rPr lang="en-US" dirty="0" smtClean="0"/>
+              <a:t>', {'cm': 78, '</a:t>
+            </a:r>
+            <a:r>
+              <a:rPr lang="en-US" dirty="0" err="1" smtClean="0"/>
+              <a:t>cpp</a:t>
+            </a:r>
+            <a:r>
+              <a:rPr lang="en-US" dirty="0" smtClean="0"/>
+              <a:t>': 77, '</a:t>
+            </a:r>
+            <a:r>
+              <a:rPr lang="en-US" dirty="0" err="1" smtClean="0"/>
+              <a:t>os'</a:t>
+            </a:r>
+            <a:r>
+              <a:rPr lang="en-US" dirty="0" smtClean="0"/>
+              <a:t>: 79}) </a:t>
+            </a:r>
+          </a:p>
+          <a:p>
+            <a:r>
+              <a:rPr lang="en-US" dirty="0" smtClean="0"/>
+              <a:t>('</a:t>
+            </a:r>
+            <a:r>
+              <a:rPr lang="en-US" dirty="0" err="1" smtClean="0"/>
+              <a:t>cname</a:t>
+            </a:r>
+            <a:r>
+              <a:rPr lang="en-US" dirty="0" smtClean="0"/>
+              <a:t>', 'CUCET')</a:t>
+            </a:r>
+            <a:endParaRPr lang="en-US" dirty="0"/>
+          </a:p>
+        </p:txBody>
+      </p:sp>
+    </p:spTree>
+  </p:cSld>
+  <p:clrMapOvr>
+    <a:masterClrMapping/>
+  </p:clrMapOvr>
+</p:sld>
+</file>
+
+<file path=ppt/slides/slide30.xml><?xml version="1.0" encoding="utf-8"?>
+<p:sld xmlns:a="http://schemas.openxmlformats.org/drawingml/2006/main" xmlns:r="http://schemas.openxmlformats.org/officeDocument/2006/relationships" xmlns:p="http://schemas.openxmlformats.org/presentationml/2006/main">
+  <p:cSld>
+    <p:spTree>
+      <p:nvGrpSpPr>
+        <p:cNvPr id="1" name=""/>
+        <p:cNvGrpSpPr/>
+        <p:nvPr/>
+      </p:nvGrpSpPr>
+      <p:grpSpPr>
+        <a:xfrm>
+          <a:off x="0" y="0"/>
+          <a:ext cx="0" cy="0"/>
+          <a:chOff x="0" y="0"/>
+          <a:chExt cx="0" cy="0"/>
+        </a:xfrm>
+      </p:grpSpPr>
+      <p:sp>
+        <p:nvSpPr>
+          <p:cNvPr id="2" name="Title 1"/>
+          <p:cNvSpPr>
+            <a:spLocks noGrp="1"/>
+          </p:cNvSpPr>
+          <p:nvPr>
+            <p:ph type="title"/>
+          </p:nvPr>
+        </p:nvSpPr>
+        <p:spPr/>
+        <p:txBody>
+          <a:bodyPr/>
+          <a:lstStyle/>
+          <a:p>
+            <a:r>
+              <a:rPr lang="en-US" dirty="0" err="1" smtClean="0"/>
+              <a:t>Tuple</a:t>
+            </a:r>
+            <a:r>
+              <a:rPr lang="en-US" dirty="0" smtClean="0"/>
+              <a:t> </a:t>
+            </a:r>
+            <a:endParaRPr lang="en-US" dirty="0"/>
+          </a:p>
+        </p:txBody>
+      </p:sp>
+      <p:sp>
+        <p:nvSpPr>
+          <p:cNvPr id="3" name="Content Placeholder 2"/>
+          <p:cNvSpPr>
+            <a:spLocks noGrp="1"/>
+          </p:cNvSpPr>
+          <p:nvPr>
+            <p:ph idx="1"/>
+          </p:nvPr>
+        </p:nvSpPr>
+        <p:spPr/>
+        <p:txBody>
+          <a:bodyPr/>
+          <a:lstStyle/>
+          <a:p>
+            <a:r>
+              <a:rPr lang="en-US" dirty="0" err="1" smtClean="0"/>
+              <a:t>tuple</a:t>
+            </a:r>
+            <a:r>
+              <a:rPr lang="en-US" dirty="0" smtClean="0"/>
+              <a:t> </a:t>
+            </a:r>
             <a:endParaRPr lang="en-US" dirty="0" smtClean="0"/>
           </a:p>
           <a:p>
             <a:r>
               <a:rPr lang="en-US" dirty="0" smtClean="0"/>
+              <a:t>-------------------------------------- </a:t>
+            </a:r>
+          </a:p>
+          <a:p>
+            <a:r>
+              <a:rPr lang="en-US" dirty="0" err="1" smtClean="0"/>
+              <a:t>tuple</a:t>
+            </a:r>
+            <a:r>
+              <a:rPr lang="en-US" dirty="0" smtClean="0"/>
+              <a:t> </a:t>
+            </a:r>
+            <a:r>
+              <a:rPr lang="en-US" dirty="0" smtClean="0"/>
+              <a:t>in </a:t>
+            </a:r>
+            <a:r>
+              <a:rPr lang="en-US" dirty="0" err="1" smtClean="0"/>
+              <a:t>tuple</a:t>
+            </a:r>
+            <a:r>
+              <a:rPr lang="en-US" dirty="0" smtClean="0"/>
+              <a:t>---</a:t>
+            </a:r>
+            <a:r>
+              <a:rPr lang="en-US" dirty="0" smtClean="0"/>
+              <a:t>Possible</a:t>
+            </a:r>
+          </a:p>
+          <a:p>
+            <a:r>
+              <a:rPr lang="en-US" dirty="0" smtClean="0"/>
+              <a:t> </a:t>
+            </a:r>
+            <a:r>
+              <a:rPr lang="en-US" dirty="0" smtClean="0"/>
+              <a:t>list in </a:t>
+            </a:r>
+            <a:r>
+              <a:rPr lang="en-US" dirty="0" err="1" smtClean="0"/>
+              <a:t>tuple</a:t>
+            </a:r>
+            <a:r>
+              <a:rPr lang="en-US" dirty="0" smtClean="0"/>
+              <a:t>---Possible </a:t>
+            </a:r>
+            <a:endParaRPr lang="en-US" dirty="0" smtClean="0"/>
+          </a:p>
+          <a:p>
+            <a:r>
+              <a:rPr lang="en-US" dirty="0" smtClean="0"/>
+              <a:t>set </a:t>
+            </a:r>
+            <a:r>
+              <a:rPr lang="en-US" dirty="0" smtClean="0"/>
+              <a:t>in </a:t>
+            </a:r>
+            <a:r>
+              <a:rPr lang="en-US" dirty="0" err="1" smtClean="0"/>
+              <a:t>tuple</a:t>
+            </a:r>
+            <a:r>
+              <a:rPr lang="en-US" dirty="0" smtClean="0"/>
+              <a:t>—Possible</a:t>
+            </a:r>
+          </a:p>
+          <a:p>
+            <a:r>
+              <a:rPr lang="en-US" dirty="0" smtClean="0"/>
+              <a:t> </a:t>
+            </a:r>
+            <a:r>
+              <a:rPr lang="en-US" dirty="0" err="1" smtClean="0"/>
+              <a:t>dict</a:t>
+            </a:r>
+            <a:r>
+              <a:rPr lang="en-US" dirty="0" smtClean="0"/>
+              <a:t> in </a:t>
+            </a:r>
+            <a:r>
+              <a:rPr lang="en-US" dirty="0" err="1" smtClean="0"/>
+              <a:t>tuple</a:t>
+            </a:r>
+            <a:r>
+              <a:rPr lang="en-US" dirty="0" smtClean="0"/>
+              <a:t>---Possible</a:t>
+            </a:r>
+            <a:endParaRPr lang="en-US" dirty="0"/>
+          </a:p>
+        </p:txBody>
+      </p:sp>
+    </p:spTree>
+  </p:cSld>
+  <p:clrMapOvr>
+    <a:masterClrMapping/>
+  </p:clrMapOvr>
+</p:sld>
+</file>
+
+<file path=ppt/slides/slide31.xml><?xml version="1.0" encoding="utf-8"?>
+<p:sld xmlns:a="http://schemas.openxmlformats.org/drawingml/2006/main" xmlns:r="http://schemas.openxmlformats.org/officeDocument/2006/relationships" xmlns:p="http://schemas.openxmlformats.org/presentationml/2006/main">
+  <p:cSld>
+    <p:spTree>
+      <p:nvGrpSpPr>
+        <p:cNvPr id="1" name=""/>
+        <p:cNvGrpSpPr/>
+        <p:nvPr/>
+      </p:nvGrpSpPr>
+      <p:grpSpPr>
+        <a:xfrm>
+          <a:off x="0" y="0"/>
+          <a:ext cx="0" cy="0"/>
+          <a:chOff x="0" y="0"/>
+          <a:chExt cx="0" cy="0"/>
+        </a:xfrm>
+      </p:grpSpPr>
+      <p:sp>
+        <p:nvSpPr>
+          <p:cNvPr id="2" name="Title 1"/>
+          <p:cNvSpPr>
+            <a:spLocks noGrp="1"/>
+          </p:cNvSpPr>
+          <p:nvPr>
+            <p:ph type="title"/>
+          </p:nvPr>
+        </p:nvSpPr>
+        <p:spPr/>
+        <p:txBody>
+          <a:bodyPr/>
+          <a:lstStyle/>
+          <a:p>
+            <a:r>
+              <a:rPr lang="en-US" dirty="0" smtClean="0"/>
+              <a:t>Set </a:t>
+            </a:r>
+            <a:endParaRPr lang="en-US" dirty="0"/>
+          </a:p>
+        </p:txBody>
+      </p:sp>
+      <p:sp>
+        <p:nvSpPr>
+          <p:cNvPr id="3" name="Content Placeholder 2"/>
+          <p:cNvSpPr>
+            <a:spLocks noGrp="1"/>
+          </p:cNvSpPr>
+          <p:nvPr>
+            <p:ph idx="1"/>
+          </p:nvPr>
+        </p:nvSpPr>
+        <p:spPr>
+          <a:xfrm>
+            <a:off x="0" y="1524000"/>
+            <a:ext cx="8915400" cy="4876801"/>
+          </a:xfrm>
+        </p:spPr>
+        <p:txBody>
+          <a:bodyPr>
+            <a:normAutofit/>
+          </a:bodyPr>
+          <a:lstStyle/>
+          <a:p>
+            <a:r>
+              <a:rPr lang="en-US" dirty="0" smtClean="0"/>
+              <a:t>Set </a:t>
+            </a:r>
+            <a:endParaRPr lang="en-US" dirty="0" smtClean="0"/>
+          </a:p>
+          <a:p>
+            <a:r>
+              <a:rPr lang="en-US" dirty="0" smtClean="0"/>
+              <a:t>set </a:t>
+            </a:r>
+            <a:r>
+              <a:rPr lang="en-US" dirty="0" smtClean="0"/>
+              <a:t>in set----Not Possible---</a:t>
+            </a:r>
+            <a:r>
+              <a:rPr lang="en-US" dirty="0" err="1" smtClean="0"/>
+              <a:t>TypeError-Unhashable</a:t>
+            </a:r>
+            <a:r>
+              <a:rPr lang="en-US" dirty="0" smtClean="0"/>
+              <a:t> </a:t>
+            </a:r>
+            <a:r>
+              <a:rPr lang="en-US" dirty="0" smtClean="0"/>
+              <a:t>Type </a:t>
+            </a:r>
+            <a:endParaRPr lang="en-US" dirty="0" smtClean="0"/>
+          </a:p>
+          <a:p>
+            <a:r>
+              <a:rPr lang="en-US" dirty="0" smtClean="0"/>
+              <a:t>list </a:t>
+            </a:r>
+            <a:r>
+              <a:rPr lang="en-US" dirty="0" smtClean="0"/>
+              <a:t>in set----Not Possible---</a:t>
+            </a:r>
+            <a:r>
+              <a:rPr lang="en-US" dirty="0" err="1" smtClean="0"/>
+              <a:t>TypeError-Unhashable</a:t>
+            </a:r>
+            <a:r>
+              <a:rPr lang="en-US" dirty="0" smtClean="0"/>
+              <a:t> </a:t>
+            </a:r>
+            <a:r>
+              <a:rPr lang="en-US" dirty="0" smtClean="0"/>
+              <a:t>Type </a:t>
+            </a:r>
+            <a:endParaRPr lang="en-US" dirty="0" smtClean="0"/>
+          </a:p>
+          <a:p>
+            <a:r>
+              <a:rPr lang="en-US" dirty="0" err="1" smtClean="0"/>
+              <a:t>tuple</a:t>
+            </a:r>
+            <a:r>
+              <a:rPr lang="en-US" dirty="0" smtClean="0"/>
+              <a:t> </a:t>
+            </a:r>
+            <a:r>
+              <a:rPr lang="en-US" dirty="0" smtClean="0"/>
+              <a:t>in set----Possible </a:t>
+            </a:r>
+            <a:endParaRPr lang="en-US" dirty="0" smtClean="0"/>
+          </a:p>
+          <a:p>
+            <a:r>
+              <a:rPr lang="en-US" dirty="0" err="1" smtClean="0"/>
+              <a:t>dict</a:t>
+            </a:r>
+            <a:r>
+              <a:rPr lang="en-US" dirty="0" smtClean="0"/>
+              <a:t> </a:t>
+            </a:r>
+            <a:r>
+              <a:rPr lang="en-US" dirty="0" smtClean="0"/>
+              <a:t>in set-----Not Possible-</a:t>
+            </a:r>
+            <a:r>
+              <a:rPr lang="en-US" dirty="0" smtClean="0"/>
+              <a:t>-</a:t>
+            </a:r>
+            <a:r>
+              <a:rPr lang="en-US" dirty="0" err="1" smtClean="0"/>
+              <a:t>TypeErrorUnhashable</a:t>
+            </a:r>
+            <a:r>
+              <a:rPr lang="en-US" dirty="0" smtClean="0"/>
+              <a:t> </a:t>
+            </a:r>
+            <a:r>
+              <a:rPr lang="en-US" dirty="0" smtClean="0"/>
+              <a:t>Type </a:t>
+            </a:r>
+            <a:endParaRPr lang="en-US" dirty="0"/>
+          </a:p>
+        </p:txBody>
+      </p:sp>
+    </p:spTree>
+  </p:cSld>
+  <p:clrMapOvr>
+    <a:masterClrMapping/>
+  </p:clrMapOvr>
+</p:sld>
+</file>
+
+<file path=ppt/slides/slide32.xml><?xml version="1.0" encoding="utf-8"?>
+<p:sld xmlns:a="http://schemas.openxmlformats.org/drawingml/2006/main" xmlns:r="http://schemas.openxmlformats.org/officeDocument/2006/relationships" xmlns:p="http://schemas.openxmlformats.org/presentationml/2006/main">
+  <p:cSld>
+    <p:spTree>
+      <p:nvGrpSpPr>
+        <p:cNvPr id="1" name=""/>
+        <p:cNvGrpSpPr/>
+        <p:nvPr/>
+      </p:nvGrpSpPr>
+      <p:grpSpPr>
+        <a:xfrm>
+          <a:off x="0" y="0"/>
+          <a:ext cx="0" cy="0"/>
+          <a:chOff x="0" y="0"/>
+          <a:chExt cx="0" cy="0"/>
+        </a:xfrm>
+      </p:grpSpPr>
+      <p:sp>
+        <p:nvSpPr>
+          <p:cNvPr id="2" name="Title 1"/>
+          <p:cNvSpPr>
+            <a:spLocks noGrp="1"/>
+          </p:cNvSpPr>
+          <p:nvPr>
+            <p:ph type="title"/>
+          </p:nvPr>
+        </p:nvSpPr>
+        <p:spPr>
+          <a:xfrm>
+            <a:off x="457200" y="155448"/>
+            <a:ext cx="8229600" cy="1520952"/>
+          </a:xfrm>
+        </p:spPr>
+        <p:txBody>
+          <a:bodyPr>
+            <a:normAutofit fontScale="90000"/>
+          </a:bodyPr>
+          <a:lstStyle/>
+          <a:p>
+            <a:r>
+              <a:rPr lang="en-US" dirty="0" err="1" smtClean="0"/>
+              <a:t>MiSc</a:t>
+            </a:r>
+            <a:r>
+              <a:rPr lang="en-US" dirty="0" smtClean="0"/>
+              <a:t> Information for Creating </a:t>
+            </a:r>
+            <a:r>
+              <a:rPr lang="en-US" dirty="0" err="1" smtClean="0"/>
+              <a:t>Dict</a:t>
+            </a:r>
+            <a:r>
+              <a:rPr lang="en-US" dirty="0" smtClean="0"/>
+              <a:t> Objects</a:t>
+            </a:r>
+            <a:br>
+              <a:rPr lang="en-US" dirty="0" smtClean="0"/>
+            </a:br>
+            <a:endParaRPr lang="en-US" dirty="0"/>
+          </a:p>
+        </p:txBody>
+      </p:sp>
+      <p:sp>
+        <p:nvSpPr>
+          <p:cNvPr id="3" name="Content Placeholder 2"/>
+          <p:cNvSpPr>
+            <a:spLocks noGrp="1"/>
+          </p:cNvSpPr>
+          <p:nvPr>
+            <p:ph idx="1"/>
+          </p:nvPr>
+        </p:nvSpPr>
+        <p:spPr>
+          <a:xfrm>
+            <a:off x="457200" y="1447801"/>
+            <a:ext cx="8229600" cy="5410200"/>
+          </a:xfrm>
+        </p:spPr>
+        <p:txBody>
+          <a:bodyPr>
+            <a:normAutofit fontScale="70000" lnSpcReduction="20000"/>
+          </a:bodyPr>
+          <a:lstStyle/>
+          <a:p>
+            <a:r>
+              <a:rPr lang="en-US" dirty="0" smtClean="0"/>
               <a:t>&gt;&gt;&gt; </a:t>
             </a:r>
             <a:r>
-              <a:rPr lang="en-US" dirty="0" smtClean="0"/>
-              <a:t>print(d1,type(d1)) {'</a:t>
-            </a:r>
-            <a:r>
-              <a:rPr lang="en-US" dirty="0" err="1" smtClean="0"/>
-              <a:t>sno</a:t>
-            </a:r>
-            <a:r>
-              <a:rPr lang="en-US" dirty="0" smtClean="0"/>
-              <a:t>': 10, '</a:t>
-            </a:r>
-            <a:r>
-              <a:rPr lang="en-US" dirty="0" err="1" smtClean="0"/>
-              <a:t>sname</a:t>
-            </a:r>
-            <a:r>
-              <a:rPr lang="en-US" dirty="0" smtClean="0"/>
-              <a:t>': 'RS', '</a:t>
-            </a:r>
-            <a:r>
-              <a:rPr lang="en-US" dirty="0" err="1" smtClean="0"/>
-              <a:t>IntMarks</a:t>
-            </a:r>
-            <a:r>
-              <a:rPr lang="en-US" dirty="0" smtClean="0"/>
-              <a:t>': {'cm': 17, '</a:t>
-            </a:r>
-            <a:r>
-              <a:rPr lang="en-US" dirty="0" err="1" smtClean="0"/>
-              <a:t>cpp</a:t>
-            </a:r>
-            <a:r>
-              <a:rPr lang="en-US" dirty="0" smtClean="0"/>
-              <a:t>': 16, '</a:t>
-            </a:r>
-            <a:r>
-              <a:rPr lang="en-US" dirty="0" err="1" smtClean="0"/>
-              <a:t>os'</a:t>
-            </a:r>
-            <a:r>
-              <a:rPr lang="en-US" dirty="0" smtClean="0"/>
-              <a:t>: 19}, '</a:t>
-            </a:r>
-            <a:r>
-              <a:rPr lang="en-US" dirty="0" err="1" smtClean="0"/>
-              <a:t>ExtMarks</a:t>
-            </a:r>
-            <a:r>
-              <a:rPr lang="en-US" dirty="0" smtClean="0"/>
-              <a:t>': {'cm': 78, '</a:t>
-            </a:r>
-            <a:r>
-              <a:rPr lang="en-US" dirty="0" err="1" smtClean="0"/>
-              <a:t>cpp</a:t>
-            </a:r>
-            <a:r>
-              <a:rPr lang="en-US" dirty="0" smtClean="0"/>
-              <a:t>': 77, '</a:t>
-            </a:r>
-            <a:r>
-              <a:rPr lang="en-US" dirty="0" err="1" smtClean="0"/>
-              <a:t>os'</a:t>
-            </a:r>
-            <a:r>
-              <a:rPr lang="en-US" dirty="0" smtClean="0"/>
-              <a:t>: 79}, '</a:t>
-            </a:r>
-            <a:r>
-              <a:rPr lang="en-US" dirty="0" err="1" smtClean="0"/>
-              <a:t>cname</a:t>
-            </a:r>
-            <a:r>
-              <a:rPr lang="en-US" dirty="0" smtClean="0"/>
-              <a:t>': 'CUCET'} &lt;class '</a:t>
+              <a:rPr lang="en-US" dirty="0" err="1" smtClean="0"/>
+              <a:t>lst</a:t>
+            </a:r>
+            <a:r>
+              <a:rPr lang="en-US" dirty="0" smtClean="0"/>
+              <a:t>=[(10,"RS"),(20,"TR"),(30,"DR")] </a:t>
+            </a:r>
+            <a:endParaRPr lang="en-US" dirty="0" smtClean="0"/>
+          </a:p>
+          <a:p>
+            <a:r>
+              <a:rPr lang="en-US" dirty="0" smtClean="0"/>
+              <a:t>&gt;&gt;&gt; </a:t>
+            </a:r>
+            <a:r>
+              <a:rPr lang="en-US" dirty="0" smtClean="0"/>
+              <a:t>print(</a:t>
+            </a:r>
+            <a:r>
+              <a:rPr lang="en-US" dirty="0" err="1" smtClean="0"/>
+              <a:t>lst,type</a:t>
+            </a:r>
+            <a:r>
+              <a:rPr lang="en-US" dirty="0" smtClean="0"/>
+              <a:t>(</a:t>
+            </a:r>
+            <a:r>
+              <a:rPr lang="en-US" dirty="0" err="1" smtClean="0"/>
+              <a:t>lst</a:t>
+            </a:r>
+            <a:r>
+              <a:rPr lang="en-US" dirty="0" smtClean="0"/>
+              <a:t>))--------[(</a:t>
+            </a:r>
+            <a:r>
+              <a:rPr lang="en-US" dirty="0" smtClean="0"/>
+              <a:t>10, 'RS'), (20, 'TR'), (30, 'DR')] &lt;class 'list</a:t>
+            </a:r>
+            <a:r>
+              <a:rPr lang="en-US" dirty="0" smtClean="0"/>
+              <a:t>'&gt;</a:t>
+            </a:r>
+          </a:p>
+          <a:p>
+            <a:r>
+              <a:rPr lang="en-US" dirty="0" smtClean="0"/>
+              <a:t> </a:t>
+            </a:r>
+            <a:r>
+              <a:rPr lang="en-US" dirty="0" smtClean="0"/>
+              <a:t>&gt;&gt;&gt; d1=</a:t>
             </a:r>
             <a:r>
               <a:rPr lang="en-US" dirty="0" err="1" smtClean="0"/>
@@ -8430,8 +9888,883 @@
             </a:r>
             <a:r>
               <a:rPr lang="en-US" dirty="0" smtClean="0"/>
+              <a:t>(</a:t>
+            </a:r>
+            <a:r>
+              <a:rPr lang="en-US" dirty="0" err="1" smtClean="0"/>
+              <a:t>lst</a:t>
+            </a:r>
+            <a:r>
+              <a:rPr lang="en-US" dirty="0" smtClean="0"/>
+              <a:t>)</a:t>
+            </a:r>
+          </a:p>
+          <a:p>
+            <a:r>
+              <a:rPr lang="en-US" dirty="0" smtClean="0"/>
+              <a:t> </a:t>
+            </a:r>
+            <a:r>
+              <a:rPr lang="en-US" dirty="0" smtClean="0"/>
+              <a:t>&gt;&gt;&gt; print(d1,type(d1</a:t>
+            </a:r>
+            <a:r>
+              <a:rPr lang="en-US" dirty="0" smtClean="0"/>
+              <a:t>))------------{</a:t>
+            </a:r>
+            <a:r>
+              <a:rPr lang="en-US" dirty="0" smtClean="0"/>
+              <a:t>10: 'RS', 20: 'TR', 30: 'DR'} &lt;class '</a:t>
+            </a:r>
+            <a:r>
+              <a:rPr lang="en-US" dirty="0" err="1" smtClean="0"/>
+              <a:t>dict</a:t>
+            </a:r>
+            <a:r>
+              <a:rPr lang="en-US" dirty="0" smtClean="0"/>
+              <a:t>'&gt; </a:t>
+            </a:r>
+            <a:endParaRPr lang="en-US" dirty="0" smtClean="0"/>
+          </a:p>
+          <a:p>
+            <a:r>
+              <a:rPr lang="en-US" dirty="0" smtClean="0"/>
+              <a:t>&gt;&gt;&gt; </a:t>
+            </a:r>
+            <a:r>
+              <a:rPr lang="en-US" dirty="0" smtClean="0"/>
+              <a:t>for </a:t>
+            </a:r>
+            <a:r>
+              <a:rPr lang="en-US" dirty="0" err="1" smtClean="0"/>
+              <a:t>k,v</a:t>
+            </a:r>
+            <a:r>
+              <a:rPr lang="en-US" dirty="0" smtClean="0"/>
+              <a:t> in d1.items(): </a:t>
+            </a:r>
+            <a:r>
+              <a:rPr lang="en-US" dirty="0" smtClean="0"/>
+              <a:t>...</a:t>
+            </a:r>
+          </a:p>
+          <a:p>
+            <a:r>
+              <a:rPr lang="en-US" dirty="0" smtClean="0"/>
+              <a:t> </a:t>
+            </a:r>
+            <a:r>
+              <a:rPr lang="en-US" dirty="0" smtClean="0"/>
+              <a:t>print(k,"---&gt;",v</a:t>
+            </a:r>
+            <a:r>
+              <a:rPr lang="en-US" dirty="0" smtClean="0"/>
+              <a:t>)</a:t>
+            </a:r>
+          </a:p>
+          <a:p>
+            <a:r>
+              <a:rPr lang="en-US" dirty="0" smtClean="0"/>
+              <a:t> </a:t>
+            </a:r>
+            <a:r>
+              <a:rPr lang="en-US" dirty="0" smtClean="0"/>
+              <a:t>10 ---&gt; </a:t>
+            </a:r>
+            <a:r>
+              <a:rPr lang="en-US" dirty="0" smtClean="0"/>
+              <a:t>RS</a:t>
+            </a:r>
+          </a:p>
+          <a:p>
+            <a:r>
+              <a:rPr lang="en-US" dirty="0" smtClean="0"/>
+              <a:t> </a:t>
+            </a:r>
+            <a:r>
+              <a:rPr lang="en-US" dirty="0" smtClean="0"/>
+              <a:t>20 ---&gt; </a:t>
+            </a:r>
+            <a:r>
+              <a:rPr lang="en-US" dirty="0" smtClean="0"/>
+              <a:t>TR</a:t>
+            </a:r>
+          </a:p>
+          <a:p>
+            <a:r>
+              <a:rPr lang="en-US" dirty="0" smtClean="0"/>
+              <a:t> </a:t>
+            </a:r>
+            <a:r>
+              <a:rPr lang="en-US" dirty="0" smtClean="0"/>
+              <a:t>30 ---&gt; </a:t>
+            </a:r>
+            <a:r>
+              <a:rPr lang="en-US" dirty="0" smtClean="0"/>
+              <a:t>DR</a:t>
+            </a:r>
+          </a:p>
+          <a:p>
+            <a:r>
+              <a:rPr lang="en-US" dirty="0" smtClean="0"/>
+              <a:t>&gt;&gt;&gt; </a:t>
+            </a:r>
+            <a:r>
+              <a:rPr lang="en-US" dirty="0" err="1" smtClean="0"/>
+              <a:t>lst</a:t>
+            </a:r>
+            <a:r>
+              <a:rPr lang="en-US" dirty="0" smtClean="0"/>
+              <a:t>=[[10,"RS"],[20,"TR"],[30,"DR"]] </a:t>
+            </a:r>
+            <a:endParaRPr lang="en-US" dirty="0" smtClean="0"/>
+          </a:p>
+          <a:p>
+            <a:r>
+              <a:rPr lang="en-US" dirty="0" smtClean="0"/>
+              <a:t>&gt;&gt;&gt; </a:t>
+            </a:r>
+            <a:r>
+              <a:rPr lang="en-US" dirty="0" smtClean="0"/>
+              <a:t>lst1=[10,20,30,40] </a:t>
+            </a:r>
+            <a:endParaRPr lang="en-US" dirty="0" smtClean="0"/>
+          </a:p>
+          <a:p>
+            <a:r>
+              <a:rPr lang="en-US" dirty="0" smtClean="0"/>
+              <a:t>&gt;&gt;&gt; </a:t>
+            </a:r>
+            <a:r>
+              <a:rPr lang="en-US" dirty="0" smtClean="0"/>
+              <a:t>lst2=["RS","TR","DR","JH</a:t>
+            </a:r>
+            <a:r>
+              <a:rPr lang="en-US" dirty="0" smtClean="0"/>
+              <a:t>"]</a:t>
+            </a:r>
+          </a:p>
+          <a:p>
+            <a:r>
+              <a:rPr lang="en-US" dirty="0" smtClean="0"/>
+              <a:t> </a:t>
+            </a:r>
+            <a:r>
+              <a:rPr lang="en-US" dirty="0" smtClean="0"/>
+              <a:t>&gt;&gt;&gt; d1=</a:t>
+            </a:r>
+            <a:r>
+              <a:rPr lang="en-US" dirty="0" err="1" smtClean="0"/>
+              <a:t>dict</a:t>
+            </a:r>
+            <a:r>
+              <a:rPr lang="en-US" dirty="0" smtClean="0"/>
+              <a:t>(lst1,lst2) </a:t>
+            </a:r>
+            <a:endParaRPr lang="en-US" dirty="0" smtClean="0"/>
+          </a:p>
+          <a:p>
+            <a:r>
+              <a:rPr lang="en-US" dirty="0" err="1" smtClean="0"/>
+              <a:t>Traceback</a:t>
+            </a:r>
+            <a:r>
+              <a:rPr lang="en-US" dirty="0" smtClean="0"/>
+              <a:t> </a:t>
+            </a:r>
+            <a:r>
+              <a:rPr lang="en-US" dirty="0" smtClean="0"/>
+              <a:t>(most recent call last): </a:t>
+            </a:r>
+            <a:endParaRPr lang="en-US" dirty="0" smtClean="0"/>
+          </a:p>
+          <a:p>
+            <a:r>
+              <a:rPr lang="en-US" dirty="0" smtClean="0"/>
+              <a:t>File </a:t>
+            </a:r>
+            <a:r>
+              <a:rPr lang="en-US" dirty="0" smtClean="0"/>
+              <a:t>"&lt;python-input-83&gt;", line 1, in &lt;module&gt; </a:t>
+            </a:r>
+            <a:endParaRPr lang="en-US" dirty="0" smtClean="0"/>
+          </a:p>
+          <a:p>
+            <a:r>
+              <a:rPr lang="en-US" dirty="0" smtClean="0"/>
+              <a:t>d1=</a:t>
+            </a:r>
+            <a:r>
+              <a:rPr lang="en-US" dirty="0" err="1" smtClean="0"/>
+              <a:t>dict</a:t>
+            </a:r>
+            <a:r>
+              <a:rPr lang="en-US" dirty="0" smtClean="0"/>
+              <a:t>(lst1,lst2</a:t>
+            </a:r>
+            <a:r>
+              <a:rPr lang="en-US" dirty="0" smtClean="0"/>
+              <a:t>) </a:t>
+            </a:r>
+            <a:endParaRPr lang="en-US" dirty="0" smtClean="0"/>
+          </a:p>
+          <a:p>
+            <a:r>
+              <a:rPr lang="en-US" dirty="0" err="1" smtClean="0"/>
+              <a:t>TypeError</a:t>
+            </a:r>
+            <a:r>
+              <a:rPr lang="en-US" dirty="0" smtClean="0"/>
+              <a:t>: </a:t>
+            </a:r>
+            <a:r>
+              <a:rPr lang="en-US" dirty="0" err="1" smtClean="0"/>
+              <a:t>dict</a:t>
+            </a:r>
+            <a:r>
+              <a:rPr lang="en-US" dirty="0" smtClean="0"/>
+              <a:t> expected at most 1 argument, got 2</a:t>
+            </a:r>
+            <a:endParaRPr lang="en-US" dirty="0"/>
+          </a:p>
+        </p:txBody>
+      </p:sp>
+    </p:spTree>
+  </p:cSld>
+  <p:clrMapOvr>
+    <a:masterClrMapping/>
+  </p:clrMapOvr>
+</p:sld>
+</file>
+
+<file path=ppt/slides/slide33.xml><?xml version="1.0" encoding="utf-8"?>
+<p:sld xmlns:a="http://schemas.openxmlformats.org/drawingml/2006/main" xmlns:r="http://schemas.openxmlformats.org/officeDocument/2006/relationships" xmlns:p="http://schemas.openxmlformats.org/presentationml/2006/main">
+  <p:cSld>
+    <p:spTree>
+      <p:nvGrpSpPr>
+        <p:cNvPr id="1" name=""/>
+        <p:cNvGrpSpPr/>
+        <p:nvPr/>
+      </p:nvGrpSpPr>
+      <p:grpSpPr>
+        <a:xfrm>
+          <a:off x="0" y="0"/>
+          <a:ext cx="0" cy="0"/>
+          <a:chOff x="0" y="0"/>
+          <a:chExt cx="0" cy="0"/>
+        </a:xfrm>
+      </p:grpSpPr>
+      <p:sp>
+        <p:nvSpPr>
+          <p:cNvPr id="2" name="Title 1"/>
+          <p:cNvSpPr>
+            <a:spLocks noGrp="1"/>
+          </p:cNvSpPr>
+          <p:nvPr>
+            <p:ph type="title"/>
+          </p:nvPr>
+        </p:nvSpPr>
+        <p:spPr/>
+        <p:txBody>
+          <a:bodyPr/>
+          <a:lstStyle/>
+          <a:p>
+            <a:r>
+              <a:rPr lang="en-US" dirty="0" smtClean="0"/>
+              <a:t>Example </a:t>
+            </a:r>
+            <a:endParaRPr lang="en-US" dirty="0"/>
+          </a:p>
+        </p:txBody>
+      </p:sp>
+      <p:sp>
+        <p:nvSpPr>
+          <p:cNvPr id="3" name="Content Placeholder 2"/>
+          <p:cNvSpPr>
+            <a:spLocks noGrp="1"/>
+          </p:cNvSpPr>
+          <p:nvPr>
+            <p:ph idx="1"/>
+          </p:nvPr>
+        </p:nvSpPr>
+        <p:spPr/>
+        <p:txBody>
+          <a:bodyPr>
+            <a:normAutofit fontScale="92500" lnSpcReduction="20000"/>
+          </a:bodyPr>
+          <a:lstStyle/>
+          <a:p>
+            <a:r>
+              <a:rPr lang="en-US" dirty="0" smtClean="0"/>
+              <a:t>&gt;&gt;&gt; #Zipping a File--zip() </a:t>
+            </a:r>
+            <a:endParaRPr lang="en-US" dirty="0" smtClean="0"/>
+          </a:p>
+          <a:p>
+            <a:r>
+              <a:rPr lang="en-US" dirty="0" smtClean="0"/>
+              <a:t>&gt;&gt;&gt; </a:t>
+            </a:r>
+            <a:r>
+              <a:rPr lang="en-US" dirty="0" smtClean="0"/>
+              <a:t>k=zip(lst1,lst2) </a:t>
+            </a:r>
+            <a:endParaRPr lang="en-US" dirty="0" smtClean="0"/>
+          </a:p>
+          <a:p>
+            <a:r>
+              <a:rPr lang="en-US" dirty="0" smtClean="0"/>
+              <a:t>&gt;&gt;&gt; </a:t>
+            </a:r>
+            <a:r>
+              <a:rPr lang="en-US" dirty="0" smtClean="0"/>
+              <a:t>d=</a:t>
+            </a:r>
+            <a:r>
+              <a:rPr lang="en-US" dirty="0" err="1" smtClean="0"/>
+              <a:t>dict</a:t>
+            </a:r>
+            <a:r>
+              <a:rPr lang="en-US" dirty="0" smtClean="0"/>
+              <a:t>(k) </a:t>
+            </a:r>
+            <a:endParaRPr lang="en-US" dirty="0" smtClean="0"/>
+          </a:p>
+          <a:p>
+            <a:r>
+              <a:rPr lang="en-US" dirty="0" smtClean="0"/>
+              <a:t>&gt;&gt;&gt; </a:t>
+            </a:r>
+            <a:r>
+              <a:rPr lang="en-US" dirty="0" smtClean="0"/>
+              <a:t>print(</a:t>
+            </a:r>
+            <a:r>
+              <a:rPr lang="en-US" dirty="0" err="1" smtClean="0"/>
+              <a:t>d,type</a:t>
+            </a:r>
+            <a:r>
+              <a:rPr lang="en-US" dirty="0" smtClean="0"/>
+              <a:t>(d)) {10: 'RS', 20: 'TR', 30: 'DR', 40: 'JH'} &lt;class '</a:t>
+            </a:r>
+            <a:r>
+              <a:rPr lang="en-US" dirty="0" err="1" smtClean="0"/>
+              <a:t>dict</a:t>
+            </a:r>
+            <a:r>
+              <a:rPr lang="en-US" dirty="0" smtClean="0"/>
+              <a:t>'&gt; </a:t>
+            </a:r>
+            <a:endParaRPr lang="en-US" dirty="0" smtClean="0"/>
+          </a:p>
+          <a:p>
+            <a:r>
+              <a:rPr lang="en-US" dirty="0" smtClean="0"/>
+              <a:t>&gt;&gt;&gt; </a:t>
+            </a:r>
+            <a:r>
+              <a:rPr lang="en-US" dirty="0" smtClean="0"/>
+              <a:t>print(type(k)) &lt;class 'zip'&gt; </a:t>
+            </a:r>
+            <a:endParaRPr lang="en-US" dirty="0" smtClean="0"/>
+          </a:p>
+          <a:p>
+            <a:r>
+              <a:rPr lang="en-US" dirty="0" smtClean="0"/>
+              <a:t>&gt;&gt;&gt; </a:t>
+            </a:r>
+            <a:r>
+              <a:rPr lang="en-US" dirty="0" smtClean="0"/>
+              <a:t>for k ,v in </a:t>
+            </a:r>
+            <a:r>
+              <a:rPr lang="en-US" dirty="0" err="1" smtClean="0"/>
+              <a:t>d.items</a:t>
+            </a:r>
+            <a:r>
+              <a:rPr lang="en-US" dirty="0" smtClean="0"/>
+              <a:t>(): </a:t>
+            </a:r>
+            <a:endParaRPr lang="en-US" dirty="0" smtClean="0"/>
+          </a:p>
+          <a:p>
+            <a:r>
+              <a:rPr lang="en-US" dirty="0" smtClean="0"/>
+              <a:t>... </a:t>
+            </a:r>
+            <a:r>
+              <a:rPr lang="en-US" dirty="0" smtClean="0"/>
+              <a:t>print(</a:t>
+            </a:r>
+            <a:r>
+              <a:rPr lang="en-US" dirty="0" err="1" smtClean="0"/>
+              <a:t>k,v</a:t>
+            </a:r>
+            <a:r>
+              <a:rPr lang="en-US" dirty="0" smtClean="0"/>
+              <a:t>) </a:t>
+            </a:r>
+            <a:endParaRPr lang="en-US" dirty="0" smtClean="0"/>
+          </a:p>
+          <a:p>
+            <a:r>
+              <a:rPr lang="en-US" dirty="0" smtClean="0"/>
+              <a:t>... </a:t>
+            </a:r>
+            <a:r>
+              <a:rPr lang="en-US" dirty="0" smtClean="0"/>
+              <a:t>10 RS </a:t>
+            </a:r>
+            <a:endParaRPr lang="en-US" dirty="0" smtClean="0"/>
+          </a:p>
+          <a:p>
+            <a:r>
+              <a:rPr lang="en-US" dirty="0" smtClean="0"/>
+              <a:t>20 </a:t>
+            </a:r>
+            <a:r>
+              <a:rPr lang="en-US" dirty="0" smtClean="0"/>
+              <a:t>TR </a:t>
+            </a:r>
+            <a:endParaRPr lang="en-US" dirty="0" smtClean="0"/>
+          </a:p>
+          <a:p>
+            <a:r>
+              <a:rPr lang="en-US" dirty="0" smtClean="0"/>
+              <a:t>30 </a:t>
+            </a:r>
+            <a:r>
+              <a:rPr lang="en-US" dirty="0" smtClean="0"/>
+              <a:t>DR </a:t>
+            </a:r>
+            <a:endParaRPr lang="en-US" dirty="0" smtClean="0"/>
+          </a:p>
+          <a:p>
+            <a:r>
+              <a:rPr lang="en-US" dirty="0" smtClean="0"/>
+              <a:t>40 </a:t>
+            </a:r>
+            <a:r>
+              <a:rPr lang="en-US" dirty="0" smtClean="0"/>
+              <a:t>JH</a:t>
+            </a:r>
+            <a:endParaRPr lang="en-US" dirty="0"/>
+          </a:p>
+        </p:txBody>
+      </p:sp>
+    </p:spTree>
+  </p:cSld>
+  <p:clrMapOvr>
+    <a:masterClrMapping/>
+  </p:clrMapOvr>
+</p:sld>
+</file>
+
+<file path=ppt/slides/slide34.xml><?xml version="1.0" encoding="utf-8"?>
+<p:sld xmlns:a="http://schemas.openxmlformats.org/drawingml/2006/main" xmlns:r="http://schemas.openxmlformats.org/officeDocument/2006/relationships" xmlns:p="http://schemas.openxmlformats.org/presentationml/2006/main">
+  <p:cSld>
+    <p:spTree>
+      <p:nvGrpSpPr>
+        <p:cNvPr id="1" name=""/>
+        <p:cNvGrpSpPr/>
+        <p:nvPr/>
+      </p:nvGrpSpPr>
+      <p:grpSpPr>
+        <a:xfrm>
+          <a:off x="0" y="0"/>
+          <a:ext cx="0" cy="0"/>
+          <a:chOff x="0" y="0"/>
+          <a:chExt cx="0" cy="0"/>
+        </a:xfrm>
+      </p:grpSpPr>
+      <p:sp>
+        <p:nvSpPr>
+          <p:cNvPr id="2" name="Title 1"/>
+          <p:cNvSpPr>
+            <a:spLocks noGrp="1"/>
+          </p:cNvSpPr>
+          <p:nvPr>
+            <p:ph type="title"/>
+          </p:nvPr>
+        </p:nvSpPr>
+        <p:spPr/>
+        <p:txBody>
+          <a:bodyPr/>
+          <a:lstStyle/>
+          <a:p>
+            <a:r>
+              <a:rPr lang="en-US" dirty="0" smtClean="0"/>
+              <a:t>Example </a:t>
+            </a:r>
+            <a:endParaRPr lang="en-US" dirty="0"/>
+          </a:p>
+        </p:txBody>
+      </p:sp>
+      <p:sp>
+        <p:nvSpPr>
+          <p:cNvPr id="3" name="Content Placeholder 2"/>
+          <p:cNvSpPr>
+            <a:spLocks noGrp="1"/>
+          </p:cNvSpPr>
+          <p:nvPr>
+            <p:ph idx="1"/>
+          </p:nvPr>
+        </p:nvSpPr>
+        <p:spPr/>
+        <p:txBody>
+          <a:bodyPr>
+            <a:normAutofit fontScale="85000" lnSpcReduction="10000"/>
+          </a:bodyPr>
+          <a:lstStyle/>
+          <a:p>
+            <a:r>
+              <a:rPr lang="en-US" dirty="0" smtClean="0"/>
+              <a:t>&gt;&gt;&gt; print(d) {10: 'RS', 20: 'TR', 30: 'DR', 40: 'JH'} </a:t>
+            </a:r>
+            <a:endParaRPr lang="en-US" dirty="0" smtClean="0"/>
+          </a:p>
+          <a:p>
+            <a:r>
+              <a:rPr lang="en-US" dirty="0" smtClean="0"/>
+              <a:t>&gt;&gt;&gt; </a:t>
+            </a:r>
+            <a:r>
+              <a:rPr lang="en-US" dirty="0" smtClean="0"/>
+              <a:t>x=</a:t>
+            </a:r>
+            <a:r>
+              <a:rPr lang="en-US" dirty="0" err="1" smtClean="0"/>
+              <a:t>d.items</a:t>
+            </a:r>
+            <a:r>
+              <a:rPr lang="en-US" dirty="0" smtClean="0"/>
+              <a:t>() </a:t>
+            </a:r>
+            <a:endParaRPr lang="en-US" dirty="0" smtClean="0"/>
+          </a:p>
+          <a:p>
+            <a:r>
+              <a:rPr lang="en-US" dirty="0" smtClean="0"/>
+              <a:t>&gt;&gt;&gt; </a:t>
+            </a:r>
+            <a:r>
+              <a:rPr lang="en-US" dirty="0" smtClean="0"/>
+              <a:t>print(</a:t>
+            </a:r>
+            <a:r>
+              <a:rPr lang="en-US" dirty="0" err="1" smtClean="0"/>
+              <a:t>x,type</a:t>
+            </a:r>
+            <a:r>
+              <a:rPr lang="en-US" dirty="0" smtClean="0"/>
+              <a:t>(x)) </a:t>
+            </a:r>
+            <a:r>
+              <a:rPr lang="en-US" dirty="0" err="1" smtClean="0"/>
+              <a:t>dict_items</a:t>
+            </a:r>
+            <a:r>
+              <a:rPr lang="en-US" dirty="0" smtClean="0"/>
+              <a:t>([(10, 'RS'), (20, 'TR'), (30, 'DR'), (40, 'JH')]) &lt;class '</a:t>
+            </a:r>
+            <a:r>
+              <a:rPr lang="en-US" dirty="0" err="1" smtClean="0"/>
+              <a:t>dict_items</a:t>
+            </a:r>
+            <a:r>
+              <a:rPr lang="en-US" dirty="0" smtClean="0"/>
+              <a:t>'&gt; </a:t>
+            </a:r>
+            <a:endParaRPr lang="en-US" dirty="0" smtClean="0"/>
+          </a:p>
+          <a:p>
+            <a:r>
+              <a:rPr lang="en-US" dirty="0" smtClean="0"/>
+              <a:t>&gt;&gt;&gt; </a:t>
+            </a:r>
+            <a:r>
+              <a:rPr lang="en-US" dirty="0" smtClean="0"/>
+              <a:t>L=list(x) </a:t>
+            </a:r>
+            <a:endParaRPr lang="en-US" dirty="0" smtClean="0"/>
+          </a:p>
+          <a:p>
+            <a:r>
+              <a:rPr lang="en-US" dirty="0" smtClean="0"/>
+              <a:t>&gt;&gt;&gt; </a:t>
+            </a:r>
+            <a:r>
+              <a:rPr lang="en-US" dirty="0" smtClean="0"/>
+              <a:t>print(</a:t>
+            </a:r>
+            <a:r>
+              <a:rPr lang="en-US" dirty="0" err="1" smtClean="0"/>
+              <a:t>L,type</a:t>
+            </a:r>
+            <a:r>
+              <a:rPr lang="en-US" dirty="0" smtClean="0"/>
+              <a:t>(L)) [(10, 'RS'), (20, 'TR'), (30, 'DR'), (40, 'JH')] &lt;class 'list'&gt; </a:t>
+            </a:r>
+            <a:endParaRPr lang="en-US" dirty="0" smtClean="0"/>
+          </a:p>
+          <a:p>
+            <a:r>
+              <a:rPr lang="en-US" dirty="0" smtClean="0"/>
+              <a:t>&gt;&gt;&gt; </a:t>
+            </a:r>
+            <a:r>
+              <a:rPr lang="en-US" dirty="0" smtClean="0"/>
+              <a:t>T=</a:t>
+            </a:r>
+            <a:r>
+              <a:rPr lang="en-US" dirty="0" err="1" smtClean="0"/>
+              <a:t>tuple</a:t>
+            </a:r>
+            <a:r>
+              <a:rPr lang="en-US" dirty="0" smtClean="0"/>
+              <a:t>(x) </a:t>
+            </a:r>
+            <a:endParaRPr lang="en-US" dirty="0" smtClean="0"/>
+          </a:p>
+          <a:p>
+            <a:r>
+              <a:rPr lang="en-US" dirty="0" smtClean="0"/>
+              <a:t>&gt;&gt;&gt; </a:t>
+            </a:r>
+            <a:r>
+              <a:rPr lang="en-US" dirty="0" smtClean="0"/>
+              <a:t>print(</a:t>
+            </a:r>
+            <a:r>
+              <a:rPr lang="en-US" dirty="0" err="1" smtClean="0"/>
+              <a:t>T,type</a:t>
+            </a:r>
+            <a:r>
+              <a:rPr lang="en-US" dirty="0" smtClean="0"/>
+              <a:t>(T) </a:t>
+            </a:r>
+            <a:endParaRPr lang="en-US" dirty="0" smtClean="0"/>
+          </a:p>
+          <a:p>
+            <a:r>
+              <a:rPr lang="en-US" dirty="0" smtClean="0"/>
+              <a:t>...</a:t>
+            </a:r>
+          </a:p>
+          <a:p>
+            <a:r>
+              <a:rPr lang="en-US" dirty="0" smtClean="0"/>
+              <a:t> </a:t>
+            </a:r>
+            <a:r>
+              <a:rPr lang="en-US" dirty="0" smtClean="0"/>
+              <a:t>... ) </a:t>
+            </a:r>
+            <a:endParaRPr lang="en-US" dirty="0" smtClean="0"/>
+          </a:p>
+          <a:p>
+            <a:r>
+              <a:rPr lang="en-US" dirty="0" smtClean="0"/>
+              <a:t>((</a:t>
+            </a:r>
+            <a:r>
+              <a:rPr lang="en-US" dirty="0" smtClean="0"/>
+              <a:t>10, 'RS'), (20, 'TR'), (30, 'DR'), (40, 'JH')) &lt;class '</a:t>
+            </a:r>
+            <a:r>
+              <a:rPr lang="en-US" dirty="0" err="1" smtClean="0"/>
+              <a:t>tuple</a:t>
+            </a:r>
+            <a:r>
+              <a:rPr lang="en-US" dirty="0" smtClean="0"/>
               <a:t>'&gt;</a:t>
             </a:r>
+            <a:endParaRPr lang="en-US" dirty="0"/>
+          </a:p>
+        </p:txBody>
+      </p:sp>
+    </p:spTree>
+  </p:cSld>
+  <p:clrMapOvr>
+    <a:masterClrMapping/>
+  </p:clrMapOvr>
+</p:sld>
+</file>
+
+<file path=ppt/slides/slide35.xml><?xml version="1.0" encoding="utf-8"?>
+<p:sld xmlns:a="http://schemas.openxmlformats.org/drawingml/2006/main" xmlns:r="http://schemas.openxmlformats.org/officeDocument/2006/relationships" xmlns:p="http://schemas.openxmlformats.org/presentationml/2006/main">
+  <p:cSld>
+    <p:spTree>
+      <p:nvGrpSpPr>
+        <p:cNvPr id="1" name=""/>
+        <p:cNvGrpSpPr/>
+        <p:nvPr/>
+      </p:nvGrpSpPr>
+      <p:grpSpPr>
+        <a:xfrm>
+          <a:off x="0" y="0"/>
+          <a:ext cx="0" cy="0"/>
+          <a:chOff x="0" y="0"/>
+          <a:chExt cx="0" cy="0"/>
+        </a:xfrm>
+      </p:grpSpPr>
+      <p:sp>
+        <p:nvSpPr>
+          <p:cNvPr id="2" name="Title 1"/>
+          <p:cNvSpPr>
+            <a:spLocks noGrp="1"/>
+          </p:cNvSpPr>
+          <p:nvPr>
+            <p:ph type="title"/>
+          </p:nvPr>
+        </p:nvSpPr>
+        <p:spPr/>
+        <p:txBody>
+          <a:bodyPr/>
+          <a:lstStyle/>
+          <a:p>
+            <a:r>
+              <a:rPr lang="en-US" dirty="0" smtClean="0"/>
+              <a:t>Example </a:t>
+            </a:r>
+            <a:endParaRPr lang="en-US" dirty="0"/>
+          </a:p>
+        </p:txBody>
+      </p:sp>
+      <p:sp>
+        <p:nvSpPr>
+          <p:cNvPr id="3" name="Content Placeholder 2"/>
+          <p:cNvSpPr>
+            <a:spLocks noGrp="1"/>
+          </p:cNvSpPr>
+          <p:nvPr>
+            <p:ph idx="1"/>
+          </p:nvPr>
+        </p:nvSpPr>
+        <p:spPr/>
+        <p:txBody>
+          <a:bodyPr>
+            <a:normAutofit fontScale="92500" lnSpcReduction="20000"/>
+          </a:bodyPr>
+          <a:lstStyle/>
+          <a:p>
+            <a:r>
+              <a:rPr lang="en-US" dirty="0" smtClean="0"/>
+              <a:t>&gt;&gt;&gt; for k in T: ... print(k) </a:t>
+            </a:r>
+            <a:endParaRPr lang="en-US" dirty="0" smtClean="0"/>
+          </a:p>
+          <a:p>
+            <a:r>
+              <a:rPr lang="en-US" dirty="0" smtClean="0"/>
+              <a:t>&gt;&gt;&gt; </a:t>
+            </a:r>
+            <a:r>
+              <a:rPr lang="en-US" dirty="0" err="1" smtClean="0"/>
+              <a:t>lst</a:t>
+            </a:r>
+            <a:r>
+              <a:rPr lang="en-US" dirty="0" smtClean="0"/>
+              <a:t>=["A1","A2","A3"] </a:t>
+            </a:r>
+            <a:endParaRPr lang="en-US" dirty="0" smtClean="0"/>
+          </a:p>
+          <a:p>
+            <a:r>
+              <a:rPr lang="en-US" dirty="0" smtClean="0"/>
+              <a:t>&gt;&gt;&gt; </a:t>
+            </a:r>
+            <a:r>
+              <a:rPr lang="en-US" dirty="0" smtClean="0"/>
+              <a:t>print(</a:t>
+            </a:r>
+            <a:r>
+              <a:rPr lang="en-US" dirty="0" err="1" smtClean="0"/>
+              <a:t>lst</a:t>
+            </a:r>
+            <a:r>
+              <a:rPr lang="en-US" dirty="0" smtClean="0"/>
+              <a:t>) ['A1', 'A2', 'A3'] </a:t>
+            </a:r>
+            <a:endParaRPr lang="en-US" dirty="0" smtClean="0"/>
+          </a:p>
+          <a:p>
+            <a:r>
+              <a:rPr lang="en-US" dirty="0" smtClean="0"/>
+              <a:t>&gt;&gt;&gt; </a:t>
+            </a:r>
+            <a:r>
+              <a:rPr lang="en-US" dirty="0" smtClean="0"/>
+              <a:t>d=</a:t>
+            </a:r>
+            <a:r>
+              <a:rPr lang="en-US" dirty="0" err="1" smtClean="0"/>
+              <a:t>dict</a:t>
+            </a:r>
+            <a:r>
+              <a:rPr lang="en-US" dirty="0" smtClean="0"/>
+              <a:t>(</a:t>
+            </a:r>
+            <a:r>
+              <a:rPr lang="en-US" dirty="0" err="1" smtClean="0"/>
+              <a:t>lst</a:t>
+            </a:r>
+            <a:r>
+              <a:rPr lang="en-US" dirty="0" smtClean="0"/>
+              <a:t>) </a:t>
+            </a:r>
+            <a:endParaRPr lang="en-US" dirty="0" smtClean="0"/>
+          </a:p>
+          <a:p>
+            <a:r>
+              <a:rPr lang="en-US" dirty="0" smtClean="0"/>
+              <a:t>&gt;&gt;&gt; </a:t>
+            </a:r>
+            <a:r>
+              <a:rPr lang="en-US" dirty="0" smtClean="0"/>
+              <a:t>print(d) {'A': '3</a:t>
+            </a:r>
+            <a:r>
+              <a:rPr lang="en-US" dirty="0" smtClean="0"/>
+              <a:t>'}</a:t>
+            </a:r>
+          </a:p>
+          <a:p>
+            <a:r>
+              <a:rPr lang="en-US" dirty="0" smtClean="0"/>
+              <a:t>&gt;&gt;&gt; </a:t>
+            </a:r>
+            <a:r>
+              <a:rPr lang="en-US" dirty="0" err="1" smtClean="0"/>
+              <a:t>tpl</a:t>
+            </a:r>
+            <a:r>
+              <a:rPr lang="en-US" dirty="0" smtClean="0"/>
+              <a:t>=("A1","B1","C1") </a:t>
+            </a:r>
+            <a:endParaRPr lang="en-US" dirty="0" smtClean="0"/>
+          </a:p>
+          <a:p>
+            <a:r>
+              <a:rPr lang="en-US" dirty="0" smtClean="0"/>
+              <a:t>&gt;&gt;&gt; </a:t>
+            </a:r>
+            <a:r>
+              <a:rPr lang="en-US" dirty="0" smtClean="0"/>
+              <a:t>print(</a:t>
+            </a:r>
+            <a:r>
+              <a:rPr lang="en-US" dirty="0" err="1" smtClean="0"/>
+              <a:t>tpl</a:t>
+            </a:r>
+            <a:r>
+              <a:rPr lang="en-US" dirty="0" smtClean="0"/>
+              <a:t>) ('A1', 'B1', 'C1</a:t>
+            </a:r>
+            <a:r>
+              <a:rPr lang="en-US" dirty="0" smtClean="0"/>
+              <a:t>')</a:t>
+            </a:r>
           </a:p>
           <a:p>
             <a:r>
@@ -8440,11 +10773,38 @@
             </a:r>
             <a:r>
               <a:rPr lang="en-US" dirty="0" smtClean="0"/>
-              <a:t>&gt;&gt;&gt; for its in d1.items(): </a:t>
-            </a:r>
-            <a:r>
-              <a:rPr lang="en-US" dirty="0" smtClean="0"/>
-              <a:t>...</a:t>
+              <a:t>&gt;&gt;&gt; d=</a:t>
+            </a:r>
+            <a:r>
+              <a:rPr lang="en-US" dirty="0" err="1" smtClean="0"/>
+              <a:t>dict</a:t>
+            </a:r>
+            <a:r>
+              <a:rPr lang="en-US" dirty="0" smtClean="0"/>
+              <a:t>(</a:t>
+            </a:r>
+            <a:r>
+              <a:rPr lang="en-US" dirty="0" err="1" smtClean="0"/>
+              <a:t>tpl</a:t>
+            </a:r>
+            <a:r>
+              <a:rPr lang="en-US" dirty="0" smtClean="0"/>
+              <a:t>) </a:t>
+            </a:r>
+            <a:endParaRPr lang="en-US" dirty="0" smtClean="0"/>
+          </a:p>
+          <a:p>
+            <a:r>
+              <a:rPr lang="en-US" dirty="0" smtClean="0"/>
+              <a:t>&gt;&gt;&gt; </a:t>
+            </a:r>
+            <a:r>
+              <a:rPr lang="en-US" dirty="0" smtClean="0"/>
+              <a:t>print(d) {'A': '1', 'B': '1', 'C': '1</a:t>
+            </a:r>
+            <a:r>
+              <a:rPr lang="en-US" dirty="0" smtClean="0"/>
+              <a:t>'}</a:t>
             </a:r>
           </a:p>
           <a:p>
@@ -8454,135 +10814,246 @@
             </a:r>
             <a:r>
               <a:rPr lang="en-US" dirty="0" smtClean="0"/>
-              <a:t>print(its) ... </a:t>
+              <a:t>&gt;&gt;&gt; x=["PYTHON","JAVA","OYO"] </a:t>
             </a:r>
             <a:endParaRPr lang="en-US" dirty="0" smtClean="0"/>
           </a:p>
           <a:p>
             <a:r>
               <a:rPr lang="en-US" dirty="0" smtClean="0"/>
+              <a:t>&gt;&gt;&gt; </a:t>
+            </a:r>
+            <a:r>
+              <a:rPr lang="en-US" dirty="0" smtClean="0"/>
+              <a:t>print(</a:t>
+            </a:r>
+            <a:r>
+              <a:rPr lang="en-US" dirty="0" err="1" smtClean="0"/>
+              <a:t>x,type</a:t>
+            </a:r>
+            <a:r>
+              <a:rPr lang="en-US" dirty="0" smtClean="0"/>
+              <a:t>(x)) ['PYTHON', 'JAVA', 'OYO'] &lt;class 'list'&gt;</a:t>
+            </a:r>
+            <a:endParaRPr lang="en-US" dirty="0"/>
+          </a:p>
+        </p:txBody>
+      </p:sp>
+    </p:spTree>
+  </p:cSld>
+  <p:clrMapOvr>
+    <a:masterClrMapping/>
+  </p:clrMapOvr>
+</p:sld>
+</file>
+
+<file path=ppt/slides/slide36.xml><?xml version="1.0" encoding="utf-8"?>
+<p:sld xmlns:a="http://schemas.openxmlformats.org/drawingml/2006/main" xmlns:r="http://schemas.openxmlformats.org/officeDocument/2006/relationships" xmlns:p="http://schemas.openxmlformats.org/presentationml/2006/main">
+  <p:cSld>
+    <p:spTree>
+      <p:nvGrpSpPr>
+        <p:cNvPr id="1" name=""/>
+        <p:cNvGrpSpPr/>
+        <p:nvPr/>
+      </p:nvGrpSpPr>
+      <p:grpSpPr>
+        <a:xfrm>
+          <a:off x="0" y="0"/>
+          <a:ext cx="0" cy="0"/>
+          <a:chOff x="0" y="0"/>
+          <a:chExt cx="0" cy="0"/>
+        </a:xfrm>
+      </p:grpSpPr>
+      <p:sp>
+        <p:nvSpPr>
+          <p:cNvPr id="2" name="Title 1"/>
+          <p:cNvSpPr>
+            <a:spLocks noGrp="1"/>
+          </p:cNvSpPr>
+          <p:nvPr>
+            <p:ph type="title"/>
+          </p:nvPr>
+        </p:nvSpPr>
+        <p:spPr/>
+        <p:txBody>
+          <a:bodyPr/>
+          <a:lstStyle/>
+          <a:p>
+            <a:r>
+              <a:rPr lang="en-US" dirty="0" smtClean="0"/>
+              <a:t>Example :-</a:t>
+            </a:r>
+            <a:endParaRPr lang="en-US" dirty="0"/>
+          </a:p>
+        </p:txBody>
+      </p:sp>
+      <p:sp>
+        <p:nvSpPr>
+          <p:cNvPr id="3" name="Content Placeholder 2"/>
+          <p:cNvSpPr>
+            <a:spLocks noGrp="1"/>
+          </p:cNvSpPr>
+          <p:nvPr>
+            <p:ph idx="1"/>
+          </p:nvPr>
+        </p:nvSpPr>
+        <p:spPr>
+          <a:xfrm>
+            <a:off x="0" y="1775191"/>
+            <a:ext cx="8686800" cy="4625609"/>
+          </a:xfrm>
+        </p:spPr>
+        <p:txBody>
+          <a:bodyPr>
+            <a:normAutofit fontScale="85000" lnSpcReduction="10000"/>
+          </a:bodyPr>
+          <a:lstStyle/>
+          <a:p>
+            <a:r>
+              <a:rPr lang="en-US" dirty="0" smtClean="0"/>
+              <a:t>&gt;&gt;&gt; d=</a:t>
+            </a:r>
+            <a:r>
+              <a:rPr lang="en-US" dirty="0" err="1" smtClean="0"/>
+              <a:t>dict</a:t>
+            </a:r>
+            <a:r>
+              <a:rPr lang="en-US" dirty="0" smtClean="0"/>
+              <a:t>(x) </a:t>
+            </a:r>
+            <a:r>
+              <a:rPr lang="en-US" dirty="0" err="1" smtClean="0"/>
+              <a:t>Traceback</a:t>
+            </a:r>
+            <a:r>
+              <a:rPr lang="en-US" dirty="0" smtClean="0"/>
+              <a:t> (most recent call last): </a:t>
+            </a:r>
+            <a:endParaRPr lang="en-US" dirty="0" smtClean="0"/>
+          </a:p>
+          <a:p>
+            <a:r>
+              <a:rPr lang="en-US" dirty="0" smtClean="0"/>
+              <a:t>File </a:t>
+            </a:r>
+            <a:r>
+              <a:rPr lang="en-US" dirty="0" smtClean="0"/>
+              <a:t>"&lt;python-input-118&gt;", line 1, in &lt;module&gt; d=</a:t>
+            </a:r>
+            <a:r>
+              <a:rPr lang="en-US" dirty="0" err="1" smtClean="0"/>
+              <a:t>dict</a:t>
+            </a:r>
+            <a:r>
+              <a:rPr lang="en-US" dirty="0" smtClean="0"/>
+              <a:t>(x) </a:t>
+            </a:r>
+            <a:r>
+              <a:rPr lang="en-US" dirty="0" err="1" smtClean="0"/>
+              <a:t>ValueError</a:t>
+            </a:r>
+            <a:r>
+              <a:rPr lang="en-US" dirty="0" smtClean="0"/>
+              <a:t>: </a:t>
+            </a:r>
+            <a:endParaRPr lang="en-US" dirty="0" smtClean="0"/>
+          </a:p>
+          <a:p>
+            <a:r>
+              <a:rPr lang="en-US" dirty="0" smtClean="0"/>
+              <a:t>dictionary </a:t>
+            </a:r>
+            <a:r>
+              <a:rPr lang="en-US" dirty="0" smtClean="0"/>
+              <a:t>update sequence element #0 has length 6; 2 is required </a:t>
+            </a:r>
+            <a:endParaRPr lang="en-US" dirty="0" smtClean="0"/>
+          </a:p>
+          <a:p>
+            <a:r>
+              <a:rPr lang="en-US" dirty="0" smtClean="0"/>
+              <a:t>&gt;&gt;&gt; </a:t>
+            </a:r>
+            <a:r>
+              <a:rPr lang="en-US" dirty="0" err="1" smtClean="0"/>
+              <a:t>lst</a:t>
+            </a:r>
+            <a:r>
+              <a:rPr lang="en-US" dirty="0" smtClean="0"/>
+              <a:t>=["1","2","3"] </a:t>
+            </a:r>
+            <a:endParaRPr lang="en-US" dirty="0" smtClean="0"/>
+          </a:p>
+          <a:p>
+            <a:r>
+              <a:rPr lang="en-US" dirty="0" smtClean="0"/>
+              <a:t>&gt;&gt;&gt; </a:t>
+            </a:r>
+            <a:r>
+              <a:rPr lang="en-US" dirty="0" smtClean="0"/>
+              <a:t>d=</a:t>
+            </a:r>
+            <a:r>
+              <a:rPr lang="en-US" dirty="0" err="1" smtClean="0"/>
+              <a:t>dict</a:t>
+            </a:r>
+            <a:r>
+              <a:rPr lang="en-US" dirty="0" smtClean="0"/>
               <a:t>(</a:t>
             </a:r>
             <a:r>
-              <a:rPr lang="en-US" dirty="0" smtClean="0"/>
-              <a:t>'</a:t>
-            </a:r>
-            <a:r>
-              <a:rPr lang="en-US" dirty="0" err="1" smtClean="0"/>
-              <a:t>sno</a:t>
-            </a:r>
-            <a:r>
-              <a:rPr lang="en-US" dirty="0" smtClean="0"/>
-              <a:t>', 10) </a:t>
+              <a:rPr lang="en-US" dirty="0" err="1" smtClean="0"/>
+              <a:t>lst</a:t>
+            </a:r>
+            <a:r>
+              <a:rPr lang="en-US" dirty="0" smtClean="0"/>
+              <a:t>) </a:t>
+            </a:r>
+            <a:r>
+              <a:rPr lang="en-US" dirty="0" err="1" smtClean="0"/>
+              <a:t>Traceback</a:t>
+            </a:r>
+            <a:r>
+              <a:rPr lang="en-US" dirty="0" smtClean="0"/>
+              <a:t> (most recent call last): File "&lt;python-input-121&gt;", line 1, in &lt;module&gt; d=</a:t>
+            </a:r>
+            <a:r>
+              <a:rPr lang="en-US" dirty="0" err="1" smtClean="0"/>
+              <a:t>dict</a:t>
+            </a:r>
+            <a:r>
+              <a:rPr lang="en-US" dirty="0" smtClean="0"/>
+              <a:t>(</a:t>
+            </a:r>
+            <a:r>
+              <a:rPr lang="en-US" dirty="0" err="1" smtClean="0"/>
+              <a:t>lst</a:t>
+            </a:r>
+            <a:r>
+              <a:rPr lang="en-US" dirty="0" smtClean="0"/>
+              <a:t>) </a:t>
             </a:r>
             <a:endParaRPr lang="en-US" dirty="0" smtClean="0"/>
           </a:p>
           <a:p>
             <a:r>
-              <a:rPr lang="en-US" dirty="0" smtClean="0"/>
-              <a:t>(</a:t>
-            </a:r>
-            <a:r>
-              <a:rPr lang="en-US" dirty="0" smtClean="0"/>
-              <a:t>'</a:t>
-            </a:r>
-            <a:r>
-              <a:rPr lang="en-US" dirty="0" err="1" smtClean="0"/>
-              <a:t>sname</a:t>
-            </a:r>
-            <a:r>
-              <a:rPr lang="en-US" dirty="0" smtClean="0"/>
-              <a:t>', 'RS') </a:t>
+              <a:rPr lang="en-US" dirty="0" err="1" smtClean="0"/>
+              <a:t>ValueError</a:t>
+            </a:r>
+            <a:r>
+              <a:rPr lang="en-US" dirty="0" smtClean="0"/>
+              <a:t>: dictionary update sequence element #0 has length 1; 2 is required </a:t>
             </a:r>
             <a:endParaRPr lang="en-US" dirty="0" smtClean="0"/>
           </a:p>
           <a:p>
             <a:r>
               <a:rPr lang="en-US" dirty="0" smtClean="0"/>
-              <a:t>(</a:t>
-            </a:r>
-            <a:r>
-              <a:rPr lang="en-US" dirty="0" smtClean="0"/>
-              <a:t>'</a:t>
-            </a:r>
-            <a:r>
-              <a:rPr lang="en-US" dirty="0" err="1" smtClean="0"/>
-              <a:t>IntMarks</a:t>
-            </a:r>
-            <a:r>
-              <a:rPr lang="en-US" dirty="0" smtClean="0"/>
-              <a:t>', {'cm': 17, '</a:t>
-            </a:r>
-            <a:r>
-              <a:rPr lang="en-US" dirty="0" err="1" smtClean="0"/>
-              <a:t>cpp</a:t>
-            </a:r>
-            <a:r>
-              <a:rPr lang="en-US" dirty="0" smtClean="0"/>
-              <a:t>': 16, '</a:t>
-            </a:r>
-            <a:r>
-              <a:rPr lang="en-US" dirty="0" err="1" smtClean="0"/>
-              <a:t>os'</a:t>
-            </a:r>
-            <a:r>
-              <a:rPr lang="en-US" dirty="0" smtClean="0"/>
-              <a:t>: 19}) </a:t>
-            </a:r>
-            <a:endParaRPr lang="en-US" dirty="0" smtClean="0"/>
-          </a:p>
-          <a:p>
-            <a:r>
-              <a:rPr lang="en-US" dirty="0" smtClean="0"/>
-              <a:t>(</a:t>
-            </a:r>
-            <a:r>
-              <a:rPr lang="en-US" dirty="0" smtClean="0"/>
-              <a:t>'</a:t>
-            </a:r>
-            <a:r>
-              <a:rPr lang="en-US" dirty="0" err="1" smtClean="0"/>
-              <a:t>ExtMarks</a:t>
-            </a:r>
-            <a:r>
-              <a:rPr lang="en-US" dirty="0" smtClean="0"/>
-              <a:t>', {'cm': 78, '</a:t>
-            </a:r>
-            <a:r>
-              <a:rPr lang="en-US" dirty="0" err="1" smtClean="0"/>
-              <a:t>cpp</a:t>
-            </a:r>
-            <a:r>
-              <a:rPr lang="en-US" dirty="0" smtClean="0"/>
-              <a:t>': 77, '</a:t>
-            </a:r>
-            <a:r>
-              <a:rPr lang="en-US" dirty="0" err="1" smtClean="0"/>
-              <a:t>os'</a:t>
-            </a:r>
-            <a:r>
-              <a:rPr lang="en-US" dirty="0" smtClean="0"/>
-              <a:t>: 79}) </a:t>
-            </a:r>
-            <a:endParaRPr lang="en-US" dirty="0" smtClean="0"/>
-          </a:p>
-          <a:p>
-            <a:r>
-              <a:rPr lang="en-US" dirty="0" smtClean="0"/>
-              <a:t>(</a:t>
-            </a:r>
-            <a:r>
-              <a:rPr lang="en-US" dirty="0" smtClean="0"/>
-              <a:t>'</a:t>
-            </a:r>
-            <a:r>
-              <a:rPr lang="en-US" dirty="0" err="1" smtClean="0"/>
-              <a:t>cname</a:t>
-            </a:r>
-            <a:r>
-              <a:rPr lang="en-US" dirty="0" smtClean="0"/>
-              <a:t>', 'CUCET')</a:t>
-            </a:r>
+              <a:t/>
+            </a:r>
+            <a:br>
+              <a:rPr lang="en-US" dirty="0" smtClean="0"/>
+            </a:br>
             <a:endParaRPr lang="en-US" dirty="0"/>
           </a:p>
         </p:txBody>
@@ -8660,11 +11131,13 @@
             </a:r>
             <a:r>
               <a:rPr lang="en-US" dirty="0" smtClean="0"/>
-              <a:t> in d1.items(): </a:t>
-            </a:r>
-            <a:r>
-              <a:rPr lang="en-US" dirty="0" smtClean="0"/>
-              <a:t>..</a:t>
+              <a:t> in d1.items(): ..</a:t>
+            </a:r>
+          </a:p>
+          <a:p>
+            <a:r>
+              <a:rPr lang="en-US" dirty="0" smtClean="0"/>
+              <a:t>   print(k,"---&gt;",v) ...</a:t>
             </a:r>
           </a:p>
           <a:p>
@@ -8673,24 +11146,6 @@
               <a:t> </a:t>
             </a:r>
             <a:r>
-              <a:rPr lang="en-US" dirty="0" smtClean="0"/>
-              <a:t>  </a:t>
-            </a:r>
-            <a:r>
-              <a:rPr lang="en-US" dirty="0" smtClean="0"/>
-              <a:t>print(k,"---&gt;",v) </a:t>
-            </a:r>
-            <a:r>
-              <a:rPr lang="en-US" dirty="0" smtClean="0"/>
-              <a:t>...</a:t>
-            </a:r>
-          </a:p>
-          <a:p>
-            <a:r>
-              <a:rPr lang="en-US" dirty="0" smtClean="0"/>
-              <a:t> </a:t>
-            </a:r>
-            <a:r>
               <a:rPr lang="en-US" dirty="0" err="1" smtClean="0"/>
               <a:t>sno</a:t>
             </a:r>
@@ -8698,7 +11153,6 @@
               <a:rPr lang="en-US" dirty="0" smtClean="0"/>
               <a:t> ---&gt; 10 </a:t>
             </a:r>
-            <a:endParaRPr lang="en-US" dirty="0" smtClean="0"/>
           </a:p>
           <a:p>
             <a:r>
@@ -8707,13 +11161,8 @@
             </a:r>
             <a:r>
               <a:rPr lang="en-US" dirty="0" smtClean="0"/>
-              <a:t> </a:t>
-            </a:r>
-            <a:r>
-              <a:rPr lang="en-US" dirty="0" smtClean="0"/>
-              <a:t>---&gt; RS </a:t>
-            </a:r>
-            <a:endParaRPr lang="en-US" dirty="0" smtClean="0"/>
+              <a:t> ---&gt; RS </a:t>
+            </a:r>
           </a:p>
           <a:p>
             <a:r>
@@ -8722,11 +11171,7 @@
             </a:r>
             <a:r>
               <a:rPr lang="en-US" dirty="0" smtClean="0"/>
-              <a:t> </a:t>
-            </a:r>
-            <a:r>
-              <a:rPr lang="en-US" dirty="0" smtClean="0"/>
-              <a:t>---&gt; {'cm': 17, '</a:t>
+              <a:t> ---&gt; {'cm': 17, '</a:t>
             </a:r>
             <a:r>
               <a:rPr lang="en-US" dirty="0" err="1" smtClean="0"/>
@@ -8744,7 +11189,6 @@
               <a:rPr lang="en-US" dirty="0" smtClean="0"/>
               <a:t>: 19} </a:t>
             </a:r>
-            <a:endParaRPr lang="en-US" dirty="0" smtClean="0"/>
           </a:p>
           <a:p>
             <a:r>
@@ -8753,11 +11197,7 @@
             </a:r>
             <a:r>
               <a:rPr lang="en-US" dirty="0" smtClean="0"/>
-              <a:t> </a:t>
-            </a:r>
-            <a:r>
-              <a:rPr lang="en-US" dirty="0" smtClean="0"/>
-              <a:t>---&gt; {'cm': 78, '</a:t>
+              <a:t> ---&gt; {'cm': 78, '</a:t>
             </a:r>
             <a:r>
               <a:rPr lang="en-US" dirty="0" err="1" smtClean="0"/>
@@ -8775,7 +11215,6 @@
               <a:rPr lang="en-US" dirty="0" smtClean="0"/>
               <a:t>: 79} </a:t>
             </a:r>
-            <a:endParaRPr lang="en-US" dirty="0" smtClean="0"/>
           </a:p>
           <a:p>
             <a:r>
@@ -8784,11 +11223,7 @@
             </a:r>
             <a:r>
               <a:rPr lang="en-US" dirty="0" smtClean="0"/>
-              <a:t> </a:t>
-            </a:r>
-            <a:r>
-              <a:rPr lang="en-US" dirty="0" smtClean="0"/>
-              <a:t>---&gt; CUCET</a:t>
+              <a:t> ---&gt; CUCET</a:t>
             </a:r>
             <a:endParaRPr lang="en-US" b="1" dirty="0"/>
           </a:p>
@@ -8865,23 +11300,14 @@
             </a:r>
             <a:r>
               <a:rPr lang="en-US" dirty="0" smtClean="0"/>
-              <a:t> in d1.items(): </a:t>
-            </a:r>
-            <a:r>
-              <a:rPr lang="en-US" dirty="0" smtClean="0"/>
-              <a:t>...</a:t>
-            </a:r>
-          </a:p>
-          <a:p>
-            <a:r>
-              <a:rPr lang="en-US" dirty="0" smtClean="0"/>
-              <a:t> </a:t>
-            </a:r>
-            <a:r>
-              <a:rPr lang="en-US" dirty="0" smtClean="0"/>
-              <a:t>print(k,"---&gt;",v,"--&gt;",type(v),type(d1)) ... </a:t>
-            </a:r>
-            <a:endParaRPr lang="en-US" dirty="0" smtClean="0"/>
+              <a:t> in d1.items(): ...</a:t>
+            </a:r>
+          </a:p>
+          <a:p>
+            <a:r>
+              <a:rPr lang="en-US" dirty="0" smtClean="0"/>
+              <a:t> print(k,"---&gt;",v,"--&gt;",type(v),type(d1)) ... </a:t>
+            </a:r>
           </a:p>
           <a:p>
             <a:r>
@@ -8890,11 +11316,7 @@
             </a:r>
             <a:r>
               <a:rPr lang="en-US" dirty="0" smtClean="0"/>
-              <a:t> </a:t>
-            </a:r>
-            <a:r>
-              <a:rPr lang="en-US" dirty="0" smtClean="0"/>
-              <a:t>---&gt; 10 --&gt; &lt;class '</a:t>
+              <a:t> ---&gt; 10 --&gt; &lt;class '</a:t>
             </a:r>
             <a:r>
               <a:rPr lang="en-US" dirty="0" err="1" smtClean="0"/>
@@ -8912,7 +11334,6 @@
               <a:rPr lang="en-US" dirty="0" smtClean="0"/>
               <a:t>'&gt; </a:t>
             </a:r>
-            <a:endParaRPr lang="en-US" dirty="0" smtClean="0"/>
           </a:p>
           <a:p>
             <a:r>
@@ -8921,11 +11342,7 @@
             </a:r>
             <a:r>
               <a:rPr lang="en-US" dirty="0" smtClean="0"/>
-              <a:t> </a:t>
-            </a:r>
-            <a:r>
-              <a:rPr lang="en-US" dirty="0" smtClean="0"/>
-              <a:t>---&gt; RS --&gt; &lt;class '</a:t>
+              <a:t> ---&gt; RS --&gt; &lt;class '</a:t>
             </a:r>
             <a:r>
               <a:rPr lang="en-US" dirty="0" err="1" smtClean="0"/>
@@ -8943,7 +11360,6 @@
               <a:rPr lang="en-US" dirty="0" smtClean="0"/>
               <a:t>'&gt; </a:t>
             </a:r>
-            <a:endParaRPr lang="en-US" dirty="0" smtClean="0"/>
           </a:p>
           <a:p>
             <a:r>
@@ -8952,11 +11368,7 @@
             </a:r>
             <a:r>
               <a:rPr lang="en-US" dirty="0" smtClean="0"/>
-              <a:t> </a:t>
-            </a:r>
-            <a:r>
-              <a:rPr lang="en-US" dirty="0" smtClean="0"/>
-              <a:t>---&gt; {'cm': 17, '</a:t>
+              <a:t> ---&gt; {'cm': 17, '</a:t>
             </a:r>
             <a:r>
               <a:rPr lang="en-US" dirty="0" err="1" smtClean="0"/>
@@ -8990,7 +11402,6 @@
               <a:rPr lang="en-US" dirty="0" smtClean="0"/>
               <a:t>'&gt; </a:t>
             </a:r>
-            <a:endParaRPr lang="en-US" dirty="0" smtClean="0"/>
           </a:p>
           <a:p>
             <a:r>
@@ -8999,11 +11410,7 @@
             </a:r>
             <a:r>
               <a:rPr lang="en-US" dirty="0" smtClean="0"/>
-              <a:t> </a:t>
-            </a:r>
-            <a:r>
-              <a:rPr lang="en-US" dirty="0" smtClean="0"/>
-              <a:t>---&gt; {'cm': 78, '</a:t>
+              <a:t> ---&gt; {'cm': 78, '</a:t>
             </a:r>
             <a:r>
               <a:rPr lang="en-US" dirty="0" err="1" smtClean="0"/>
@@ -9037,7 +11444,6 @@
               <a:rPr lang="en-US" dirty="0" smtClean="0"/>
               <a:t>'&gt; </a:t>
             </a:r>
-            <a:endParaRPr lang="en-US" dirty="0" smtClean="0"/>
           </a:p>
           <a:p>
             <a:r>
@@ -9046,11 +11452,7 @@
             </a:r>
             <a:r>
               <a:rPr lang="en-US" dirty="0" smtClean="0"/>
-              <a:t> </a:t>
-            </a:r>
-            <a:r>
-              <a:rPr lang="en-US" dirty="0" smtClean="0"/>
-              <a:t>---&gt; CUCET --&gt; &lt;class '</a:t>
+              <a:t> ---&gt; CUCET --&gt; &lt;class '</a:t>
             </a:r>
             <a:r>
               <a:rPr lang="en-US" dirty="0" err="1" smtClean="0"/>
@@ -9166,16 +11568,11 @@
               <a:rPr lang="en-US" dirty="0" smtClean="0"/>
               <a:t>: 19} </a:t>
             </a:r>
-            <a:endParaRPr lang="en-US" dirty="0" smtClean="0"/>
-          </a:p>
-          <a:p>
-            <a:r>
-              <a:rPr lang="en-US" dirty="0" smtClean="0"/>
-              <a:t>&gt;&gt;&gt; </a:t>
-            </a:r>
-            <a:r>
-              <a:rPr lang="en-US" dirty="0" smtClean="0"/>
-              <a:t>d1["</a:t>
+          </a:p>
+          <a:p>
+            <a:r>
+              <a:rPr lang="en-US" dirty="0" smtClean="0"/>
+              <a:t>&gt;&gt;&gt; d1["</a:t>
             </a:r>
             <a:r>
               <a:rPr lang="en-US" dirty="0" err="1" smtClean="0"/>
@@ -9185,16 +11582,11 @@
               <a:rPr lang="en-US" dirty="0" smtClean="0"/>
               <a:t>"]["DBMS"]=16 </a:t>
             </a:r>
-            <a:endParaRPr lang="en-US" dirty="0" smtClean="0"/>
-          </a:p>
-          <a:p>
-            <a:r>
-              <a:rPr lang="en-US" dirty="0" smtClean="0"/>
-              <a:t>&gt;&gt;&gt; </a:t>
-            </a:r>
-            <a:r>
-              <a:rPr lang="en-US" dirty="0" smtClean="0"/>
-              <a:t>d1["</a:t>
+          </a:p>
+          <a:p>
+            <a:r>
+              <a:rPr lang="en-US" dirty="0" smtClean="0"/>
+              <a:t>&gt;&gt;&gt; d1["</a:t>
             </a:r>
             <a:r>
               <a:rPr lang="en-US" dirty="0" err="1" smtClean="0"/>
@@ -9204,20 +11596,11 @@
               <a:rPr lang="en-US" dirty="0" smtClean="0"/>
               <a:t>"]["DBMS"]=74 </a:t>
             </a:r>
-            <a:endParaRPr lang="en-US" dirty="0" smtClean="0"/>
-          </a:p>
-          <a:p>
-            <a:r>
-              <a:rPr lang="en-US" dirty="0" smtClean="0"/>
-              <a:t>&gt;&gt;&gt; </a:t>
-            </a:r>
-            <a:r>
-              <a:rPr lang="en-US" dirty="0" smtClean="0"/>
-              <a:t>print(d1,type(d1</a:t>
-            </a:r>
-            <a:r>
-              <a:rPr lang="en-US" dirty="0" smtClean="0"/>
-              <a:t>))</a:t>
+          </a:p>
+          <a:p>
+            <a:r>
+              <a:rPr lang="en-US" dirty="0" smtClean="0"/>
+              <a:t>&gt;&gt;&gt; print(d1,type(d1))</a:t>
             </a:r>
           </a:p>
           <a:p>
@@ -9396,16 +11779,11 @@
               <a:rPr lang="en-US" dirty="0" smtClean="0"/>
               <a:t>"].pop("cm")-------17 </a:t>
             </a:r>
-            <a:endParaRPr lang="en-US" dirty="0" smtClean="0"/>
-          </a:p>
-          <a:p>
-            <a:r>
-              <a:rPr lang="en-US" dirty="0" smtClean="0"/>
-              <a:t>&gt;&gt;&gt; </a:t>
-            </a:r>
-            <a:r>
-              <a:rPr lang="en-US" dirty="0" smtClean="0"/>
-              <a:t>d1["</a:t>
+          </a:p>
+          <a:p>
+            <a:r>
+              <a:rPr lang="en-US" dirty="0" smtClean="0"/>
+              <a:t>&gt;&gt;&gt; d1["</a:t>
             </a:r>
             <a:r>
               <a:rPr lang="en-US" dirty="0" err="1" smtClean="0"/>
@@ -9423,27 +11801,17 @@
               <a:rPr lang="en-US" dirty="0" smtClean="0"/>
               <a:t>")------79 </a:t>
             </a:r>
-            <a:endParaRPr lang="en-US" dirty="0" smtClean="0"/>
-          </a:p>
-          <a:p>
-            <a:r>
-              <a:rPr lang="en-US" dirty="0" smtClean="0"/>
-              <a:t>&gt;&gt;&gt; </a:t>
-            </a:r>
-            <a:r>
-              <a:rPr lang="en-US" dirty="0" smtClean="0"/>
-              <a:t>print(d1,type(d1)) </a:t>
-            </a:r>
-            <a:endParaRPr lang="en-US" dirty="0" smtClean="0"/>
-          </a:p>
-          <a:p>
-            <a:r>
-              <a:rPr lang="en-US" dirty="0" smtClean="0"/>
-              <a:t>{</a:t>
-            </a:r>
-            <a:r>
-              <a:rPr lang="en-US" dirty="0" smtClean="0"/>
-              <a:t>'</a:t>
+          </a:p>
+          <a:p>
+            <a:r>
+              <a:rPr lang="en-US" dirty="0" smtClean="0"/>
+              <a:t>&gt;&gt;&gt; print(d1,type(d1)) </a:t>
+            </a:r>
+          </a:p>
+          <a:p>
+            <a:r>
+              <a:rPr lang="en-US" dirty="0" smtClean="0"/>
+              <a:t>{'</a:t>
             </a:r>
             <a:r>
               <a:rPr lang="en-US" dirty="0" err="1" smtClean="0"/>
@@ -9588,11 +11956,7 @@
           <a:p>
             <a:r>
               <a:rPr lang="en-US" dirty="0" smtClean="0"/>
-              <a:t>&gt;&gt;&gt;d1</a:t>
-            </a:r>
-            <a:r>
-              <a:rPr lang="en-US" dirty="0" smtClean="0"/>
-              <a:t>={"</a:t>
+              <a:t>&gt;&gt;&gt;d1={"</a:t>
             </a:r>
             <a:r>
               <a:rPr lang="en-US" dirty="0" err="1" smtClean="0"/>
@@ -9626,16 +11990,11 @@
               <a:rPr lang="en-US" dirty="0" smtClean="0"/>
               <a:t>":"OU"} </a:t>
             </a:r>
-            <a:endParaRPr lang="en-US" dirty="0" smtClean="0"/>
-          </a:p>
-          <a:p>
-            <a:r>
-              <a:rPr lang="en-US" dirty="0" smtClean="0"/>
-              <a:t>&gt;&gt;&gt; </a:t>
-            </a:r>
-            <a:r>
-              <a:rPr lang="en-US" dirty="0" smtClean="0"/>
-              <a:t>print(d1,type(d1)) {'</a:t>
+          </a:p>
+          <a:p>
+            <a:r>
+              <a:rPr lang="en-US" dirty="0" smtClean="0"/>
+              <a:t>&gt;&gt;&gt; print(d1,type(d1)) {'</a:t>
             </a:r>
             <a:r>
               <a:rPr lang="en-US" dirty="0" err="1" smtClean="0"/>
@@ -9677,33 +12036,19 @@
               <a:rPr lang="en-US" dirty="0" smtClean="0"/>
               <a:t>'&gt; </a:t>
             </a:r>
-            <a:endParaRPr lang="en-US" dirty="0" smtClean="0"/>
-          </a:p>
-          <a:p>
-            <a:r>
-              <a:rPr lang="en-US" dirty="0" smtClean="0"/>
-              <a:t>&gt;&gt;&gt; </a:t>
-            </a:r>
-            <a:r>
-              <a:rPr lang="en-US" dirty="0" smtClean="0"/>
-              <a:t>for k in d1.keys(): </a:t>
-            </a:r>
-            <a:r>
-              <a:rPr lang="en-US" dirty="0" smtClean="0"/>
-              <a:t>..</a:t>
+          </a:p>
+          <a:p>
+            <a:r>
+              <a:rPr lang="en-US" dirty="0" smtClean="0"/>
+              <a:t>&gt;&gt;&gt; for k in d1.keys(): ..</a:t>
             </a:r>
           </a:p>
           <a:p>
             <a:pPr algn="ctr"/>
             <a:r>
               <a:rPr lang="en-US" dirty="0" smtClean="0"/>
-              <a:t>. </a:t>
-            </a:r>
-            <a:r>
-              <a:rPr lang="en-US" dirty="0" smtClean="0"/>
-              <a:t>print(k) ... </a:t>
-            </a:r>
-            <a:endParaRPr lang="en-US" dirty="0" smtClean="0"/>
+              <a:t>. print(k) ... </a:t>
+            </a:r>
           </a:p>
           <a:p>
             <a:r>
@@ -9712,13 +12057,8 @@
             </a:r>
             <a:r>
               <a:rPr lang="en-US" dirty="0" smtClean="0"/>
-              <a:t> </a:t>
-            </a:r>
-            <a:r>
-              <a:rPr lang="en-US" dirty="0" smtClean="0"/>
-              <a:t>name </a:t>
-            </a:r>
-            <a:endParaRPr lang="en-US" dirty="0" smtClean="0"/>
+              <a:t> name </a:t>
+            </a:r>
           </a:p>
           <a:p>
             <a:r>
@@ -9812,18 +12152,12 @@
               <a:rPr lang="en-US" dirty="0" smtClean="0"/>
               <a:t>&gt;&gt;&gt; for v in d1.values(): ... </a:t>
             </a:r>
-            <a:endParaRPr lang="en-US" dirty="0" smtClean="0"/>
-          </a:p>
-          <a:p>
-            <a:r>
-              <a:rPr lang="en-US" dirty="0" smtClean="0"/>
-              <a:t>print(v</a:t>
-            </a:r>
-            <a:r>
-              <a:rPr lang="en-US" dirty="0" smtClean="0"/>
-              <a:t>) ... </a:t>
-            </a:r>
-            <a:endParaRPr lang="en-US" dirty="0" smtClean="0"/>
+          </a:p>
+          <a:p>
+            <a:r>
+              <a:rPr lang="en-US" dirty="0" smtClean="0"/>
+              <a:t>print(v) ... </a:t>
+            </a:r>
           </a:p>
           <a:p>
             <a:r>
@@ -9840,27 +12174,14 @@
           <a:p>
             <a:r>
               <a:rPr lang="en-US" dirty="0" smtClean="0"/>
-              <a:t> </a:t>
-            </a:r>
-            <a:r>
-              <a:rPr lang="en-US" dirty="0" smtClean="0"/>
-              <a:t>{'cm': 17, 'c++': </a:t>
-            </a:r>
-            <a:r>
-              <a:rPr lang="en-US" dirty="0" smtClean="0"/>
-              <a:t>160}</a:t>
-            </a:r>
-          </a:p>
-          <a:p>
-            <a:r>
-              <a:rPr lang="en-US" dirty="0" smtClean="0"/>
-              <a:t> </a:t>
-            </a:r>
-            <a:r>
-              <a:rPr lang="en-US" dirty="0" smtClean="0"/>
-              <a:t>{'cm': 70, 'c++': 67} </a:t>
-            </a:r>
-            <a:endParaRPr lang="en-US" dirty="0" smtClean="0"/>
+              <a:t> {'cm': 17, 'c++': 160}</a:t>
+            </a:r>
+          </a:p>
+          <a:p>
+            <a:r>
+              <a:rPr lang="en-US" dirty="0" smtClean="0"/>
+              <a:t> {'cm': 70, 'c++': 67} </a:t>
+            </a:r>
           </a:p>
           <a:p>
             <a:r>
